--- a/기획문서/그림용ppt2.pptx
+++ b/기획문서/그림용ppt2.pptx
@@ -8,6 +8,7 @@
     <p:sldId id="256" r:id="rId2"/>
     <p:sldId id="257" r:id="rId3"/>
     <p:sldId id="258" r:id="rId4"/>
+    <p:sldId id="259" r:id="rId5"/>
   </p:sldIdLst>
   <p:sldSz cx="9144000" cy="6858000" type="screen4x3"/>
   <p:notesSz cx="6858000" cy="9144000"/>
@@ -290,7 +291,7 @@
           <a:p>
             <a:fld id="{887B44D2-9F09-4CF5-9157-8AA3F99D97C1}" type="datetimeFigureOut">
               <a:rPr lang="ko-KR" altLang="en-US" smtClean="0"/>
-              <a:t>2016-01-29</a:t>
+              <a:t>2016-02-19</a:t>
             </a:fld>
             <a:endParaRPr lang="ko-KR" altLang="en-US"/>
           </a:p>
@@ -460,7 +461,7 @@
           <a:p>
             <a:fld id="{887B44D2-9F09-4CF5-9157-8AA3F99D97C1}" type="datetimeFigureOut">
               <a:rPr lang="ko-KR" altLang="en-US" smtClean="0"/>
-              <a:t>2016-01-29</a:t>
+              <a:t>2016-02-19</a:t>
             </a:fld>
             <a:endParaRPr lang="ko-KR" altLang="en-US"/>
           </a:p>
@@ -640,7 +641,7 @@
           <a:p>
             <a:fld id="{887B44D2-9F09-4CF5-9157-8AA3F99D97C1}" type="datetimeFigureOut">
               <a:rPr lang="ko-KR" altLang="en-US" smtClean="0"/>
-              <a:t>2016-01-29</a:t>
+              <a:t>2016-02-19</a:t>
             </a:fld>
             <a:endParaRPr lang="ko-KR" altLang="en-US"/>
           </a:p>
@@ -810,7 +811,7 @@
           <a:p>
             <a:fld id="{887B44D2-9F09-4CF5-9157-8AA3F99D97C1}" type="datetimeFigureOut">
               <a:rPr lang="ko-KR" altLang="en-US" smtClean="0"/>
-              <a:t>2016-01-29</a:t>
+              <a:t>2016-02-19</a:t>
             </a:fld>
             <a:endParaRPr lang="ko-KR" altLang="en-US"/>
           </a:p>
@@ -1056,7 +1057,7 @@
           <a:p>
             <a:fld id="{887B44D2-9F09-4CF5-9157-8AA3F99D97C1}" type="datetimeFigureOut">
               <a:rPr lang="ko-KR" altLang="en-US" smtClean="0"/>
-              <a:t>2016-01-29</a:t>
+              <a:t>2016-02-19</a:t>
             </a:fld>
             <a:endParaRPr lang="ko-KR" altLang="en-US"/>
           </a:p>
@@ -1344,7 +1345,7 @@
           <a:p>
             <a:fld id="{887B44D2-9F09-4CF5-9157-8AA3F99D97C1}" type="datetimeFigureOut">
               <a:rPr lang="ko-KR" altLang="en-US" smtClean="0"/>
-              <a:t>2016-01-29</a:t>
+              <a:t>2016-02-19</a:t>
             </a:fld>
             <a:endParaRPr lang="ko-KR" altLang="en-US"/>
           </a:p>
@@ -1766,7 +1767,7 @@
           <a:p>
             <a:fld id="{887B44D2-9F09-4CF5-9157-8AA3F99D97C1}" type="datetimeFigureOut">
               <a:rPr lang="ko-KR" altLang="en-US" smtClean="0"/>
-              <a:t>2016-01-29</a:t>
+              <a:t>2016-02-19</a:t>
             </a:fld>
             <a:endParaRPr lang="ko-KR" altLang="en-US"/>
           </a:p>
@@ -1884,7 +1885,7 @@
           <a:p>
             <a:fld id="{887B44D2-9F09-4CF5-9157-8AA3F99D97C1}" type="datetimeFigureOut">
               <a:rPr lang="ko-KR" altLang="en-US" smtClean="0"/>
-              <a:t>2016-01-29</a:t>
+              <a:t>2016-02-19</a:t>
             </a:fld>
             <a:endParaRPr lang="ko-KR" altLang="en-US"/>
           </a:p>
@@ -1979,7 +1980,7 @@
           <a:p>
             <a:fld id="{887B44D2-9F09-4CF5-9157-8AA3F99D97C1}" type="datetimeFigureOut">
               <a:rPr lang="ko-KR" altLang="en-US" smtClean="0"/>
-              <a:t>2016-01-29</a:t>
+              <a:t>2016-02-19</a:t>
             </a:fld>
             <a:endParaRPr lang="ko-KR" altLang="en-US"/>
           </a:p>
@@ -2256,7 +2257,7 @@
           <a:p>
             <a:fld id="{887B44D2-9F09-4CF5-9157-8AA3F99D97C1}" type="datetimeFigureOut">
               <a:rPr lang="ko-KR" altLang="en-US" smtClean="0"/>
-              <a:t>2016-01-29</a:t>
+              <a:t>2016-02-19</a:t>
             </a:fld>
             <a:endParaRPr lang="ko-KR" altLang="en-US"/>
           </a:p>
@@ -2509,7 +2510,7 @@
           <a:p>
             <a:fld id="{887B44D2-9F09-4CF5-9157-8AA3F99D97C1}" type="datetimeFigureOut">
               <a:rPr lang="ko-KR" altLang="en-US" smtClean="0"/>
-              <a:t>2016-01-29</a:t>
+              <a:t>2016-02-19</a:t>
             </a:fld>
             <a:endParaRPr lang="ko-KR" altLang="en-US"/>
           </a:p>
@@ -2722,7 +2723,7 @@
           <a:p>
             <a:fld id="{887B44D2-9F09-4CF5-9157-8AA3F99D97C1}" type="datetimeFigureOut">
               <a:rPr lang="ko-KR" altLang="en-US" smtClean="0"/>
-              <a:t>2016-01-29</a:t>
+              <a:t>2016-02-19</a:t>
             </a:fld>
             <a:endParaRPr lang="ko-KR" altLang="en-US"/>
           </a:p>
@@ -4482,6 +4483,396 @@
 </p:sld>
 </file>
 
+<file path=ppt/slides/slide4.xml><?xml version="1.0" encoding="utf-8"?>
+<p:sld xmlns:a="http://schemas.openxmlformats.org/drawingml/2006/main" xmlns:r="http://schemas.openxmlformats.org/officeDocument/2006/relationships" xmlns:p="http://schemas.openxmlformats.org/presentationml/2006/main">
+  <p:cSld>
+    <p:spTree>
+      <p:nvGrpSpPr>
+        <p:cNvPr id="1" name=""/>
+        <p:cNvGrpSpPr/>
+        <p:nvPr/>
+      </p:nvGrpSpPr>
+      <p:grpSpPr>
+        <a:xfrm>
+          <a:off x="0" y="0"/>
+          <a:ext cx="0" cy="0"/>
+          <a:chOff x="0" y="0"/>
+          <a:chExt cx="0" cy="0"/>
+        </a:xfrm>
+      </p:grpSpPr>
+      <p:pic>
+        <p:nvPicPr>
+          <p:cNvPr id="2" name="Picture 1"/>
+          <p:cNvPicPr>
+            <a:picLocks noChangeAspect="1"/>
+          </p:cNvPicPr>
+          <p:nvPr/>
+        </p:nvPicPr>
+        <p:blipFill>
+          <a:blip r:embed="rId2">
+            <a:extLst>
+              <a:ext uri="{28A0092B-C50C-407E-A947-70E740481C1C}">
+                <a14:useLocalDpi xmlns:a14="http://schemas.microsoft.com/office/drawing/2010/main" val="0"/>
+              </a:ext>
+            </a:extLst>
+          </a:blip>
+          <a:stretch>
+            <a:fillRect/>
+          </a:stretch>
+        </p:blipFill>
+        <p:spPr>
+          <a:xfrm>
+            <a:off x="1547664" y="1812438"/>
+            <a:ext cx="5796136" cy="3092216"/>
+          </a:xfrm>
+          <a:prstGeom prst="rect">
+            <a:avLst/>
+          </a:prstGeom>
+        </p:spPr>
+      </p:pic>
+      <p:grpSp>
+        <p:nvGrpSpPr>
+          <p:cNvPr id="14" name="Group 13"/>
+          <p:cNvGrpSpPr/>
+          <p:nvPr/>
+        </p:nvGrpSpPr>
+        <p:grpSpPr>
+          <a:xfrm>
+            <a:off x="2771800" y="2167646"/>
+            <a:ext cx="3153931" cy="2376264"/>
+            <a:chOff x="2699792" y="2132856"/>
+            <a:chExt cx="3153931" cy="2376264"/>
+          </a:xfrm>
+        </p:grpSpPr>
+        <p:sp>
+          <p:nvSpPr>
+            <p:cNvPr id="13" name="Rectangle 12"/>
+            <p:cNvSpPr/>
+            <p:nvPr/>
+          </p:nvSpPr>
+          <p:spPr>
+            <a:xfrm>
+              <a:off x="2699792" y="3717032"/>
+              <a:ext cx="792088" cy="792088"/>
+            </a:xfrm>
+            <a:prstGeom prst="rect">
+              <a:avLst/>
+            </a:prstGeom>
+            <a:solidFill>
+              <a:srgbClr val="FFC000"/>
+            </a:solidFill>
+            <a:ln>
+              <a:noFill/>
+            </a:ln>
+          </p:spPr>
+          <p:style>
+            <a:lnRef idx="3">
+              <a:schemeClr val="lt1"/>
+            </a:lnRef>
+            <a:fillRef idx="1">
+              <a:schemeClr val="accent6"/>
+            </a:fillRef>
+            <a:effectRef idx="1">
+              <a:schemeClr val="accent6"/>
+            </a:effectRef>
+            <a:fontRef idx="minor">
+              <a:schemeClr val="lt1"/>
+            </a:fontRef>
+          </p:style>
+          <p:txBody>
+            <a:bodyPr rtlCol="0" anchor="ctr"/>
+            <a:lstStyle/>
+            <a:p>
+              <a:pPr algn="ctr"/>
+              <a:endParaRPr lang="ko-KR" altLang="en-US"/>
+            </a:p>
+          </p:txBody>
+        </p:sp>
+        <p:sp>
+          <p:nvSpPr>
+            <p:cNvPr id="15" name="Rectangle 14"/>
+            <p:cNvSpPr/>
+            <p:nvPr/>
+          </p:nvSpPr>
+          <p:spPr>
+            <a:xfrm>
+              <a:off x="3477459" y="3717032"/>
+              <a:ext cx="792088" cy="792088"/>
+            </a:xfrm>
+            <a:prstGeom prst="rect">
+              <a:avLst/>
+            </a:prstGeom>
+            <a:solidFill>
+              <a:srgbClr val="92D050"/>
+            </a:solidFill>
+            <a:ln>
+              <a:noFill/>
+            </a:ln>
+          </p:spPr>
+          <p:style>
+            <a:lnRef idx="3">
+              <a:schemeClr val="lt1"/>
+            </a:lnRef>
+            <a:fillRef idx="1">
+              <a:schemeClr val="accent3"/>
+            </a:fillRef>
+            <a:effectRef idx="1">
+              <a:schemeClr val="accent3"/>
+            </a:effectRef>
+            <a:fontRef idx="minor">
+              <a:schemeClr val="lt1"/>
+            </a:fontRef>
+          </p:style>
+          <p:txBody>
+            <a:bodyPr rtlCol="0" anchor="ctr"/>
+            <a:lstStyle/>
+            <a:p>
+              <a:pPr algn="ctr"/>
+              <a:endParaRPr lang="ko-KR" altLang="en-US"/>
+            </a:p>
+          </p:txBody>
+        </p:sp>
+        <p:sp>
+          <p:nvSpPr>
+            <p:cNvPr id="16" name="Rectangle 15"/>
+            <p:cNvSpPr/>
+            <p:nvPr/>
+          </p:nvSpPr>
+          <p:spPr>
+            <a:xfrm>
+              <a:off x="3477459" y="2924944"/>
+              <a:ext cx="792088" cy="792088"/>
+            </a:xfrm>
+            <a:prstGeom prst="rect">
+              <a:avLst/>
+            </a:prstGeom>
+            <a:solidFill>
+              <a:srgbClr val="00B050"/>
+            </a:solidFill>
+            <a:ln>
+              <a:noFill/>
+            </a:ln>
+          </p:spPr>
+          <p:style>
+            <a:lnRef idx="2">
+              <a:schemeClr val="accent1">
+                <a:shade val="50000"/>
+              </a:schemeClr>
+            </a:lnRef>
+            <a:fillRef idx="1">
+              <a:schemeClr val="accent1"/>
+            </a:fillRef>
+            <a:effectRef idx="0">
+              <a:schemeClr val="accent1"/>
+            </a:effectRef>
+            <a:fontRef idx="minor">
+              <a:schemeClr val="lt1"/>
+            </a:fontRef>
+          </p:style>
+          <p:txBody>
+            <a:bodyPr rtlCol="0" anchor="ctr"/>
+            <a:lstStyle/>
+            <a:p>
+              <a:pPr algn="ctr"/>
+              <a:endParaRPr lang="ko-KR" altLang="en-US"/>
+            </a:p>
+          </p:txBody>
+        </p:sp>
+        <p:sp>
+          <p:nvSpPr>
+            <p:cNvPr id="17" name="Rectangle 16"/>
+            <p:cNvSpPr/>
+            <p:nvPr/>
+          </p:nvSpPr>
+          <p:spPr>
+            <a:xfrm>
+              <a:off x="4269547" y="2924944"/>
+              <a:ext cx="792088" cy="792088"/>
+            </a:xfrm>
+            <a:prstGeom prst="rect">
+              <a:avLst/>
+            </a:prstGeom>
+            <a:solidFill>
+              <a:schemeClr val="tx2">
+                <a:lumMod val="60000"/>
+                <a:lumOff val="40000"/>
+              </a:schemeClr>
+            </a:solidFill>
+            <a:ln>
+              <a:noFill/>
+            </a:ln>
+          </p:spPr>
+          <p:style>
+            <a:lnRef idx="2">
+              <a:schemeClr val="accent1">
+                <a:shade val="50000"/>
+              </a:schemeClr>
+            </a:lnRef>
+            <a:fillRef idx="1">
+              <a:schemeClr val="accent1"/>
+            </a:fillRef>
+            <a:effectRef idx="0">
+              <a:schemeClr val="accent1"/>
+            </a:effectRef>
+            <a:fontRef idx="minor">
+              <a:schemeClr val="lt1"/>
+            </a:fontRef>
+          </p:style>
+          <p:txBody>
+            <a:bodyPr rtlCol="0" anchor="ctr"/>
+            <a:lstStyle/>
+            <a:p>
+              <a:pPr algn="ctr"/>
+              <a:endParaRPr lang="ko-KR" altLang="en-US"/>
+            </a:p>
+          </p:txBody>
+        </p:sp>
+        <p:sp>
+          <p:nvSpPr>
+            <p:cNvPr id="18" name="Rectangle 17"/>
+            <p:cNvSpPr/>
+            <p:nvPr/>
+          </p:nvSpPr>
+          <p:spPr>
+            <a:xfrm>
+              <a:off x="5061635" y="2924944"/>
+              <a:ext cx="792088" cy="792088"/>
+            </a:xfrm>
+            <a:prstGeom prst="rect">
+              <a:avLst/>
+            </a:prstGeom>
+            <a:solidFill>
+              <a:schemeClr val="bg1">
+                <a:lumMod val="95000"/>
+              </a:schemeClr>
+            </a:solidFill>
+            <a:ln>
+              <a:noFill/>
+            </a:ln>
+          </p:spPr>
+          <p:style>
+            <a:lnRef idx="2">
+              <a:schemeClr val="accent1">
+                <a:shade val="50000"/>
+              </a:schemeClr>
+            </a:lnRef>
+            <a:fillRef idx="1">
+              <a:schemeClr val="accent1"/>
+            </a:fillRef>
+            <a:effectRef idx="0">
+              <a:schemeClr val="accent1"/>
+            </a:effectRef>
+            <a:fontRef idx="minor">
+              <a:schemeClr val="lt1"/>
+            </a:fontRef>
+          </p:style>
+          <p:txBody>
+            <a:bodyPr rtlCol="0" anchor="ctr"/>
+            <a:lstStyle/>
+            <a:p>
+              <a:pPr algn="ctr"/>
+              <a:endParaRPr lang="ko-KR" altLang="en-US"/>
+            </a:p>
+          </p:txBody>
+        </p:sp>
+        <p:sp>
+          <p:nvSpPr>
+            <p:cNvPr id="19" name="Rectangle 18"/>
+            <p:cNvSpPr/>
+            <p:nvPr/>
+          </p:nvSpPr>
+          <p:spPr>
+            <a:xfrm>
+              <a:off x="5061635" y="2132856"/>
+              <a:ext cx="792088" cy="792088"/>
+            </a:xfrm>
+            <a:prstGeom prst="rect">
+              <a:avLst/>
+            </a:prstGeom>
+            <a:solidFill>
+              <a:srgbClr val="FF0000"/>
+            </a:solidFill>
+            <a:ln>
+              <a:noFill/>
+            </a:ln>
+          </p:spPr>
+          <p:style>
+            <a:lnRef idx="2">
+              <a:schemeClr val="accent1">
+                <a:shade val="50000"/>
+              </a:schemeClr>
+            </a:lnRef>
+            <a:fillRef idx="1">
+              <a:schemeClr val="accent1"/>
+            </a:fillRef>
+            <a:effectRef idx="0">
+              <a:schemeClr val="accent1"/>
+            </a:effectRef>
+            <a:fontRef idx="minor">
+              <a:schemeClr val="lt1"/>
+            </a:fontRef>
+          </p:style>
+          <p:txBody>
+            <a:bodyPr rtlCol="0" anchor="ctr"/>
+            <a:lstStyle/>
+            <a:p>
+              <a:pPr algn="ctr"/>
+              <a:endParaRPr lang="ko-KR" altLang="en-US"/>
+            </a:p>
+          </p:txBody>
+        </p:sp>
+      </p:grpSp>
+      <p:sp>
+        <p:nvSpPr>
+          <p:cNvPr id="20" name="Down Arrow 19"/>
+          <p:cNvSpPr/>
+          <p:nvPr/>
+        </p:nvSpPr>
+        <p:spPr>
+          <a:xfrm>
+            <a:off x="2871463" y="3607806"/>
+            <a:ext cx="216024" cy="288032"/>
+          </a:xfrm>
+          <a:prstGeom prst="downArrow">
+            <a:avLst/>
+          </a:prstGeom>
+        </p:spPr>
+        <p:style>
+          <a:lnRef idx="0">
+            <a:schemeClr val="accent2"/>
+          </a:lnRef>
+          <a:fillRef idx="3">
+            <a:schemeClr val="accent2"/>
+          </a:fillRef>
+          <a:effectRef idx="3">
+            <a:schemeClr val="accent2"/>
+          </a:effectRef>
+          <a:fontRef idx="minor">
+            <a:schemeClr val="lt1"/>
+          </a:fontRef>
+        </p:style>
+        <p:txBody>
+          <a:bodyPr rtlCol="0" anchor="ctr"/>
+          <a:lstStyle/>
+          <a:p>
+            <a:pPr algn="ctr"/>
+            <a:endParaRPr lang="ko-KR" altLang="en-US"/>
+          </a:p>
+        </p:txBody>
+      </p:sp>
+    </p:spTree>
+    <p:extLst>
+      <p:ext uri="{BB962C8B-B14F-4D97-AF65-F5344CB8AC3E}">
+        <p14:creationId xmlns:p14="http://schemas.microsoft.com/office/powerpoint/2010/main" val="2927149969"/>
+      </p:ext>
+    </p:extLst>
+  </p:cSld>
+  <p:clrMapOvr>
+    <a:masterClrMapping/>
+  </p:clrMapOvr>
+</p:sld>
+</file>
+
 <file path=ppt/theme/theme1.xml><?xml version="1.0" encoding="utf-8"?>
 <a:theme xmlns:a="http://schemas.openxmlformats.org/drawingml/2006/main" name="Office Theme">
   <a:themeElements>

--- a/기획문서/그림용ppt2.pptx
+++ b/기획문서/그림용ppt2.pptx
@@ -9,6 +9,7 @@
     <p:sldId id="257" r:id="rId3"/>
     <p:sldId id="258" r:id="rId4"/>
     <p:sldId id="259" r:id="rId5"/>
+    <p:sldId id="260" r:id="rId6"/>
   </p:sldIdLst>
   <p:sldSz cx="9144000" cy="6858000" type="screen4x3"/>
   <p:notesSz cx="6858000" cy="9144000"/>
@@ -291,7 +292,7 @@
           <a:p>
             <a:fld id="{887B44D2-9F09-4CF5-9157-8AA3F99D97C1}" type="datetimeFigureOut">
               <a:rPr lang="ko-KR" altLang="en-US" smtClean="0"/>
-              <a:t>2016-02-19</a:t>
+              <a:t>2016-03-04</a:t>
             </a:fld>
             <a:endParaRPr lang="ko-KR" altLang="en-US"/>
           </a:p>
@@ -461,7 +462,7 @@
           <a:p>
             <a:fld id="{887B44D2-9F09-4CF5-9157-8AA3F99D97C1}" type="datetimeFigureOut">
               <a:rPr lang="ko-KR" altLang="en-US" smtClean="0"/>
-              <a:t>2016-02-19</a:t>
+              <a:t>2016-03-04</a:t>
             </a:fld>
             <a:endParaRPr lang="ko-KR" altLang="en-US"/>
           </a:p>
@@ -641,7 +642,7 @@
           <a:p>
             <a:fld id="{887B44D2-9F09-4CF5-9157-8AA3F99D97C1}" type="datetimeFigureOut">
               <a:rPr lang="ko-KR" altLang="en-US" smtClean="0"/>
-              <a:t>2016-02-19</a:t>
+              <a:t>2016-03-04</a:t>
             </a:fld>
             <a:endParaRPr lang="ko-KR" altLang="en-US"/>
           </a:p>
@@ -811,7 +812,7 @@
           <a:p>
             <a:fld id="{887B44D2-9F09-4CF5-9157-8AA3F99D97C1}" type="datetimeFigureOut">
               <a:rPr lang="ko-KR" altLang="en-US" smtClean="0"/>
-              <a:t>2016-02-19</a:t>
+              <a:t>2016-03-04</a:t>
             </a:fld>
             <a:endParaRPr lang="ko-KR" altLang="en-US"/>
           </a:p>
@@ -1057,7 +1058,7 @@
           <a:p>
             <a:fld id="{887B44D2-9F09-4CF5-9157-8AA3F99D97C1}" type="datetimeFigureOut">
               <a:rPr lang="ko-KR" altLang="en-US" smtClean="0"/>
-              <a:t>2016-02-19</a:t>
+              <a:t>2016-03-04</a:t>
             </a:fld>
             <a:endParaRPr lang="ko-KR" altLang="en-US"/>
           </a:p>
@@ -1345,7 +1346,7 @@
           <a:p>
             <a:fld id="{887B44D2-9F09-4CF5-9157-8AA3F99D97C1}" type="datetimeFigureOut">
               <a:rPr lang="ko-KR" altLang="en-US" smtClean="0"/>
-              <a:t>2016-02-19</a:t>
+              <a:t>2016-03-04</a:t>
             </a:fld>
             <a:endParaRPr lang="ko-KR" altLang="en-US"/>
           </a:p>
@@ -1767,7 +1768,7 @@
           <a:p>
             <a:fld id="{887B44D2-9F09-4CF5-9157-8AA3F99D97C1}" type="datetimeFigureOut">
               <a:rPr lang="ko-KR" altLang="en-US" smtClean="0"/>
-              <a:t>2016-02-19</a:t>
+              <a:t>2016-03-04</a:t>
             </a:fld>
             <a:endParaRPr lang="ko-KR" altLang="en-US"/>
           </a:p>
@@ -1885,7 +1886,7 @@
           <a:p>
             <a:fld id="{887B44D2-9F09-4CF5-9157-8AA3F99D97C1}" type="datetimeFigureOut">
               <a:rPr lang="ko-KR" altLang="en-US" smtClean="0"/>
-              <a:t>2016-02-19</a:t>
+              <a:t>2016-03-04</a:t>
             </a:fld>
             <a:endParaRPr lang="ko-KR" altLang="en-US"/>
           </a:p>
@@ -1980,7 +1981,7 @@
           <a:p>
             <a:fld id="{887B44D2-9F09-4CF5-9157-8AA3F99D97C1}" type="datetimeFigureOut">
               <a:rPr lang="ko-KR" altLang="en-US" smtClean="0"/>
-              <a:t>2016-02-19</a:t>
+              <a:t>2016-03-04</a:t>
             </a:fld>
             <a:endParaRPr lang="ko-KR" altLang="en-US"/>
           </a:p>
@@ -2257,7 +2258,7 @@
           <a:p>
             <a:fld id="{887B44D2-9F09-4CF5-9157-8AA3F99D97C1}" type="datetimeFigureOut">
               <a:rPr lang="ko-KR" altLang="en-US" smtClean="0"/>
-              <a:t>2016-02-19</a:t>
+              <a:t>2016-03-04</a:t>
             </a:fld>
             <a:endParaRPr lang="ko-KR" altLang="en-US"/>
           </a:p>
@@ -2510,7 +2511,7 @@
           <a:p>
             <a:fld id="{887B44D2-9F09-4CF5-9157-8AA3F99D97C1}" type="datetimeFigureOut">
               <a:rPr lang="ko-KR" altLang="en-US" smtClean="0"/>
-              <a:t>2016-02-19</a:t>
+              <a:t>2016-03-04</a:t>
             </a:fld>
             <a:endParaRPr lang="ko-KR" altLang="en-US"/>
           </a:p>
@@ -2723,7 +2724,7 @@
           <a:p>
             <a:fld id="{887B44D2-9F09-4CF5-9157-8AA3F99D97C1}" type="datetimeFigureOut">
               <a:rPr lang="ko-KR" altLang="en-US" smtClean="0"/>
-              <a:t>2016-02-19</a:t>
+              <a:t>2016-03-04</a:t>
             </a:fld>
             <a:endParaRPr lang="ko-KR" altLang="en-US"/>
           </a:p>
@@ -4873,6 +4874,731 @@
 </p:sld>
 </file>
 
+<file path=ppt/slides/slide5.xml><?xml version="1.0" encoding="utf-8"?>
+<p:sld xmlns:a="http://schemas.openxmlformats.org/drawingml/2006/main" xmlns:r="http://schemas.openxmlformats.org/officeDocument/2006/relationships" xmlns:p="http://schemas.openxmlformats.org/presentationml/2006/main">
+  <p:cSld>
+    <p:spTree>
+      <p:nvGrpSpPr>
+        <p:cNvPr id="1" name=""/>
+        <p:cNvGrpSpPr/>
+        <p:nvPr/>
+      </p:nvGrpSpPr>
+      <p:grpSpPr>
+        <a:xfrm>
+          <a:off x="0" y="0"/>
+          <a:ext cx="0" cy="0"/>
+          <a:chOff x="0" y="0"/>
+          <a:chExt cx="0" cy="0"/>
+        </a:xfrm>
+      </p:grpSpPr>
+      <p:pic>
+        <p:nvPicPr>
+          <p:cNvPr id="1028" name="Picture 4" descr="http://cfile24.uf.tistory.com/image/1814103C4EC25CDA130222"/>
+          <p:cNvPicPr>
+            <a:picLocks noChangeAspect="1" noChangeArrowheads="1"/>
+          </p:cNvPicPr>
+          <p:nvPr/>
+        </p:nvPicPr>
+        <p:blipFill>
+          <a:blip r:embed="rId2">
+            <a:extLst>
+              <a:ext uri="{28A0092B-C50C-407E-A947-70E740481C1C}">
+                <a14:useLocalDpi xmlns:a14="http://schemas.microsoft.com/office/drawing/2010/main" val="0"/>
+              </a:ext>
+            </a:extLst>
+          </a:blip>
+          <a:srcRect/>
+          <a:stretch>
+            <a:fillRect/>
+          </a:stretch>
+        </p:blipFill>
+        <p:spPr bwMode="auto">
+          <a:xfrm>
+            <a:off x="1115616" y="1514317"/>
+            <a:ext cx="6912768" cy="4165935"/>
+          </a:xfrm>
+          <a:prstGeom prst="rect">
+            <a:avLst/>
+          </a:prstGeom>
+          <a:noFill/>
+          <a:extLst>
+            <a:ext uri="{909E8E84-426E-40DD-AFC4-6F175D3DCCD1}">
+              <a14:hiddenFill xmlns:a14="http://schemas.microsoft.com/office/drawing/2010/main">
+                <a:solidFill>
+                  <a:srgbClr val="FFFFFF"/>
+                </a:solidFill>
+              </a14:hiddenFill>
+            </a:ext>
+          </a:extLst>
+        </p:spPr>
+      </p:pic>
+      <p:pic>
+        <p:nvPicPr>
+          <p:cNvPr id="2" name="Picture 1"/>
+          <p:cNvPicPr>
+            <a:picLocks noChangeAspect="1"/>
+          </p:cNvPicPr>
+          <p:nvPr/>
+        </p:nvPicPr>
+        <p:blipFill>
+          <a:blip r:embed="rId3">
+            <a:extLst>
+              <a:ext uri="{28A0092B-C50C-407E-A947-70E740481C1C}">
+                <a14:useLocalDpi xmlns:a14="http://schemas.microsoft.com/office/drawing/2010/main" val="0"/>
+              </a:ext>
+            </a:extLst>
+          </a:blip>
+          <a:stretch>
+            <a:fillRect/>
+          </a:stretch>
+        </p:blipFill>
+        <p:spPr>
+          <a:xfrm>
+            <a:off x="0" y="1143000"/>
+            <a:ext cx="9144000" cy="4878288"/>
+          </a:xfrm>
+          <a:prstGeom prst="rect">
+            <a:avLst/>
+          </a:prstGeom>
+        </p:spPr>
+      </p:pic>
+      <p:sp>
+        <p:nvSpPr>
+          <p:cNvPr id="3" name="Cube 2"/>
+          <p:cNvSpPr/>
+          <p:nvPr/>
+        </p:nvSpPr>
+        <p:spPr>
+          <a:xfrm>
+            <a:off x="1475656" y="2485036"/>
+            <a:ext cx="1944216" cy="1944216"/>
+          </a:xfrm>
+          <a:prstGeom prst="cube">
+            <a:avLst/>
+          </a:prstGeom>
+        </p:spPr>
+        <p:style>
+          <a:lnRef idx="0">
+            <a:schemeClr val="accent2"/>
+          </a:lnRef>
+          <a:fillRef idx="3">
+            <a:schemeClr val="accent2"/>
+          </a:fillRef>
+          <a:effectRef idx="3">
+            <a:schemeClr val="accent2"/>
+          </a:effectRef>
+          <a:fontRef idx="minor">
+            <a:schemeClr val="lt1"/>
+          </a:fontRef>
+        </p:style>
+        <p:txBody>
+          <a:bodyPr rtlCol="0" anchor="ctr"/>
+          <a:lstStyle/>
+          <a:p>
+            <a:pPr algn="ctr"/>
+            <a:r>
+              <a:rPr lang="ko-KR" altLang="en-US" dirty="0" smtClean="0"/>
+              <a:t>월드큐브</a:t>
+            </a:r>
+            <a:endParaRPr lang="ko-KR" altLang="en-US" dirty="0"/>
+          </a:p>
+        </p:txBody>
+      </p:sp>
+      <p:pic>
+        <p:nvPicPr>
+          <p:cNvPr id="6" name="Picture 5"/>
+          <p:cNvPicPr>
+            <a:picLocks noChangeAspect="1"/>
+          </p:cNvPicPr>
+          <p:nvPr/>
+        </p:nvPicPr>
+        <p:blipFill>
+          <a:blip r:embed="rId4" cstate="print">
+            <a:extLst>
+              <a:ext uri="{28A0092B-C50C-407E-A947-70E740481C1C}">
+                <a14:useLocalDpi xmlns:a14="http://schemas.microsoft.com/office/drawing/2010/main" val="0"/>
+              </a:ext>
+            </a:extLst>
+          </a:blip>
+          <a:stretch>
+            <a:fillRect/>
+          </a:stretch>
+        </p:blipFill>
+        <p:spPr>
+          <a:xfrm>
+            <a:off x="4966315" y="2990513"/>
+            <a:ext cx="761968" cy="761968"/>
+          </a:xfrm>
+          <a:prstGeom prst="rect">
+            <a:avLst/>
+          </a:prstGeom>
+          <a:ln>
+            <a:noFill/>
+          </a:ln>
+          <a:effectLst>
+            <a:outerShdw blurRad="190500" algn="tl" rotWithShape="0">
+              <a:srgbClr val="000000">
+                <a:alpha val="70000"/>
+              </a:srgbClr>
+            </a:outerShdw>
+          </a:effectLst>
+        </p:spPr>
+      </p:pic>
+      <p:pic>
+        <p:nvPicPr>
+          <p:cNvPr id="8" name="Picture 7"/>
+          <p:cNvPicPr>
+            <a:picLocks noChangeAspect="1"/>
+          </p:cNvPicPr>
+          <p:nvPr/>
+        </p:nvPicPr>
+        <p:blipFill>
+          <a:blip r:embed="rId5" cstate="print">
+            <a:extLst>
+              <a:ext uri="{28A0092B-C50C-407E-A947-70E740481C1C}">
+                <a14:useLocalDpi xmlns:a14="http://schemas.microsoft.com/office/drawing/2010/main" val="0"/>
+              </a:ext>
+            </a:extLst>
+          </a:blip>
+          <a:stretch>
+            <a:fillRect/>
+          </a:stretch>
+        </p:blipFill>
+        <p:spPr>
+          <a:xfrm>
+            <a:off x="6045886" y="2504632"/>
+            <a:ext cx="761968" cy="761968"/>
+          </a:xfrm>
+          <a:prstGeom prst="rect">
+            <a:avLst/>
+          </a:prstGeom>
+          <a:ln>
+            <a:noFill/>
+          </a:ln>
+          <a:effectLst>
+            <a:outerShdw blurRad="190500" algn="tl" rotWithShape="0">
+              <a:srgbClr val="000000">
+                <a:alpha val="70000"/>
+              </a:srgbClr>
+            </a:outerShdw>
+          </a:effectLst>
+        </p:spPr>
+      </p:pic>
+      <p:pic>
+        <p:nvPicPr>
+          <p:cNvPr id="10" name="Picture 9"/>
+          <p:cNvPicPr>
+            <a:picLocks noChangeAspect="1"/>
+          </p:cNvPicPr>
+          <p:nvPr/>
+        </p:nvPicPr>
+        <p:blipFill>
+          <a:blip r:embed="rId6" cstate="print">
+            <a:extLst>
+              <a:ext uri="{28A0092B-C50C-407E-A947-70E740481C1C}">
+                <a14:useLocalDpi xmlns:a14="http://schemas.microsoft.com/office/drawing/2010/main" val="0"/>
+              </a:ext>
+            </a:extLst>
+          </a:blip>
+          <a:stretch>
+            <a:fillRect/>
+          </a:stretch>
+        </p:blipFill>
+        <p:spPr>
+          <a:xfrm>
+            <a:off x="4319783" y="3913054"/>
+            <a:ext cx="761968" cy="761968"/>
+          </a:xfrm>
+          <a:prstGeom prst="rect">
+            <a:avLst/>
+          </a:prstGeom>
+          <a:ln>
+            <a:noFill/>
+          </a:ln>
+          <a:effectLst>
+            <a:outerShdw blurRad="190500" algn="tl" rotWithShape="0">
+              <a:srgbClr val="000000">
+                <a:alpha val="70000"/>
+              </a:srgbClr>
+            </a:outerShdw>
+          </a:effectLst>
+        </p:spPr>
+      </p:pic>
+      <p:pic>
+        <p:nvPicPr>
+          <p:cNvPr id="12" name="Picture 11"/>
+          <p:cNvPicPr>
+            <a:picLocks noChangeAspect="1"/>
+          </p:cNvPicPr>
+          <p:nvPr/>
+        </p:nvPicPr>
+        <p:blipFill>
+          <a:blip r:embed="rId7" cstate="print">
+            <a:extLst>
+              <a:ext uri="{28A0092B-C50C-407E-A947-70E740481C1C}">
+                <a14:useLocalDpi xmlns:a14="http://schemas.microsoft.com/office/drawing/2010/main" val="0"/>
+              </a:ext>
+            </a:extLst>
+          </a:blip>
+          <a:stretch>
+            <a:fillRect/>
+          </a:stretch>
+        </p:blipFill>
+        <p:spPr>
+          <a:xfrm>
+            <a:off x="3882916" y="2720656"/>
+            <a:ext cx="761968" cy="761968"/>
+          </a:xfrm>
+          <a:prstGeom prst="rect">
+            <a:avLst/>
+          </a:prstGeom>
+          <a:ln>
+            <a:noFill/>
+          </a:ln>
+          <a:effectLst>
+            <a:outerShdw blurRad="190500" algn="tl" rotWithShape="0">
+              <a:srgbClr val="000000">
+                <a:alpha val="70000"/>
+              </a:srgbClr>
+            </a:outerShdw>
+          </a:effectLst>
+        </p:spPr>
+      </p:pic>
+      <p:pic>
+        <p:nvPicPr>
+          <p:cNvPr id="13" name="Picture 12"/>
+          <p:cNvPicPr>
+            <a:picLocks noChangeAspect="1"/>
+          </p:cNvPicPr>
+          <p:nvPr/>
+        </p:nvPicPr>
+        <p:blipFill>
+          <a:blip r:embed="rId8" cstate="print">
+            <a:extLst>
+              <a:ext uri="{28A0092B-C50C-407E-A947-70E740481C1C}">
+                <a14:useLocalDpi xmlns:a14="http://schemas.microsoft.com/office/drawing/2010/main" val="0"/>
+              </a:ext>
+            </a:extLst>
+          </a:blip>
+          <a:stretch>
+            <a:fillRect/>
+          </a:stretch>
+        </p:blipFill>
+        <p:spPr>
+          <a:xfrm>
+            <a:off x="4995886" y="1830866"/>
+            <a:ext cx="761968" cy="761968"/>
+          </a:xfrm>
+          <a:prstGeom prst="rect">
+            <a:avLst/>
+          </a:prstGeom>
+          <a:ln>
+            <a:noFill/>
+          </a:ln>
+          <a:effectLst>
+            <a:outerShdw blurRad="190500" algn="tl" rotWithShape="0">
+              <a:srgbClr val="000000">
+                <a:alpha val="70000"/>
+              </a:srgbClr>
+            </a:outerShdw>
+          </a:effectLst>
+        </p:spPr>
+      </p:pic>
+      <p:pic>
+        <p:nvPicPr>
+          <p:cNvPr id="15" name="Picture 14"/>
+          <p:cNvPicPr>
+            <a:picLocks noChangeAspect="1"/>
+          </p:cNvPicPr>
+          <p:nvPr/>
+        </p:nvPicPr>
+        <p:blipFill>
+          <a:blip r:embed="rId9" cstate="print">
+            <a:extLst>
+              <a:ext uri="{28A0092B-C50C-407E-A947-70E740481C1C}">
+                <a14:useLocalDpi xmlns:a14="http://schemas.microsoft.com/office/drawing/2010/main" val="0"/>
+              </a:ext>
+            </a:extLst>
+          </a:blip>
+          <a:stretch>
+            <a:fillRect/>
+          </a:stretch>
+        </p:blipFill>
+        <p:spPr>
+          <a:xfrm>
+            <a:off x="7374864" y="4918346"/>
+            <a:ext cx="423639" cy="610185"/>
+          </a:xfrm>
+          <a:prstGeom prst="rect">
+            <a:avLst/>
+          </a:prstGeom>
+          <a:ln>
+            <a:noFill/>
+          </a:ln>
+          <a:effectLst>
+            <a:outerShdw blurRad="292100" dist="139700" dir="2700000" algn="tl" rotWithShape="0">
+              <a:srgbClr val="333333">
+                <a:alpha val="65000"/>
+              </a:srgbClr>
+            </a:outerShdw>
+          </a:effectLst>
+        </p:spPr>
+      </p:pic>
+      <p:pic>
+        <p:nvPicPr>
+          <p:cNvPr id="16" name="Picture 15"/>
+          <p:cNvPicPr>
+            <a:picLocks noChangeAspect="1"/>
+          </p:cNvPicPr>
+          <p:nvPr/>
+        </p:nvPicPr>
+        <p:blipFill>
+          <a:blip r:embed="rId10" cstate="print">
+            <a:extLst>
+              <a:ext uri="{28A0092B-C50C-407E-A947-70E740481C1C}">
+                <a14:useLocalDpi xmlns:a14="http://schemas.microsoft.com/office/drawing/2010/main" val="0"/>
+              </a:ext>
+            </a:extLst>
+          </a:blip>
+          <a:stretch>
+            <a:fillRect/>
+          </a:stretch>
+        </p:blipFill>
+        <p:spPr>
+          <a:xfrm>
+            <a:off x="7394487" y="4146685"/>
+            <a:ext cx="384394" cy="565135"/>
+          </a:xfrm>
+          <a:prstGeom prst="rect">
+            <a:avLst/>
+          </a:prstGeom>
+          <a:ln>
+            <a:noFill/>
+          </a:ln>
+          <a:effectLst>
+            <a:outerShdw blurRad="190500" algn="tl" rotWithShape="0">
+              <a:srgbClr val="000000">
+                <a:alpha val="70000"/>
+              </a:srgbClr>
+            </a:outerShdw>
+          </a:effectLst>
+        </p:spPr>
+      </p:pic>
+      <p:pic>
+        <p:nvPicPr>
+          <p:cNvPr id="17" name="Picture 16"/>
+          <p:cNvPicPr>
+            <a:picLocks noChangeAspect="1"/>
+          </p:cNvPicPr>
+          <p:nvPr/>
+        </p:nvPicPr>
+        <p:blipFill>
+          <a:blip r:embed="rId11" cstate="print">
+            <a:extLst>
+              <a:ext uri="{28A0092B-C50C-407E-A947-70E740481C1C}">
+                <a14:useLocalDpi xmlns:a14="http://schemas.microsoft.com/office/drawing/2010/main" val="0"/>
+              </a:ext>
+            </a:extLst>
+          </a:blip>
+          <a:stretch>
+            <a:fillRect/>
+          </a:stretch>
+        </p:blipFill>
+        <p:spPr>
+          <a:xfrm>
+            <a:off x="7317895" y="1693456"/>
+            <a:ext cx="593242" cy="518394"/>
+          </a:xfrm>
+          <a:prstGeom prst="rect">
+            <a:avLst/>
+          </a:prstGeom>
+          <a:ln>
+            <a:noFill/>
+          </a:ln>
+          <a:effectLst>
+            <a:outerShdw blurRad="292100" dist="139700" dir="2700000" algn="tl" rotWithShape="0">
+              <a:srgbClr val="333333">
+                <a:alpha val="65000"/>
+              </a:srgbClr>
+            </a:outerShdw>
+          </a:effectLst>
+        </p:spPr>
+      </p:pic>
+      <p:pic>
+        <p:nvPicPr>
+          <p:cNvPr id="18" name="Picture 17"/>
+          <p:cNvPicPr>
+            <a:picLocks noChangeAspect="1"/>
+          </p:cNvPicPr>
+          <p:nvPr/>
+        </p:nvPicPr>
+        <p:blipFill>
+          <a:blip r:embed="rId12" cstate="print">
+            <a:extLst>
+              <a:ext uri="{28A0092B-C50C-407E-A947-70E740481C1C}">
+                <a14:useLocalDpi xmlns:a14="http://schemas.microsoft.com/office/drawing/2010/main" val="0"/>
+              </a:ext>
+            </a:extLst>
+          </a:blip>
+          <a:stretch>
+            <a:fillRect/>
+          </a:stretch>
+        </p:blipFill>
+        <p:spPr>
+          <a:xfrm>
+            <a:off x="7431442" y="3266600"/>
+            <a:ext cx="330561" cy="685343"/>
+          </a:xfrm>
+          <a:prstGeom prst="rect">
+            <a:avLst/>
+          </a:prstGeom>
+          <a:ln>
+            <a:noFill/>
+          </a:ln>
+          <a:effectLst>
+            <a:outerShdw blurRad="292100" dist="139700" dir="2700000" algn="tl" rotWithShape="0">
+              <a:srgbClr val="333333">
+                <a:alpha val="65000"/>
+              </a:srgbClr>
+            </a:outerShdw>
+          </a:effectLst>
+        </p:spPr>
+      </p:pic>
+      <p:sp>
+        <p:nvSpPr>
+          <p:cNvPr id="19" name="Rounded Rectangle 18"/>
+          <p:cNvSpPr/>
+          <p:nvPr/>
+        </p:nvSpPr>
+        <p:spPr>
+          <a:xfrm>
+            <a:off x="3923928" y="4941168"/>
+            <a:ext cx="3024336" cy="305092"/>
+          </a:xfrm>
+          <a:prstGeom prst="roundRect">
+            <a:avLst/>
+          </a:prstGeom>
+        </p:spPr>
+        <p:style>
+          <a:lnRef idx="2">
+            <a:schemeClr val="accent1">
+              <a:shade val="50000"/>
+            </a:schemeClr>
+          </a:lnRef>
+          <a:fillRef idx="1">
+            <a:schemeClr val="accent1"/>
+          </a:fillRef>
+          <a:effectRef idx="0">
+            <a:schemeClr val="accent1"/>
+          </a:effectRef>
+          <a:fontRef idx="minor">
+            <a:schemeClr val="lt1"/>
+          </a:fontRef>
+        </p:style>
+        <p:txBody>
+          <a:bodyPr rtlCol="0" anchor="ctr"/>
+          <a:lstStyle/>
+          <a:p>
+            <a:pPr algn="ctr"/>
+            <a:r>
+              <a:rPr lang="ko-KR" altLang="en-US" dirty="0" smtClean="0"/>
+              <a:t>현재 진행중인 챕터</a:t>
+            </a:r>
+            <a:endParaRPr lang="ko-KR" altLang="en-US" dirty="0"/>
+          </a:p>
+        </p:txBody>
+      </p:sp>
+      <p:sp>
+        <p:nvSpPr>
+          <p:cNvPr id="20" name="Oval 19"/>
+          <p:cNvSpPr/>
+          <p:nvPr/>
+        </p:nvSpPr>
+        <p:spPr>
+          <a:xfrm>
+            <a:off x="1293428" y="1614360"/>
+            <a:ext cx="576064" cy="576064"/>
+          </a:xfrm>
+          <a:prstGeom prst="ellipse">
+            <a:avLst/>
+          </a:prstGeom>
+        </p:spPr>
+        <p:style>
+          <a:lnRef idx="2">
+            <a:schemeClr val="accent1">
+              <a:shade val="50000"/>
+            </a:schemeClr>
+          </a:lnRef>
+          <a:fillRef idx="1">
+            <a:schemeClr val="accent1"/>
+          </a:fillRef>
+          <a:effectRef idx="0">
+            <a:schemeClr val="accent1"/>
+          </a:effectRef>
+          <a:fontRef idx="minor">
+            <a:schemeClr val="lt1"/>
+          </a:fontRef>
+        </p:style>
+        <p:txBody>
+          <a:bodyPr rtlCol="0" anchor="ctr"/>
+          <a:lstStyle/>
+          <a:p>
+            <a:pPr algn="ctr"/>
+            <a:r>
+              <a:rPr lang="ko-KR" altLang="en-US" sz="1100" dirty="0" smtClean="0"/>
+              <a:t>초상</a:t>
+            </a:r>
+            <a:r>
+              <a:rPr lang="ko-KR" altLang="en-US" sz="1100" dirty="0"/>
+              <a:t>화</a:t>
+            </a:r>
+          </a:p>
+        </p:txBody>
+      </p:sp>
+      <p:sp>
+        <p:nvSpPr>
+          <p:cNvPr id="21" name="Rounded Rectangle 20"/>
+          <p:cNvSpPr/>
+          <p:nvPr/>
+        </p:nvSpPr>
+        <p:spPr>
+          <a:xfrm>
+            <a:off x="1869492" y="1787401"/>
+            <a:ext cx="686284" cy="229982"/>
+          </a:xfrm>
+          <a:prstGeom prst="roundRect">
+            <a:avLst/>
+          </a:prstGeom>
+        </p:spPr>
+        <p:style>
+          <a:lnRef idx="2">
+            <a:schemeClr val="accent1">
+              <a:shade val="50000"/>
+            </a:schemeClr>
+          </a:lnRef>
+          <a:fillRef idx="1">
+            <a:schemeClr val="accent1"/>
+          </a:fillRef>
+          <a:effectRef idx="0">
+            <a:schemeClr val="accent1"/>
+          </a:effectRef>
+          <a:fontRef idx="minor">
+            <a:schemeClr val="lt1"/>
+          </a:fontRef>
+        </p:style>
+        <p:txBody>
+          <a:bodyPr rtlCol="0" anchor="ctr"/>
+          <a:lstStyle/>
+          <a:p>
+            <a:pPr algn="ctr"/>
+            <a:r>
+              <a:rPr lang="en-US" altLang="ko-KR" dirty="0" smtClean="0"/>
+              <a:t>ID</a:t>
+            </a:r>
+            <a:endParaRPr lang="ko-KR" altLang="en-US" dirty="0"/>
+          </a:p>
+        </p:txBody>
+      </p:sp>
+      <p:pic>
+        <p:nvPicPr>
+          <p:cNvPr id="1024" name="Picture 1023"/>
+          <p:cNvPicPr>
+            <a:picLocks noChangeAspect="1"/>
+          </p:cNvPicPr>
+          <p:nvPr/>
+        </p:nvPicPr>
+        <p:blipFill>
+          <a:blip r:embed="rId13" cstate="print">
+            <a:extLst>
+              <a:ext uri="{28A0092B-C50C-407E-A947-70E740481C1C}">
+                <a14:useLocalDpi xmlns:a14="http://schemas.microsoft.com/office/drawing/2010/main" val="0"/>
+              </a:ext>
+            </a:extLst>
+          </a:blip>
+          <a:stretch>
+            <a:fillRect/>
+          </a:stretch>
+        </p:blipFill>
+        <p:spPr>
+          <a:xfrm>
+            <a:off x="3643854" y="4631718"/>
+            <a:ext cx="560148" cy="773435"/>
+          </a:xfrm>
+          <a:prstGeom prst="rect">
+            <a:avLst/>
+          </a:prstGeom>
+          <a:ln>
+            <a:noFill/>
+          </a:ln>
+          <a:effectLst>
+            <a:outerShdw blurRad="190500" algn="tl" rotWithShape="0">
+              <a:srgbClr val="000000">
+                <a:alpha val="70000"/>
+              </a:srgbClr>
+            </a:outerShdw>
+          </a:effectLst>
+        </p:spPr>
+      </p:pic>
+      <p:pic>
+        <p:nvPicPr>
+          <p:cNvPr id="1025" name="Picture 1024"/>
+          <p:cNvPicPr>
+            <a:picLocks noChangeAspect="1"/>
+          </p:cNvPicPr>
+          <p:nvPr/>
+        </p:nvPicPr>
+        <p:blipFill>
+          <a:blip r:embed="rId14" cstate="print">
+            <a:extLst>
+              <a:ext uri="{28A0092B-C50C-407E-A947-70E740481C1C}">
+                <a14:useLocalDpi xmlns:a14="http://schemas.microsoft.com/office/drawing/2010/main" val="0"/>
+              </a:ext>
+            </a:extLst>
+          </a:blip>
+          <a:stretch>
+            <a:fillRect/>
+          </a:stretch>
+        </p:blipFill>
+        <p:spPr>
+          <a:xfrm>
+            <a:off x="6002765" y="3809771"/>
+            <a:ext cx="469762" cy="841588"/>
+          </a:xfrm>
+          <a:prstGeom prst="rect">
+            <a:avLst/>
+          </a:prstGeom>
+          <a:ln>
+            <a:noFill/>
+          </a:ln>
+          <a:effectLst>
+            <a:outerShdw blurRad="292100" dist="139700" dir="2700000" algn="tl" rotWithShape="0">
+              <a:srgbClr val="333333">
+                <a:alpha val="65000"/>
+              </a:srgbClr>
+            </a:outerShdw>
+          </a:effectLst>
+        </p:spPr>
+      </p:pic>
+    </p:spTree>
+    <p:extLst>
+      <p:ext uri="{BB962C8B-B14F-4D97-AF65-F5344CB8AC3E}">
+        <p14:creationId xmlns:p14="http://schemas.microsoft.com/office/powerpoint/2010/main" val="1709069111"/>
+      </p:ext>
+    </p:extLst>
+  </p:cSld>
+  <p:clrMapOvr>
+    <a:masterClrMapping/>
+  </p:clrMapOvr>
+  <p:timing>
+    <p:tnLst>
+      <p:par>
+        <p:cTn id="1" dur="indefinite" restart="never" nodeType="tmRoot"/>
+      </p:par>
+    </p:tnLst>
+  </p:timing>
+</p:sld>
+</file>
+
 <file path=ppt/theme/theme1.xml><?xml version="1.0" encoding="utf-8"?>
 <a:theme xmlns:a="http://schemas.openxmlformats.org/drawingml/2006/main" name="Office Theme">
   <a:themeElements>

--- a/기획문서/그림용ppt2.pptx
+++ b/기획문서/그림용ppt2.pptx
@@ -4,12 +4,16 @@
   <p:sldMasterIdLst>
     <p:sldMasterId id="2147483648" r:id="rId1"/>
   </p:sldMasterIdLst>
+  <p:notesMasterIdLst>
+    <p:notesMasterId r:id="rId8"/>
+  </p:notesMasterIdLst>
   <p:sldIdLst>
     <p:sldId id="256" r:id="rId2"/>
     <p:sldId id="257" r:id="rId3"/>
     <p:sldId id="258" r:id="rId4"/>
     <p:sldId id="259" r:id="rId5"/>
     <p:sldId id="260" r:id="rId6"/>
+    <p:sldId id="261" r:id="rId7"/>
   </p:sldIdLst>
   <p:sldSz cx="9144000" cy="6858000" type="screen4x3"/>
   <p:notesSz cx="6858000" cy="9144000"/>
@@ -111,6 +115,440 @@
 </p:presentation>
 </file>
 
+<file path=ppt/notesMasters/notesMaster1.xml><?xml version="1.0" encoding="utf-8"?>
+<p:notesMaster xmlns:a="http://schemas.openxmlformats.org/drawingml/2006/main" xmlns:r="http://schemas.openxmlformats.org/officeDocument/2006/relationships" xmlns:p="http://schemas.openxmlformats.org/presentationml/2006/main">
+  <p:cSld>
+    <p:bg>
+      <p:bgRef idx="1001">
+        <a:schemeClr val="bg1"/>
+      </p:bgRef>
+    </p:bg>
+    <p:spTree>
+      <p:nvGrpSpPr>
+        <p:cNvPr id="1" name=""/>
+        <p:cNvGrpSpPr/>
+        <p:nvPr/>
+      </p:nvGrpSpPr>
+      <p:grpSpPr>
+        <a:xfrm>
+          <a:off x="0" y="0"/>
+          <a:ext cx="0" cy="0"/>
+          <a:chOff x="0" y="0"/>
+          <a:chExt cx="0" cy="0"/>
+        </a:xfrm>
+      </p:grpSpPr>
+      <p:sp>
+        <p:nvSpPr>
+          <p:cNvPr id="2" name="Header Placeholder 1"/>
+          <p:cNvSpPr>
+            <a:spLocks noGrp="1"/>
+          </p:cNvSpPr>
+          <p:nvPr>
+            <p:ph type="hdr" sz="quarter"/>
+          </p:nvPr>
+        </p:nvSpPr>
+        <p:spPr>
+          <a:xfrm>
+            <a:off x="0" y="0"/>
+            <a:ext cx="2971800" cy="457200"/>
+          </a:xfrm>
+          <a:prstGeom prst="rect">
+            <a:avLst/>
+          </a:prstGeom>
+        </p:spPr>
+        <p:txBody>
+          <a:bodyPr vert="horz" lIns="91440" tIns="45720" rIns="91440" bIns="45720" rtlCol="0"/>
+          <a:lstStyle>
+            <a:lvl1pPr algn="l">
+              <a:defRPr sz="1200"/>
+            </a:lvl1pPr>
+          </a:lstStyle>
+          <a:p>
+            <a:endParaRPr lang="ko-KR" altLang="en-US"/>
+          </a:p>
+        </p:txBody>
+      </p:sp>
+      <p:sp>
+        <p:nvSpPr>
+          <p:cNvPr id="3" name="Date Placeholder 2"/>
+          <p:cNvSpPr>
+            <a:spLocks noGrp="1"/>
+          </p:cNvSpPr>
+          <p:nvPr>
+            <p:ph type="dt" idx="1"/>
+          </p:nvPr>
+        </p:nvSpPr>
+        <p:spPr>
+          <a:xfrm>
+            <a:off x="3884613" y="0"/>
+            <a:ext cx="2971800" cy="457200"/>
+          </a:xfrm>
+          <a:prstGeom prst="rect">
+            <a:avLst/>
+          </a:prstGeom>
+        </p:spPr>
+        <p:txBody>
+          <a:bodyPr vert="horz" lIns="91440" tIns="45720" rIns="91440" bIns="45720" rtlCol="0"/>
+          <a:lstStyle>
+            <a:lvl1pPr algn="r">
+              <a:defRPr sz="1200"/>
+            </a:lvl1pPr>
+          </a:lstStyle>
+          <a:p>
+            <a:fld id="{829D6308-BF7B-495A-9DA7-82E6D8FA2D9D}" type="datetimeFigureOut">
+              <a:rPr lang="ko-KR" altLang="en-US" smtClean="0"/>
+              <a:t>2016-03-07</a:t>
+            </a:fld>
+            <a:endParaRPr lang="ko-KR" altLang="en-US"/>
+          </a:p>
+        </p:txBody>
+      </p:sp>
+      <p:sp>
+        <p:nvSpPr>
+          <p:cNvPr id="4" name="Slide Image Placeholder 3"/>
+          <p:cNvSpPr>
+            <a:spLocks noGrp="1" noRot="1" noChangeAspect="1"/>
+          </p:cNvSpPr>
+          <p:nvPr>
+            <p:ph type="sldImg" idx="2"/>
+          </p:nvPr>
+        </p:nvSpPr>
+        <p:spPr>
+          <a:xfrm>
+            <a:off x="1143000" y="685800"/>
+            <a:ext cx="4572000" cy="3429000"/>
+          </a:xfrm>
+          <a:prstGeom prst="rect">
+            <a:avLst/>
+          </a:prstGeom>
+          <a:noFill/>
+          <a:ln w="12700">
+            <a:solidFill>
+              <a:prstClr val="black"/>
+            </a:solidFill>
+          </a:ln>
+        </p:spPr>
+        <p:txBody>
+          <a:bodyPr vert="horz" lIns="91440" tIns="45720" rIns="91440" bIns="45720" rtlCol="0" anchor="ctr"/>
+          <a:lstStyle/>
+          <a:p>
+            <a:endParaRPr lang="ko-KR" altLang="en-US"/>
+          </a:p>
+        </p:txBody>
+      </p:sp>
+      <p:sp>
+        <p:nvSpPr>
+          <p:cNvPr id="5" name="Notes Placeholder 4"/>
+          <p:cNvSpPr>
+            <a:spLocks noGrp="1"/>
+          </p:cNvSpPr>
+          <p:nvPr>
+            <p:ph type="body" sz="quarter" idx="3"/>
+          </p:nvPr>
+        </p:nvSpPr>
+        <p:spPr>
+          <a:xfrm>
+            <a:off x="685800" y="4343400"/>
+            <a:ext cx="5486400" cy="4114800"/>
+          </a:xfrm>
+          <a:prstGeom prst="rect">
+            <a:avLst/>
+          </a:prstGeom>
+        </p:spPr>
+        <p:txBody>
+          <a:bodyPr vert="horz" lIns="91440" tIns="45720" rIns="91440" bIns="45720" rtlCol="0"/>
+          <a:lstStyle/>
+          <a:p>
+            <a:pPr lvl="0"/>
+            <a:r>
+              <a:rPr lang="en-US" altLang="ko-KR" smtClean="0"/>
+              <a:t>Click to edit Master text styles</a:t>
+            </a:r>
+          </a:p>
+          <a:p>
+            <a:pPr lvl="1"/>
+            <a:r>
+              <a:rPr lang="en-US" altLang="ko-KR" smtClean="0"/>
+              <a:t>Second level</a:t>
+            </a:r>
+          </a:p>
+          <a:p>
+            <a:pPr lvl="2"/>
+            <a:r>
+              <a:rPr lang="en-US" altLang="ko-KR" smtClean="0"/>
+              <a:t>Third level</a:t>
+            </a:r>
+          </a:p>
+          <a:p>
+            <a:pPr lvl="3"/>
+            <a:r>
+              <a:rPr lang="en-US" altLang="ko-KR" smtClean="0"/>
+              <a:t>Fourth level</a:t>
+            </a:r>
+          </a:p>
+          <a:p>
+            <a:pPr lvl="4"/>
+            <a:r>
+              <a:rPr lang="en-US" altLang="ko-KR" smtClean="0"/>
+              <a:t>Fifth level</a:t>
+            </a:r>
+            <a:endParaRPr lang="ko-KR" altLang="en-US"/>
+          </a:p>
+        </p:txBody>
+      </p:sp>
+      <p:sp>
+        <p:nvSpPr>
+          <p:cNvPr id="6" name="Footer Placeholder 5"/>
+          <p:cNvSpPr>
+            <a:spLocks noGrp="1"/>
+          </p:cNvSpPr>
+          <p:nvPr>
+            <p:ph type="ftr" sz="quarter" idx="4"/>
+          </p:nvPr>
+        </p:nvSpPr>
+        <p:spPr>
+          <a:xfrm>
+            <a:off x="0" y="8685213"/>
+            <a:ext cx="2971800" cy="457200"/>
+          </a:xfrm>
+          <a:prstGeom prst="rect">
+            <a:avLst/>
+          </a:prstGeom>
+        </p:spPr>
+        <p:txBody>
+          <a:bodyPr vert="horz" lIns="91440" tIns="45720" rIns="91440" bIns="45720" rtlCol="0" anchor="b"/>
+          <a:lstStyle>
+            <a:lvl1pPr algn="l">
+              <a:defRPr sz="1200"/>
+            </a:lvl1pPr>
+          </a:lstStyle>
+          <a:p>
+            <a:endParaRPr lang="ko-KR" altLang="en-US"/>
+          </a:p>
+        </p:txBody>
+      </p:sp>
+      <p:sp>
+        <p:nvSpPr>
+          <p:cNvPr id="7" name="Slide Number Placeholder 6"/>
+          <p:cNvSpPr>
+            <a:spLocks noGrp="1"/>
+          </p:cNvSpPr>
+          <p:nvPr>
+            <p:ph type="sldNum" sz="quarter" idx="5"/>
+          </p:nvPr>
+        </p:nvSpPr>
+        <p:spPr>
+          <a:xfrm>
+            <a:off x="3884613" y="8685213"/>
+            <a:ext cx="2971800" cy="457200"/>
+          </a:xfrm>
+          <a:prstGeom prst="rect">
+            <a:avLst/>
+          </a:prstGeom>
+        </p:spPr>
+        <p:txBody>
+          <a:bodyPr vert="horz" lIns="91440" tIns="45720" rIns="91440" bIns="45720" rtlCol="0" anchor="b"/>
+          <a:lstStyle>
+            <a:lvl1pPr algn="r">
+              <a:defRPr sz="1200"/>
+            </a:lvl1pPr>
+          </a:lstStyle>
+          <a:p>
+            <a:fld id="{2E8AF2EB-9708-4DB5-A111-DFC2E879ACD9}" type="slidenum">
+              <a:rPr lang="ko-KR" altLang="en-US" smtClean="0"/>
+              <a:t>‹#›</a:t>
+            </a:fld>
+            <a:endParaRPr lang="ko-KR" altLang="en-US"/>
+          </a:p>
+        </p:txBody>
+      </p:sp>
+    </p:spTree>
+    <p:extLst>
+      <p:ext uri="{BB962C8B-B14F-4D97-AF65-F5344CB8AC3E}">
+        <p14:creationId xmlns:p14="http://schemas.microsoft.com/office/powerpoint/2010/main" val="3351483753"/>
+      </p:ext>
+    </p:extLst>
+  </p:cSld>
+  <p:clrMap bg1="lt1" tx1="dk1" bg2="lt2" tx2="dk2" accent1="accent1" accent2="accent2" accent3="accent3" accent4="accent4" accent5="accent5" accent6="accent6" hlink="hlink" folHlink="folHlink"/>
+  <p:notesStyle>
+    <a:lvl1pPr marL="0" algn="l" defTabSz="914400" rtl="0" eaLnBrk="1" latinLnBrk="1" hangingPunct="1">
+      <a:defRPr sz="1200" kern="1200">
+        <a:solidFill>
+          <a:schemeClr val="tx1"/>
+        </a:solidFill>
+        <a:latin typeface="+mn-lt"/>
+        <a:ea typeface="+mn-ea"/>
+        <a:cs typeface="+mn-cs"/>
+      </a:defRPr>
+    </a:lvl1pPr>
+    <a:lvl2pPr marL="457200" algn="l" defTabSz="914400" rtl="0" eaLnBrk="1" latinLnBrk="1" hangingPunct="1">
+      <a:defRPr sz="1200" kern="1200">
+        <a:solidFill>
+          <a:schemeClr val="tx1"/>
+        </a:solidFill>
+        <a:latin typeface="+mn-lt"/>
+        <a:ea typeface="+mn-ea"/>
+        <a:cs typeface="+mn-cs"/>
+      </a:defRPr>
+    </a:lvl2pPr>
+    <a:lvl3pPr marL="914400" algn="l" defTabSz="914400" rtl="0" eaLnBrk="1" latinLnBrk="1" hangingPunct="1">
+      <a:defRPr sz="1200" kern="1200">
+        <a:solidFill>
+          <a:schemeClr val="tx1"/>
+        </a:solidFill>
+        <a:latin typeface="+mn-lt"/>
+        <a:ea typeface="+mn-ea"/>
+        <a:cs typeface="+mn-cs"/>
+      </a:defRPr>
+    </a:lvl3pPr>
+    <a:lvl4pPr marL="1371600" algn="l" defTabSz="914400" rtl="0" eaLnBrk="1" latinLnBrk="1" hangingPunct="1">
+      <a:defRPr sz="1200" kern="1200">
+        <a:solidFill>
+          <a:schemeClr val="tx1"/>
+        </a:solidFill>
+        <a:latin typeface="+mn-lt"/>
+        <a:ea typeface="+mn-ea"/>
+        <a:cs typeface="+mn-cs"/>
+      </a:defRPr>
+    </a:lvl4pPr>
+    <a:lvl5pPr marL="1828800" algn="l" defTabSz="914400" rtl="0" eaLnBrk="1" latinLnBrk="1" hangingPunct="1">
+      <a:defRPr sz="1200" kern="1200">
+        <a:solidFill>
+          <a:schemeClr val="tx1"/>
+        </a:solidFill>
+        <a:latin typeface="+mn-lt"/>
+        <a:ea typeface="+mn-ea"/>
+        <a:cs typeface="+mn-cs"/>
+      </a:defRPr>
+    </a:lvl5pPr>
+    <a:lvl6pPr marL="2286000" algn="l" defTabSz="914400" rtl="0" eaLnBrk="1" latinLnBrk="1" hangingPunct="1">
+      <a:defRPr sz="1200" kern="1200">
+        <a:solidFill>
+          <a:schemeClr val="tx1"/>
+        </a:solidFill>
+        <a:latin typeface="+mn-lt"/>
+        <a:ea typeface="+mn-ea"/>
+        <a:cs typeface="+mn-cs"/>
+      </a:defRPr>
+    </a:lvl6pPr>
+    <a:lvl7pPr marL="2743200" algn="l" defTabSz="914400" rtl="0" eaLnBrk="1" latinLnBrk="1" hangingPunct="1">
+      <a:defRPr sz="1200" kern="1200">
+        <a:solidFill>
+          <a:schemeClr val="tx1"/>
+        </a:solidFill>
+        <a:latin typeface="+mn-lt"/>
+        <a:ea typeface="+mn-ea"/>
+        <a:cs typeface="+mn-cs"/>
+      </a:defRPr>
+    </a:lvl7pPr>
+    <a:lvl8pPr marL="3200400" algn="l" defTabSz="914400" rtl="0" eaLnBrk="1" latinLnBrk="1" hangingPunct="1">
+      <a:defRPr sz="1200" kern="1200">
+        <a:solidFill>
+          <a:schemeClr val="tx1"/>
+        </a:solidFill>
+        <a:latin typeface="+mn-lt"/>
+        <a:ea typeface="+mn-ea"/>
+        <a:cs typeface="+mn-cs"/>
+      </a:defRPr>
+    </a:lvl8pPr>
+    <a:lvl9pPr marL="3657600" algn="l" defTabSz="914400" rtl="0" eaLnBrk="1" latinLnBrk="1" hangingPunct="1">
+      <a:defRPr sz="1200" kern="1200">
+        <a:solidFill>
+          <a:schemeClr val="tx1"/>
+        </a:solidFill>
+        <a:latin typeface="+mn-lt"/>
+        <a:ea typeface="+mn-ea"/>
+        <a:cs typeface="+mn-cs"/>
+      </a:defRPr>
+    </a:lvl9pPr>
+  </p:notesStyle>
+</p:notesMaster>
+</file>
+
+<file path=ppt/notesSlides/notesSlide1.xml><?xml version="1.0" encoding="utf-8"?>
+<p:notes xmlns:a="http://schemas.openxmlformats.org/drawingml/2006/main" xmlns:r="http://schemas.openxmlformats.org/officeDocument/2006/relationships" xmlns:p="http://schemas.openxmlformats.org/presentationml/2006/main">
+  <p:cSld>
+    <p:spTree>
+      <p:nvGrpSpPr>
+        <p:cNvPr id="1" name=""/>
+        <p:cNvGrpSpPr/>
+        <p:nvPr/>
+      </p:nvGrpSpPr>
+      <p:grpSpPr>
+        <a:xfrm>
+          <a:off x="0" y="0"/>
+          <a:ext cx="0" cy="0"/>
+          <a:chOff x="0" y="0"/>
+          <a:chExt cx="0" cy="0"/>
+        </a:xfrm>
+      </p:grpSpPr>
+      <p:sp>
+        <p:nvSpPr>
+          <p:cNvPr id="2" name="Slide Image Placeholder 1"/>
+          <p:cNvSpPr>
+            <a:spLocks noGrp="1" noRot="1" noChangeAspect="1"/>
+          </p:cNvSpPr>
+          <p:nvPr>
+            <p:ph type="sldImg"/>
+          </p:nvPr>
+        </p:nvSpPr>
+        <p:spPr/>
+      </p:sp>
+      <p:sp>
+        <p:nvSpPr>
+          <p:cNvPr id="3" name="Notes Placeholder 2"/>
+          <p:cNvSpPr>
+            <a:spLocks noGrp="1"/>
+          </p:cNvSpPr>
+          <p:nvPr>
+            <p:ph type="body" idx="1"/>
+          </p:nvPr>
+        </p:nvSpPr>
+        <p:spPr/>
+        <p:txBody>
+          <a:bodyPr/>
+          <a:lstStyle/>
+          <a:p>
+            <a:endParaRPr lang="ko-KR" altLang="en-US" dirty="0"/>
+          </a:p>
+        </p:txBody>
+      </p:sp>
+      <p:sp>
+        <p:nvSpPr>
+          <p:cNvPr id="4" name="Slide Number Placeholder 3"/>
+          <p:cNvSpPr>
+            <a:spLocks noGrp="1"/>
+          </p:cNvSpPr>
+          <p:nvPr>
+            <p:ph type="sldNum" sz="quarter" idx="10"/>
+          </p:nvPr>
+        </p:nvSpPr>
+        <p:spPr/>
+        <p:txBody>
+          <a:bodyPr/>
+          <a:lstStyle/>
+          <a:p>
+            <a:fld id="{2E8AF2EB-9708-4DB5-A111-DFC2E879ACD9}" type="slidenum">
+              <a:rPr lang="ko-KR" altLang="en-US" smtClean="0"/>
+              <a:t>5</a:t>
+            </a:fld>
+            <a:endParaRPr lang="ko-KR" altLang="en-US"/>
+          </a:p>
+        </p:txBody>
+      </p:sp>
+    </p:spTree>
+    <p:extLst>
+      <p:ext uri="{BB962C8B-B14F-4D97-AF65-F5344CB8AC3E}">
+        <p14:creationId xmlns:p14="http://schemas.microsoft.com/office/powerpoint/2010/main" val="1808359252"/>
+      </p:ext>
+    </p:extLst>
+  </p:cSld>
+  <p:clrMapOvr>
+    <a:masterClrMapping/>
+  </p:clrMapOvr>
+</p:notes>
+</file>
+
 <file path=ppt/slideLayouts/slideLayout1.xml><?xml version="1.0" encoding="utf-8"?>
 <p:sldLayout xmlns:a="http://schemas.openxmlformats.org/drawingml/2006/main" xmlns:r="http://schemas.openxmlformats.org/officeDocument/2006/relationships" xmlns:p="http://schemas.openxmlformats.org/presentationml/2006/main" type="title" preserve="1">
   <p:cSld name="Title Slide">
@@ -292,7 +730,7 @@
           <a:p>
             <a:fld id="{887B44D2-9F09-4CF5-9157-8AA3F99D97C1}" type="datetimeFigureOut">
               <a:rPr lang="ko-KR" altLang="en-US" smtClean="0"/>
-              <a:t>2016-03-04</a:t>
+              <a:t>2016-03-07</a:t>
             </a:fld>
             <a:endParaRPr lang="ko-KR" altLang="en-US"/>
           </a:p>
@@ -462,7 +900,7 @@
           <a:p>
             <a:fld id="{887B44D2-9F09-4CF5-9157-8AA3F99D97C1}" type="datetimeFigureOut">
               <a:rPr lang="ko-KR" altLang="en-US" smtClean="0"/>
-              <a:t>2016-03-04</a:t>
+              <a:t>2016-03-07</a:t>
             </a:fld>
             <a:endParaRPr lang="ko-KR" altLang="en-US"/>
           </a:p>
@@ -642,7 +1080,7 @@
           <a:p>
             <a:fld id="{887B44D2-9F09-4CF5-9157-8AA3F99D97C1}" type="datetimeFigureOut">
               <a:rPr lang="ko-KR" altLang="en-US" smtClean="0"/>
-              <a:t>2016-03-04</a:t>
+              <a:t>2016-03-07</a:t>
             </a:fld>
             <a:endParaRPr lang="ko-KR" altLang="en-US"/>
           </a:p>
@@ -812,7 +1250,7 @@
           <a:p>
             <a:fld id="{887B44D2-9F09-4CF5-9157-8AA3F99D97C1}" type="datetimeFigureOut">
               <a:rPr lang="ko-KR" altLang="en-US" smtClean="0"/>
-              <a:t>2016-03-04</a:t>
+              <a:t>2016-03-07</a:t>
             </a:fld>
             <a:endParaRPr lang="ko-KR" altLang="en-US"/>
           </a:p>
@@ -1058,7 +1496,7 @@
           <a:p>
             <a:fld id="{887B44D2-9F09-4CF5-9157-8AA3F99D97C1}" type="datetimeFigureOut">
               <a:rPr lang="ko-KR" altLang="en-US" smtClean="0"/>
-              <a:t>2016-03-04</a:t>
+              <a:t>2016-03-07</a:t>
             </a:fld>
             <a:endParaRPr lang="ko-KR" altLang="en-US"/>
           </a:p>
@@ -1346,7 +1784,7 @@
           <a:p>
             <a:fld id="{887B44D2-9F09-4CF5-9157-8AA3F99D97C1}" type="datetimeFigureOut">
               <a:rPr lang="ko-KR" altLang="en-US" smtClean="0"/>
-              <a:t>2016-03-04</a:t>
+              <a:t>2016-03-07</a:t>
             </a:fld>
             <a:endParaRPr lang="ko-KR" altLang="en-US"/>
           </a:p>
@@ -1768,7 +2206,7 @@
           <a:p>
             <a:fld id="{887B44D2-9F09-4CF5-9157-8AA3F99D97C1}" type="datetimeFigureOut">
               <a:rPr lang="ko-KR" altLang="en-US" smtClean="0"/>
-              <a:t>2016-03-04</a:t>
+              <a:t>2016-03-07</a:t>
             </a:fld>
             <a:endParaRPr lang="ko-KR" altLang="en-US"/>
           </a:p>
@@ -1886,7 +2324,7 @@
           <a:p>
             <a:fld id="{887B44D2-9F09-4CF5-9157-8AA3F99D97C1}" type="datetimeFigureOut">
               <a:rPr lang="ko-KR" altLang="en-US" smtClean="0"/>
-              <a:t>2016-03-04</a:t>
+              <a:t>2016-03-07</a:t>
             </a:fld>
             <a:endParaRPr lang="ko-KR" altLang="en-US"/>
           </a:p>
@@ -1981,7 +2419,7 @@
           <a:p>
             <a:fld id="{887B44D2-9F09-4CF5-9157-8AA3F99D97C1}" type="datetimeFigureOut">
               <a:rPr lang="ko-KR" altLang="en-US" smtClean="0"/>
-              <a:t>2016-03-04</a:t>
+              <a:t>2016-03-07</a:t>
             </a:fld>
             <a:endParaRPr lang="ko-KR" altLang="en-US"/>
           </a:p>
@@ -2258,7 +2696,7 @@
           <a:p>
             <a:fld id="{887B44D2-9F09-4CF5-9157-8AA3F99D97C1}" type="datetimeFigureOut">
               <a:rPr lang="ko-KR" altLang="en-US" smtClean="0"/>
-              <a:t>2016-03-04</a:t>
+              <a:t>2016-03-07</a:t>
             </a:fld>
             <a:endParaRPr lang="ko-KR" altLang="en-US"/>
           </a:p>
@@ -2511,7 +2949,7 @@
           <a:p>
             <a:fld id="{887B44D2-9F09-4CF5-9157-8AA3F99D97C1}" type="datetimeFigureOut">
               <a:rPr lang="ko-KR" altLang="en-US" smtClean="0"/>
-              <a:t>2016-03-04</a:t>
+              <a:t>2016-03-07</a:t>
             </a:fld>
             <a:endParaRPr lang="ko-KR" altLang="en-US"/>
           </a:p>
@@ -2724,7 +3162,7 @@
           <a:p>
             <a:fld id="{887B44D2-9F09-4CF5-9157-8AA3F99D97C1}" type="datetimeFigureOut">
               <a:rPr lang="ko-KR" altLang="en-US" smtClean="0"/>
-              <a:t>2016-03-04</a:t>
+              <a:t>2016-03-07</a:t>
             </a:fld>
             <a:endParaRPr lang="ko-KR" altLang="en-US"/>
           </a:p>
@@ -4900,7 +5338,7 @@
           <p:nvPr/>
         </p:nvPicPr>
         <p:blipFill>
-          <a:blip r:embed="rId2">
+          <a:blip r:embed="rId3">
             <a:extLst>
               <a:ext uri="{28A0092B-C50C-407E-A947-70E740481C1C}">
                 <a14:useLocalDpi xmlns:a14="http://schemas.microsoft.com/office/drawing/2010/main" val="0"/>
@@ -4941,7 +5379,7 @@
           <p:nvPr/>
         </p:nvPicPr>
         <p:blipFill>
-          <a:blip r:embed="rId3">
+          <a:blip r:embed="rId4">
             <a:extLst>
               <a:ext uri="{28A0092B-C50C-407E-A947-70E740481C1C}">
                 <a14:useLocalDpi xmlns:a14="http://schemas.microsoft.com/office/drawing/2010/main" val="0"/>
@@ -5007,46 +5445,6 @@
       <p:pic>
         <p:nvPicPr>
           <p:cNvPr id="6" name="Picture 5"/>
-          <p:cNvPicPr>
-            <a:picLocks noChangeAspect="1"/>
-          </p:cNvPicPr>
-          <p:nvPr/>
-        </p:nvPicPr>
-        <p:blipFill>
-          <a:blip r:embed="rId4" cstate="print">
-            <a:extLst>
-              <a:ext uri="{28A0092B-C50C-407E-A947-70E740481C1C}">
-                <a14:useLocalDpi xmlns:a14="http://schemas.microsoft.com/office/drawing/2010/main" val="0"/>
-              </a:ext>
-            </a:extLst>
-          </a:blip>
-          <a:stretch>
-            <a:fillRect/>
-          </a:stretch>
-        </p:blipFill>
-        <p:spPr>
-          <a:xfrm>
-            <a:off x="4966315" y="2990513"/>
-            <a:ext cx="761968" cy="761968"/>
-          </a:xfrm>
-          <a:prstGeom prst="rect">
-            <a:avLst/>
-          </a:prstGeom>
-          <a:ln>
-            <a:noFill/>
-          </a:ln>
-          <a:effectLst>
-            <a:outerShdw blurRad="190500" algn="tl" rotWithShape="0">
-              <a:srgbClr val="000000">
-                <a:alpha val="70000"/>
-              </a:srgbClr>
-            </a:outerShdw>
-          </a:effectLst>
-        </p:spPr>
-      </p:pic>
-      <p:pic>
-        <p:nvPicPr>
-          <p:cNvPr id="8" name="Picture 7"/>
           <p:cNvPicPr>
             <a:picLocks noChangeAspect="1"/>
           </p:cNvPicPr>
@@ -5066,7 +5464,7 @@
         </p:blipFill>
         <p:spPr>
           <a:xfrm>
-            <a:off x="6045886" y="2504632"/>
+            <a:off x="4966315" y="2990513"/>
             <a:ext cx="761968" cy="761968"/>
           </a:xfrm>
           <a:prstGeom prst="rect">
@@ -5086,7 +5484,7 @@
       </p:pic>
       <p:pic>
         <p:nvPicPr>
-          <p:cNvPr id="10" name="Picture 9"/>
+          <p:cNvPr id="8" name="Picture 7"/>
           <p:cNvPicPr>
             <a:picLocks noChangeAspect="1"/>
           </p:cNvPicPr>
@@ -5106,7 +5504,7 @@
         </p:blipFill>
         <p:spPr>
           <a:xfrm>
-            <a:off x="4319783" y="3913054"/>
+            <a:off x="6045886" y="2504632"/>
             <a:ext cx="761968" cy="761968"/>
           </a:xfrm>
           <a:prstGeom prst="rect">
@@ -5126,7 +5524,7 @@
       </p:pic>
       <p:pic>
         <p:nvPicPr>
-          <p:cNvPr id="12" name="Picture 11"/>
+          <p:cNvPr id="10" name="Picture 9"/>
           <p:cNvPicPr>
             <a:picLocks noChangeAspect="1"/>
           </p:cNvPicPr>
@@ -5146,7 +5544,7 @@
         </p:blipFill>
         <p:spPr>
           <a:xfrm>
-            <a:off x="3882916" y="2720656"/>
+            <a:off x="4319783" y="3913054"/>
             <a:ext cx="761968" cy="761968"/>
           </a:xfrm>
           <a:prstGeom prst="rect">
@@ -5166,7 +5564,7 @@
       </p:pic>
       <p:pic>
         <p:nvPicPr>
-          <p:cNvPr id="13" name="Picture 12"/>
+          <p:cNvPr id="12" name="Picture 11"/>
           <p:cNvPicPr>
             <a:picLocks noChangeAspect="1"/>
           </p:cNvPicPr>
@@ -5186,7 +5584,7 @@
         </p:blipFill>
         <p:spPr>
           <a:xfrm>
-            <a:off x="4995886" y="1830866"/>
+            <a:off x="3882916" y="2720656"/>
             <a:ext cx="761968" cy="761968"/>
           </a:xfrm>
           <a:prstGeom prst="rect">
@@ -5206,7 +5604,7 @@
       </p:pic>
       <p:pic>
         <p:nvPicPr>
-          <p:cNvPr id="15" name="Picture 14"/>
+          <p:cNvPr id="13" name="Picture 12"/>
           <p:cNvPicPr>
             <a:picLocks noChangeAspect="1"/>
           </p:cNvPicPr>
@@ -5226,8 +5624,8 @@
         </p:blipFill>
         <p:spPr>
           <a:xfrm>
-            <a:off x="7374864" y="4918346"/>
-            <a:ext cx="423639" cy="610185"/>
+            <a:off x="4995886" y="1830866"/>
+            <a:ext cx="761968" cy="761968"/>
           </a:xfrm>
           <a:prstGeom prst="rect">
             <a:avLst/>
@@ -5236,9 +5634,9 @@
             <a:noFill/>
           </a:ln>
           <a:effectLst>
-            <a:outerShdw blurRad="292100" dist="139700" dir="2700000" algn="tl" rotWithShape="0">
-              <a:srgbClr val="333333">
-                <a:alpha val="65000"/>
+            <a:outerShdw blurRad="190500" algn="tl" rotWithShape="0">
+              <a:srgbClr val="000000">
+                <a:alpha val="70000"/>
               </a:srgbClr>
             </a:outerShdw>
           </a:effectLst>
@@ -5246,7 +5644,7 @@
       </p:pic>
       <p:pic>
         <p:nvPicPr>
-          <p:cNvPr id="16" name="Picture 15"/>
+          <p:cNvPr id="15" name="Picture 14"/>
           <p:cNvPicPr>
             <a:picLocks noChangeAspect="1"/>
           </p:cNvPicPr>
@@ -5266,8 +5664,8 @@
         </p:blipFill>
         <p:spPr>
           <a:xfrm>
-            <a:off x="7394487" y="4146685"/>
-            <a:ext cx="384394" cy="565135"/>
+            <a:off x="7452320" y="1624189"/>
+            <a:ext cx="423639" cy="610185"/>
           </a:xfrm>
           <a:prstGeom prst="rect">
             <a:avLst/>
@@ -5276,9 +5674,9 @@
             <a:noFill/>
           </a:ln>
           <a:effectLst>
-            <a:outerShdw blurRad="190500" algn="tl" rotWithShape="0">
-              <a:srgbClr val="000000">
-                <a:alpha val="70000"/>
+            <a:outerShdw blurRad="292100" dist="139700" dir="2700000" algn="tl" rotWithShape="0">
+              <a:srgbClr val="333333">
+                <a:alpha val="65000"/>
               </a:srgbClr>
             </a:outerShdw>
           </a:effectLst>
@@ -5286,7 +5684,7 @@
       </p:pic>
       <p:pic>
         <p:nvPicPr>
-          <p:cNvPr id="17" name="Picture 16"/>
+          <p:cNvPr id="16" name="Picture 15"/>
           <p:cNvPicPr>
             <a:picLocks noChangeAspect="1"/>
           </p:cNvPicPr>
@@ -5306,8 +5704,8 @@
         </p:blipFill>
         <p:spPr>
           <a:xfrm>
-            <a:off x="7317895" y="1693456"/>
-            <a:ext cx="593242" cy="518394"/>
+            <a:off x="6807854" y="1646715"/>
+            <a:ext cx="384394" cy="565135"/>
           </a:xfrm>
           <a:prstGeom prst="rect">
             <a:avLst/>
@@ -5316,9 +5714,9 @@
             <a:noFill/>
           </a:ln>
           <a:effectLst>
-            <a:outerShdw blurRad="292100" dist="139700" dir="2700000" algn="tl" rotWithShape="0">
-              <a:srgbClr val="333333">
-                <a:alpha val="65000"/>
+            <a:outerShdw blurRad="190500" algn="tl" rotWithShape="0">
+              <a:srgbClr val="000000">
+                <a:alpha val="70000"/>
               </a:srgbClr>
             </a:outerShdw>
           </a:effectLst>
@@ -5326,7 +5724,7 @@
       </p:pic>
       <p:pic>
         <p:nvPicPr>
-          <p:cNvPr id="18" name="Picture 17"/>
+          <p:cNvPr id="17" name="Picture 16"/>
           <p:cNvPicPr>
             <a:picLocks noChangeAspect="1"/>
           </p:cNvPicPr>
@@ -5346,8 +5744,8 @@
         </p:blipFill>
         <p:spPr>
           <a:xfrm>
-            <a:off x="7431442" y="3266600"/>
-            <a:ext cx="330561" cy="685343"/>
+            <a:off x="5780675" y="4966150"/>
+            <a:ext cx="593242" cy="518394"/>
           </a:xfrm>
           <a:prstGeom prst="rect">
             <a:avLst/>
@@ -5364,144 +5762,9 @@
           </a:effectLst>
         </p:spPr>
       </p:pic>
-      <p:sp>
-        <p:nvSpPr>
-          <p:cNvPr id="19" name="Rounded Rectangle 18"/>
-          <p:cNvSpPr/>
-          <p:nvPr/>
-        </p:nvSpPr>
-        <p:spPr>
-          <a:xfrm>
-            <a:off x="3923928" y="4941168"/>
-            <a:ext cx="3024336" cy="305092"/>
-          </a:xfrm>
-          <a:prstGeom prst="roundRect">
-            <a:avLst/>
-          </a:prstGeom>
-        </p:spPr>
-        <p:style>
-          <a:lnRef idx="2">
-            <a:schemeClr val="accent1">
-              <a:shade val="50000"/>
-            </a:schemeClr>
-          </a:lnRef>
-          <a:fillRef idx="1">
-            <a:schemeClr val="accent1"/>
-          </a:fillRef>
-          <a:effectRef idx="0">
-            <a:schemeClr val="accent1"/>
-          </a:effectRef>
-          <a:fontRef idx="minor">
-            <a:schemeClr val="lt1"/>
-          </a:fontRef>
-        </p:style>
-        <p:txBody>
-          <a:bodyPr rtlCol="0" anchor="ctr"/>
-          <a:lstStyle/>
-          <a:p>
-            <a:pPr algn="ctr"/>
-            <a:r>
-              <a:rPr lang="ko-KR" altLang="en-US" dirty="0" smtClean="0"/>
-              <a:t>현재 진행중인 챕터</a:t>
-            </a:r>
-            <a:endParaRPr lang="ko-KR" altLang="en-US" dirty="0"/>
-          </a:p>
-        </p:txBody>
-      </p:sp>
-      <p:sp>
-        <p:nvSpPr>
-          <p:cNvPr id="20" name="Oval 19"/>
-          <p:cNvSpPr/>
-          <p:nvPr/>
-        </p:nvSpPr>
-        <p:spPr>
-          <a:xfrm>
-            <a:off x="1293428" y="1614360"/>
-            <a:ext cx="576064" cy="576064"/>
-          </a:xfrm>
-          <a:prstGeom prst="ellipse">
-            <a:avLst/>
-          </a:prstGeom>
-        </p:spPr>
-        <p:style>
-          <a:lnRef idx="2">
-            <a:schemeClr val="accent1">
-              <a:shade val="50000"/>
-            </a:schemeClr>
-          </a:lnRef>
-          <a:fillRef idx="1">
-            <a:schemeClr val="accent1"/>
-          </a:fillRef>
-          <a:effectRef idx="0">
-            <a:schemeClr val="accent1"/>
-          </a:effectRef>
-          <a:fontRef idx="minor">
-            <a:schemeClr val="lt1"/>
-          </a:fontRef>
-        </p:style>
-        <p:txBody>
-          <a:bodyPr rtlCol="0" anchor="ctr"/>
-          <a:lstStyle/>
-          <a:p>
-            <a:pPr algn="ctr"/>
-            <a:r>
-              <a:rPr lang="ko-KR" altLang="en-US" sz="1100" dirty="0" smtClean="0"/>
-              <a:t>초상</a:t>
-            </a:r>
-            <a:r>
-              <a:rPr lang="ko-KR" altLang="en-US" sz="1100" dirty="0"/>
-              <a:t>화</a:t>
-            </a:r>
-          </a:p>
-        </p:txBody>
-      </p:sp>
-      <p:sp>
-        <p:nvSpPr>
-          <p:cNvPr id="21" name="Rounded Rectangle 20"/>
-          <p:cNvSpPr/>
-          <p:nvPr/>
-        </p:nvSpPr>
-        <p:spPr>
-          <a:xfrm>
-            <a:off x="1869492" y="1787401"/>
-            <a:ext cx="686284" cy="229982"/>
-          </a:xfrm>
-          <a:prstGeom prst="roundRect">
-            <a:avLst/>
-          </a:prstGeom>
-        </p:spPr>
-        <p:style>
-          <a:lnRef idx="2">
-            <a:schemeClr val="accent1">
-              <a:shade val="50000"/>
-            </a:schemeClr>
-          </a:lnRef>
-          <a:fillRef idx="1">
-            <a:schemeClr val="accent1"/>
-          </a:fillRef>
-          <a:effectRef idx="0">
-            <a:schemeClr val="accent1"/>
-          </a:effectRef>
-          <a:fontRef idx="minor">
-            <a:schemeClr val="lt1"/>
-          </a:fontRef>
-        </p:style>
-        <p:txBody>
-          <a:bodyPr rtlCol="0" anchor="ctr"/>
-          <a:lstStyle/>
-          <a:p>
-            <a:pPr algn="ctr"/>
-            <a:r>
-              <a:rPr lang="en-US" altLang="ko-KR" dirty="0" smtClean="0"/>
-              <a:t>ID</a:t>
-            </a:r>
-            <a:endParaRPr lang="ko-KR" altLang="en-US" dirty="0"/>
-          </a:p>
-        </p:txBody>
-      </p:sp>
       <p:pic>
         <p:nvPicPr>
-          <p:cNvPr id="1024" name="Picture 1023"/>
+          <p:cNvPr id="18" name="Picture 17"/>
           <p:cNvPicPr>
             <a:picLocks noChangeAspect="1"/>
           </p:cNvPicPr>
@@ -5521,8 +5784,8 @@
         </p:blipFill>
         <p:spPr>
           <a:xfrm>
-            <a:off x="3643854" y="4631718"/>
-            <a:ext cx="560148" cy="773435"/>
+            <a:off x="7452320" y="4880765"/>
+            <a:ext cx="330561" cy="685343"/>
           </a:xfrm>
           <a:prstGeom prst="rect">
             <a:avLst/>
@@ -5531,17 +5794,152 @@
             <a:noFill/>
           </a:ln>
           <a:effectLst>
-            <a:outerShdw blurRad="190500" algn="tl" rotWithShape="0">
-              <a:srgbClr val="000000">
-                <a:alpha val="70000"/>
+            <a:outerShdw blurRad="292100" dist="139700" dir="2700000" algn="tl" rotWithShape="0">
+              <a:srgbClr val="333333">
+                <a:alpha val="65000"/>
               </a:srgbClr>
             </a:outerShdw>
           </a:effectLst>
         </p:spPr>
       </p:pic>
+      <p:sp>
+        <p:nvSpPr>
+          <p:cNvPr id="19" name="Rounded Rectangle 18"/>
+          <p:cNvSpPr/>
+          <p:nvPr/>
+        </p:nvSpPr>
+        <p:spPr>
+          <a:xfrm>
+            <a:off x="1475656" y="4982918"/>
+            <a:ext cx="1944216" cy="305092"/>
+          </a:xfrm>
+          <a:prstGeom prst="roundRect">
+            <a:avLst/>
+          </a:prstGeom>
+        </p:spPr>
+        <p:style>
+          <a:lnRef idx="2">
+            <a:schemeClr val="accent1">
+              <a:shade val="50000"/>
+            </a:schemeClr>
+          </a:lnRef>
+          <a:fillRef idx="1">
+            <a:schemeClr val="accent1"/>
+          </a:fillRef>
+          <a:effectRef idx="0">
+            <a:schemeClr val="accent1"/>
+          </a:effectRef>
+          <a:fontRef idx="minor">
+            <a:schemeClr val="lt1"/>
+          </a:fontRef>
+        </p:style>
+        <p:txBody>
+          <a:bodyPr rtlCol="0" anchor="ctr"/>
+          <a:lstStyle/>
+          <a:p>
+            <a:pPr algn="ctr"/>
+            <a:r>
+              <a:rPr lang="ko-KR" altLang="en-US" sz="1400" dirty="0" smtClean="0"/>
+              <a:t>현재 진행중인 챕터</a:t>
+            </a:r>
+            <a:endParaRPr lang="ko-KR" altLang="en-US" sz="1400" dirty="0"/>
+          </a:p>
+        </p:txBody>
+      </p:sp>
+      <p:sp>
+        <p:nvSpPr>
+          <p:cNvPr id="20" name="Oval 19"/>
+          <p:cNvSpPr/>
+          <p:nvPr/>
+        </p:nvSpPr>
+        <p:spPr>
+          <a:xfrm>
+            <a:off x="1293428" y="1614360"/>
+            <a:ext cx="576064" cy="576064"/>
+          </a:xfrm>
+          <a:prstGeom prst="ellipse">
+            <a:avLst/>
+          </a:prstGeom>
+        </p:spPr>
+        <p:style>
+          <a:lnRef idx="2">
+            <a:schemeClr val="accent1">
+              <a:shade val="50000"/>
+            </a:schemeClr>
+          </a:lnRef>
+          <a:fillRef idx="1">
+            <a:schemeClr val="accent1"/>
+          </a:fillRef>
+          <a:effectRef idx="0">
+            <a:schemeClr val="accent1"/>
+          </a:effectRef>
+          <a:fontRef idx="minor">
+            <a:schemeClr val="lt1"/>
+          </a:fontRef>
+        </p:style>
+        <p:txBody>
+          <a:bodyPr rtlCol="0" anchor="ctr"/>
+          <a:lstStyle/>
+          <a:p>
+            <a:pPr algn="ctr"/>
+            <a:r>
+              <a:rPr lang="ko-KR" altLang="en-US" sz="1100" dirty="0" smtClean="0"/>
+              <a:t>초상</a:t>
+            </a:r>
+            <a:r>
+              <a:rPr lang="ko-KR" altLang="en-US" sz="1100" dirty="0"/>
+              <a:t>화</a:t>
+            </a:r>
+          </a:p>
+        </p:txBody>
+      </p:sp>
+      <p:sp>
+        <p:nvSpPr>
+          <p:cNvPr id="21" name="Rounded Rectangle 20"/>
+          <p:cNvSpPr/>
+          <p:nvPr/>
+        </p:nvSpPr>
+        <p:spPr>
+          <a:xfrm>
+            <a:off x="1869492" y="1787401"/>
+            <a:ext cx="686284" cy="229982"/>
+          </a:xfrm>
+          <a:prstGeom prst="roundRect">
+            <a:avLst/>
+          </a:prstGeom>
+        </p:spPr>
+        <p:style>
+          <a:lnRef idx="2">
+            <a:schemeClr val="accent1">
+              <a:shade val="50000"/>
+            </a:schemeClr>
+          </a:lnRef>
+          <a:fillRef idx="1">
+            <a:schemeClr val="accent1"/>
+          </a:fillRef>
+          <a:effectRef idx="0">
+            <a:schemeClr val="accent1"/>
+          </a:effectRef>
+          <a:fontRef idx="minor">
+            <a:schemeClr val="lt1"/>
+          </a:fontRef>
+        </p:style>
+        <p:txBody>
+          <a:bodyPr rtlCol="0" anchor="ctr"/>
+          <a:lstStyle/>
+          <a:p>
+            <a:pPr algn="ctr"/>
+            <a:r>
+              <a:rPr lang="en-US" altLang="ko-KR" dirty="0" smtClean="0"/>
+              <a:t>ID</a:t>
+            </a:r>
+            <a:endParaRPr lang="ko-KR" altLang="en-US" dirty="0"/>
+          </a:p>
+        </p:txBody>
+      </p:sp>
       <p:pic>
         <p:nvPicPr>
-          <p:cNvPr id="1025" name="Picture 1024"/>
+          <p:cNvPr id="1024" name="Picture 1023"/>
           <p:cNvPicPr>
             <a:picLocks noChangeAspect="1"/>
           </p:cNvPicPr>
@@ -5561,6 +5959,46 @@
         </p:blipFill>
         <p:spPr>
           <a:xfrm>
+            <a:off x="1195582" y="4673468"/>
+            <a:ext cx="560148" cy="773435"/>
+          </a:xfrm>
+          <a:prstGeom prst="rect">
+            <a:avLst/>
+          </a:prstGeom>
+          <a:ln>
+            <a:noFill/>
+          </a:ln>
+          <a:effectLst>
+            <a:outerShdw blurRad="190500" algn="tl" rotWithShape="0">
+              <a:srgbClr val="000000">
+                <a:alpha val="70000"/>
+              </a:srgbClr>
+            </a:outerShdw>
+          </a:effectLst>
+        </p:spPr>
+      </p:pic>
+      <p:pic>
+        <p:nvPicPr>
+          <p:cNvPr id="1025" name="Picture 1024"/>
+          <p:cNvPicPr>
+            <a:picLocks noChangeAspect="1"/>
+          </p:cNvPicPr>
+          <p:nvPr/>
+        </p:nvPicPr>
+        <p:blipFill>
+          <a:blip r:embed="rId15" cstate="print">
+            <a:extLst>
+              <a:ext uri="{28A0092B-C50C-407E-A947-70E740481C1C}">
+                <a14:useLocalDpi xmlns:a14="http://schemas.microsoft.com/office/drawing/2010/main" val="0"/>
+              </a:ext>
+            </a:extLst>
+          </a:blip>
+          <a:stretch>
+            <a:fillRect/>
+          </a:stretch>
+        </p:blipFill>
+        <p:spPr>
+          <a:xfrm>
             <a:off x="6002765" y="3809771"/>
             <a:ext cx="469762" cy="841588"/>
           </a:xfrm>
@@ -5577,6 +6015,36 @@
               </a:srgbClr>
             </a:outerShdw>
           </a:effectLst>
+        </p:spPr>
+      </p:pic>
+      <p:pic>
+        <p:nvPicPr>
+          <p:cNvPr id="4" name="Picture 3"/>
+          <p:cNvPicPr>
+            <a:picLocks noChangeAspect="1"/>
+          </p:cNvPicPr>
+          <p:nvPr/>
+        </p:nvPicPr>
+        <p:blipFill>
+          <a:blip r:embed="rId16" cstate="print">
+            <a:extLst>
+              <a:ext uri="{28A0092B-C50C-407E-A947-70E740481C1C}">
+                <a14:useLocalDpi xmlns:a14="http://schemas.microsoft.com/office/drawing/2010/main" val="0"/>
+              </a:ext>
+            </a:extLst>
+          </a:blip>
+          <a:stretch>
+            <a:fillRect/>
+          </a:stretch>
+        </p:blipFill>
+        <p:spPr>
+          <a:xfrm>
+            <a:off x="6581635" y="5025378"/>
+            <a:ext cx="721297" cy="396113"/>
+          </a:xfrm>
+          <a:prstGeom prst="rect">
+            <a:avLst/>
+          </a:prstGeom>
         </p:spPr>
       </p:pic>
     </p:spTree>
@@ -5596,6 +6064,66 @@
       </p:par>
     </p:tnLst>
   </p:timing>
+</p:sld>
+</file>
+
+<file path=ppt/slides/slide6.xml><?xml version="1.0" encoding="utf-8"?>
+<p:sld xmlns:a="http://schemas.openxmlformats.org/drawingml/2006/main" xmlns:r="http://schemas.openxmlformats.org/officeDocument/2006/relationships" xmlns:p="http://schemas.openxmlformats.org/presentationml/2006/main">
+  <p:cSld>
+    <p:spTree>
+      <p:nvGrpSpPr>
+        <p:cNvPr id="1" name=""/>
+        <p:cNvGrpSpPr/>
+        <p:nvPr/>
+      </p:nvGrpSpPr>
+      <p:grpSpPr>
+        <a:xfrm>
+          <a:off x="0" y="0"/>
+          <a:ext cx="0" cy="0"/>
+          <a:chOff x="0" y="0"/>
+          <a:chExt cx="0" cy="0"/>
+        </a:xfrm>
+      </p:grpSpPr>
+      <p:pic>
+        <p:nvPicPr>
+          <p:cNvPr id="2" name="Picture 1"/>
+          <p:cNvPicPr>
+            <a:picLocks noChangeAspect="1"/>
+          </p:cNvPicPr>
+          <p:nvPr/>
+        </p:nvPicPr>
+        <p:blipFill>
+          <a:blip r:embed="rId2">
+            <a:extLst>
+              <a:ext uri="{28A0092B-C50C-407E-A947-70E740481C1C}">
+                <a14:useLocalDpi xmlns:a14="http://schemas.microsoft.com/office/drawing/2010/main" val="0"/>
+              </a:ext>
+            </a:extLst>
+          </a:blip>
+          <a:stretch>
+            <a:fillRect/>
+          </a:stretch>
+        </p:blipFill>
+        <p:spPr>
+          <a:xfrm>
+            <a:off x="0" y="1143000"/>
+            <a:ext cx="9144000" cy="4878288"/>
+          </a:xfrm>
+          <a:prstGeom prst="rect">
+            <a:avLst/>
+          </a:prstGeom>
+        </p:spPr>
+      </p:pic>
+    </p:spTree>
+    <p:extLst>
+      <p:ext uri="{BB962C8B-B14F-4D97-AF65-F5344CB8AC3E}">
+        <p14:creationId xmlns:p14="http://schemas.microsoft.com/office/powerpoint/2010/main" val="3786254005"/>
+      </p:ext>
+    </p:extLst>
+  </p:cSld>
+  <p:clrMapOvr>
+    <a:masterClrMapping/>
+  </p:clrMapOvr>
 </p:sld>
 </file>
 
@@ -5882,4 +6410,289 @@
   <a:objectDefaults/>
   <a:extraClrSchemeLst/>
 </a:theme>
+</file>
+
+<file path=ppt/theme/theme2.xml><?xml version="1.0" encoding="utf-8"?>
+<a:theme xmlns:a="http://schemas.openxmlformats.org/drawingml/2006/main" name="Office Theme">
+  <a:themeElements>
+    <a:clrScheme name="Office">
+      <a:dk1>
+        <a:sysClr val="windowText" lastClr="000000"/>
+      </a:dk1>
+      <a:lt1>
+        <a:sysClr val="window" lastClr="FFFFFF"/>
+      </a:lt1>
+      <a:dk2>
+        <a:srgbClr val="1F497D"/>
+      </a:dk2>
+      <a:lt2>
+        <a:srgbClr val="EEECE1"/>
+      </a:lt2>
+      <a:accent1>
+        <a:srgbClr val="4F81BD"/>
+      </a:accent1>
+      <a:accent2>
+        <a:srgbClr val="C0504D"/>
+      </a:accent2>
+      <a:accent3>
+        <a:srgbClr val="9BBB59"/>
+      </a:accent3>
+      <a:accent4>
+        <a:srgbClr val="8064A2"/>
+      </a:accent4>
+      <a:accent5>
+        <a:srgbClr val="4BACC6"/>
+      </a:accent5>
+      <a:accent6>
+        <a:srgbClr val="F79646"/>
+      </a:accent6>
+      <a:hlink>
+        <a:srgbClr val="0000FF"/>
+      </a:hlink>
+      <a:folHlink>
+        <a:srgbClr val="800080"/>
+      </a:folHlink>
+    </a:clrScheme>
+    <a:fontScheme name="Office">
+      <a:majorFont>
+        <a:latin typeface="맑은 고딕"/>
+        <a:ea typeface=""/>
+        <a:cs typeface=""/>
+        <a:font script="Jpan" typeface="ＭＳ Ｐゴシック"/>
+        <a:font script="Hang" typeface="맑은 고딕"/>
+        <a:font script="Hans" typeface="宋体"/>
+        <a:font script="Hant" typeface="新細明體"/>
+        <a:font script="Arab" typeface="Times New Roman"/>
+        <a:font script="Hebr" typeface="Times New Roman"/>
+        <a:font script="Thai" typeface="Angsana New"/>
+        <a:font script="Ethi" typeface="Nyala"/>
+        <a:font script="Beng" typeface="Vrinda"/>
+        <a:font script="Gujr" typeface="Shruti"/>
+        <a:font script="Khmr" typeface="MoolBoran"/>
+        <a:font script="Knda" typeface="Tunga"/>
+        <a:font script="Guru" typeface="Raavi"/>
+        <a:font script="Cans" typeface="Euphemia"/>
+        <a:font script="Cher" typeface="Plantagenet Cherokee"/>
+        <a:font script="Yiii" typeface="Microsoft Yi Baiti"/>
+        <a:font script="Tibt" typeface="Microsoft Himalaya"/>
+        <a:font script="Thaa" typeface="MV Boli"/>
+        <a:font script="Deva" typeface="Mangal"/>
+        <a:font script="Telu" typeface="Gautami"/>
+        <a:font script="Taml" typeface="Latha"/>
+        <a:font script="Syrc" typeface="Estrangelo Edessa"/>
+        <a:font script="Orya" typeface="Kalinga"/>
+        <a:font script="Mlym" typeface="Kartika"/>
+        <a:font script="Laoo" typeface="DokChampa"/>
+        <a:font script="Sinh" typeface="Iskoola Pota"/>
+        <a:font script="Mong" typeface="Mongolian Baiti"/>
+        <a:font script="Viet" typeface="Times New Roman"/>
+        <a:font script="Uigh" typeface="Microsoft Uighur"/>
+        <a:font script="Geor" typeface="Sylfaen"/>
+      </a:majorFont>
+      <a:minorFont>
+        <a:latin typeface="맑은 고딕"/>
+        <a:ea typeface=""/>
+        <a:cs typeface=""/>
+        <a:font script="Jpan" typeface="ＭＳ Ｐゴシック"/>
+        <a:font script="Hang" typeface="맑은 고딕"/>
+        <a:font script="Hans" typeface="宋体"/>
+        <a:font script="Hant" typeface="新細明體"/>
+        <a:font script="Arab" typeface="Arial"/>
+        <a:font script="Hebr" typeface="Arial"/>
+        <a:font script="Thai" typeface="Cordia New"/>
+        <a:font script="Ethi" typeface="Nyala"/>
+        <a:font script="Beng" typeface="Vrinda"/>
+        <a:font script="Gujr" typeface="Shruti"/>
+        <a:font script="Khmr" typeface="DaunPenh"/>
+        <a:font script="Knda" typeface="Tunga"/>
+        <a:font script="Guru" typeface="Raavi"/>
+        <a:font script="Cans" typeface="Euphemia"/>
+        <a:font script="Cher" typeface="Plantagenet Cherokee"/>
+        <a:font script="Yiii" typeface="Microsoft Yi Baiti"/>
+        <a:font script="Tibt" typeface="Microsoft Himalaya"/>
+        <a:font script="Thaa" typeface="MV Boli"/>
+        <a:font script="Deva" typeface="Mangal"/>
+        <a:font script="Telu" typeface="Gautami"/>
+        <a:font script="Taml" typeface="Latha"/>
+        <a:font script="Syrc" typeface="Estrangelo Edessa"/>
+        <a:font script="Orya" typeface="Kalinga"/>
+        <a:font script="Mlym" typeface="Kartika"/>
+        <a:font script="Laoo" typeface="DokChampa"/>
+        <a:font script="Sinh" typeface="Iskoola Pota"/>
+        <a:font script="Mong" typeface="Mongolian Baiti"/>
+        <a:font script="Viet" typeface="Arial"/>
+        <a:font script="Uigh" typeface="Microsoft Uighur"/>
+        <a:font script="Geor" typeface="Sylfaen"/>
+      </a:minorFont>
+    </a:fontScheme>
+    <a:fmtScheme name="Office">
+      <a:fillStyleLst>
+        <a:solidFill>
+          <a:schemeClr val="phClr"/>
+        </a:solidFill>
+        <a:gradFill rotWithShape="1">
+          <a:gsLst>
+            <a:gs pos="0">
+              <a:schemeClr val="phClr">
+                <a:tint val="50000"/>
+                <a:satMod val="300000"/>
+              </a:schemeClr>
+            </a:gs>
+            <a:gs pos="35000">
+              <a:schemeClr val="phClr">
+                <a:tint val="37000"/>
+                <a:satMod val="300000"/>
+              </a:schemeClr>
+            </a:gs>
+            <a:gs pos="100000">
+              <a:schemeClr val="phClr">
+                <a:tint val="15000"/>
+                <a:satMod val="350000"/>
+              </a:schemeClr>
+            </a:gs>
+          </a:gsLst>
+          <a:lin ang="16200000" scaled="1"/>
+        </a:gradFill>
+        <a:gradFill rotWithShape="1">
+          <a:gsLst>
+            <a:gs pos="0">
+              <a:schemeClr val="phClr">
+                <a:shade val="51000"/>
+                <a:satMod val="130000"/>
+              </a:schemeClr>
+            </a:gs>
+            <a:gs pos="80000">
+              <a:schemeClr val="phClr">
+                <a:shade val="93000"/>
+                <a:satMod val="130000"/>
+              </a:schemeClr>
+            </a:gs>
+            <a:gs pos="100000">
+              <a:schemeClr val="phClr">
+                <a:shade val="94000"/>
+                <a:satMod val="135000"/>
+              </a:schemeClr>
+            </a:gs>
+          </a:gsLst>
+          <a:lin ang="16200000" scaled="0"/>
+        </a:gradFill>
+      </a:fillStyleLst>
+      <a:lnStyleLst>
+        <a:ln w="9525" cap="flat" cmpd="sng" algn="ctr">
+          <a:solidFill>
+            <a:schemeClr val="phClr">
+              <a:shade val="95000"/>
+              <a:satMod val="105000"/>
+            </a:schemeClr>
+          </a:solidFill>
+          <a:prstDash val="solid"/>
+        </a:ln>
+        <a:ln w="25400" cap="flat" cmpd="sng" algn="ctr">
+          <a:solidFill>
+            <a:schemeClr val="phClr"/>
+          </a:solidFill>
+          <a:prstDash val="solid"/>
+        </a:ln>
+        <a:ln w="38100" cap="flat" cmpd="sng" algn="ctr">
+          <a:solidFill>
+            <a:schemeClr val="phClr"/>
+          </a:solidFill>
+          <a:prstDash val="solid"/>
+        </a:ln>
+      </a:lnStyleLst>
+      <a:effectStyleLst>
+        <a:effectStyle>
+          <a:effectLst>
+            <a:outerShdw blurRad="40000" dist="20000" dir="5400000" rotWithShape="0">
+              <a:srgbClr val="000000">
+                <a:alpha val="38000"/>
+              </a:srgbClr>
+            </a:outerShdw>
+          </a:effectLst>
+        </a:effectStyle>
+        <a:effectStyle>
+          <a:effectLst>
+            <a:outerShdw blurRad="40000" dist="23000" dir="5400000" rotWithShape="0">
+              <a:srgbClr val="000000">
+                <a:alpha val="35000"/>
+              </a:srgbClr>
+            </a:outerShdw>
+          </a:effectLst>
+        </a:effectStyle>
+        <a:effectStyle>
+          <a:effectLst>
+            <a:outerShdw blurRad="40000" dist="23000" dir="5400000" rotWithShape="0">
+              <a:srgbClr val="000000">
+                <a:alpha val="35000"/>
+              </a:srgbClr>
+            </a:outerShdw>
+          </a:effectLst>
+          <a:scene3d>
+            <a:camera prst="orthographicFront">
+              <a:rot lat="0" lon="0" rev="0"/>
+            </a:camera>
+            <a:lightRig rig="threePt" dir="t">
+              <a:rot lat="0" lon="0" rev="1200000"/>
+            </a:lightRig>
+          </a:scene3d>
+          <a:sp3d>
+            <a:bevelT w="63500" h="25400"/>
+          </a:sp3d>
+        </a:effectStyle>
+      </a:effectStyleLst>
+      <a:bgFillStyleLst>
+        <a:solidFill>
+          <a:schemeClr val="phClr"/>
+        </a:solidFill>
+        <a:gradFill rotWithShape="1">
+          <a:gsLst>
+            <a:gs pos="0">
+              <a:schemeClr val="phClr">
+                <a:tint val="40000"/>
+                <a:satMod val="350000"/>
+              </a:schemeClr>
+            </a:gs>
+            <a:gs pos="40000">
+              <a:schemeClr val="phClr">
+                <a:tint val="45000"/>
+                <a:shade val="99000"/>
+                <a:satMod val="350000"/>
+              </a:schemeClr>
+            </a:gs>
+            <a:gs pos="100000">
+              <a:schemeClr val="phClr">
+                <a:shade val="20000"/>
+                <a:satMod val="255000"/>
+              </a:schemeClr>
+            </a:gs>
+          </a:gsLst>
+          <a:path path="circle">
+            <a:fillToRect l="50000" t="-80000" r="50000" b="180000"/>
+          </a:path>
+        </a:gradFill>
+        <a:gradFill rotWithShape="1">
+          <a:gsLst>
+            <a:gs pos="0">
+              <a:schemeClr val="phClr">
+                <a:tint val="80000"/>
+                <a:satMod val="300000"/>
+              </a:schemeClr>
+            </a:gs>
+            <a:gs pos="100000">
+              <a:schemeClr val="phClr">
+                <a:shade val="30000"/>
+                <a:satMod val="200000"/>
+              </a:schemeClr>
+            </a:gs>
+          </a:gsLst>
+          <a:path path="circle">
+            <a:fillToRect l="50000" t="50000" r="50000" b="50000"/>
+          </a:path>
+        </a:gradFill>
+      </a:bgFillStyleLst>
+    </a:fmtScheme>
+  </a:themeElements>
+  <a:objectDefaults/>
+  <a:extraClrSchemeLst/>
+</a:theme>
 </file>
--- a/기획문서/그림용ppt2.pptx
+++ b/기획문서/그림용ppt2.pptx
@@ -5,7 +5,7 @@
     <p:sldMasterId id="2147483648" r:id="rId1"/>
   </p:sldMasterIdLst>
   <p:notesMasterIdLst>
-    <p:notesMasterId r:id="rId8"/>
+    <p:notesMasterId r:id="rId10"/>
   </p:notesMasterIdLst>
   <p:sldIdLst>
     <p:sldId id="256" r:id="rId2"/>
@@ -14,6 +14,8 @@
     <p:sldId id="259" r:id="rId5"/>
     <p:sldId id="260" r:id="rId6"/>
     <p:sldId id="261" r:id="rId7"/>
+    <p:sldId id="262" r:id="rId8"/>
+    <p:sldId id="263" r:id="rId9"/>
   </p:sldIdLst>
   <p:sldSz cx="9144000" cy="6858000" type="screen4x3"/>
   <p:notesSz cx="6858000" cy="9144000"/>
@@ -197,7 +199,7 @@
           <a:p>
             <a:fld id="{829D6308-BF7B-495A-9DA7-82E6D8FA2D9D}" type="datetimeFigureOut">
               <a:rPr lang="ko-KR" altLang="en-US" smtClean="0"/>
-              <a:t>2016-03-07</a:t>
+              <a:t>2016-03-14</a:t>
             </a:fld>
             <a:endParaRPr lang="ko-KR" altLang="en-US"/>
           </a:p>
@@ -730,7 +732,7 @@
           <a:p>
             <a:fld id="{887B44D2-9F09-4CF5-9157-8AA3F99D97C1}" type="datetimeFigureOut">
               <a:rPr lang="ko-KR" altLang="en-US" smtClean="0"/>
-              <a:t>2016-03-07</a:t>
+              <a:t>2016-03-14</a:t>
             </a:fld>
             <a:endParaRPr lang="ko-KR" altLang="en-US"/>
           </a:p>
@@ -900,7 +902,7 @@
           <a:p>
             <a:fld id="{887B44D2-9F09-4CF5-9157-8AA3F99D97C1}" type="datetimeFigureOut">
               <a:rPr lang="ko-KR" altLang="en-US" smtClean="0"/>
-              <a:t>2016-03-07</a:t>
+              <a:t>2016-03-14</a:t>
             </a:fld>
             <a:endParaRPr lang="ko-KR" altLang="en-US"/>
           </a:p>
@@ -1080,7 +1082,7 @@
           <a:p>
             <a:fld id="{887B44D2-9F09-4CF5-9157-8AA3F99D97C1}" type="datetimeFigureOut">
               <a:rPr lang="ko-KR" altLang="en-US" smtClean="0"/>
-              <a:t>2016-03-07</a:t>
+              <a:t>2016-03-14</a:t>
             </a:fld>
             <a:endParaRPr lang="ko-KR" altLang="en-US"/>
           </a:p>
@@ -1250,7 +1252,7 @@
           <a:p>
             <a:fld id="{887B44D2-9F09-4CF5-9157-8AA3F99D97C1}" type="datetimeFigureOut">
               <a:rPr lang="ko-KR" altLang="en-US" smtClean="0"/>
-              <a:t>2016-03-07</a:t>
+              <a:t>2016-03-14</a:t>
             </a:fld>
             <a:endParaRPr lang="ko-KR" altLang="en-US"/>
           </a:p>
@@ -1496,7 +1498,7 @@
           <a:p>
             <a:fld id="{887B44D2-9F09-4CF5-9157-8AA3F99D97C1}" type="datetimeFigureOut">
               <a:rPr lang="ko-KR" altLang="en-US" smtClean="0"/>
-              <a:t>2016-03-07</a:t>
+              <a:t>2016-03-14</a:t>
             </a:fld>
             <a:endParaRPr lang="ko-KR" altLang="en-US"/>
           </a:p>
@@ -1784,7 +1786,7 @@
           <a:p>
             <a:fld id="{887B44D2-9F09-4CF5-9157-8AA3F99D97C1}" type="datetimeFigureOut">
               <a:rPr lang="ko-KR" altLang="en-US" smtClean="0"/>
-              <a:t>2016-03-07</a:t>
+              <a:t>2016-03-14</a:t>
             </a:fld>
             <a:endParaRPr lang="ko-KR" altLang="en-US"/>
           </a:p>
@@ -2206,7 +2208,7 @@
           <a:p>
             <a:fld id="{887B44D2-9F09-4CF5-9157-8AA3F99D97C1}" type="datetimeFigureOut">
               <a:rPr lang="ko-KR" altLang="en-US" smtClean="0"/>
-              <a:t>2016-03-07</a:t>
+              <a:t>2016-03-14</a:t>
             </a:fld>
             <a:endParaRPr lang="ko-KR" altLang="en-US"/>
           </a:p>
@@ -2324,7 +2326,7 @@
           <a:p>
             <a:fld id="{887B44D2-9F09-4CF5-9157-8AA3F99D97C1}" type="datetimeFigureOut">
               <a:rPr lang="ko-KR" altLang="en-US" smtClean="0"/>
-              <a:t>2016-03-07</a:t>
+              <a:t>2016-03-14</a:t>
             </a:fld>
             <a:endParaRPr lang="ko-KR" altLang="en-US"/>
           </a:p>
@@ -2419,7 +2421,7 @@
           <a:p>
             <a:fld id="{887B44D2-9F09-4CF5-9157-8AA3F99D97C1}" type="datetimeFigureOut">
               <a:rPr lang="ko-KR" altLang="en-US" smtClean="0"/>
-              <a:t>2016-03-07</a:t>
+              <a:t>2016-03-14</a:t>
             </a:fld>
             <a:endParaRPr lang="ko-KR" altLang="en-US"/>
           </a:p>
@@ -2696,7 +2698,7 @@
           <a:p>
             <a:fld id="{887B44D2-9F09-4CF5-9157-8AA3F99D97C1}" type="datetimeFigureOut">
               <a:rPr lang="ko-KR" altLang="en-US" smtClean="0"/>
-              <a:t>2016-03-07</a:t>
+              <a:t>2016-03-14</a:t>
             </a:fld>
             <a:endParaRPr lang="ko-KR" altLang="en-US"/>
           </a:p>
@@ -2949,7 +2951,7 @@
           <a:p>
             <a:fld id="{887B44D2-9F09-4CF5-9157-8AA3F99D97C1}" type="datetimeFigureOut">
               <a:rPr lang="ko-KR" altLang="en-US" smtClean="0"/>
-              <a:t>2016-03-07</a:t>
+              <a:t>2016-03-14</a:t>
             </a:fld>
             <a:endParaRPr lang="ko-KR" altLang="en-US"/>
           </a:p>
@@ -3162,7 +3164,7 @@
           <a:p>
             <a:fld id="{887B44D2-9F09-4CF5-9157-8AA3F99D97C1}" type="datetimeFigureOut">
               <a:rPr lang="ko-KR" altLang="en-US" smtClean="0"/>
-              <a:t>2016-03-07</a:t>
+              <a:t>2016-03-14</a:t>
             </a:fld>
             <a:endParaRPr lang="ko-KR" altLang="en-US"/>
           </a:p>
@@ -6118,6 +6120,919 @@
     <p:extLst>
       <p:ext uri="{BB962C8B-B14F-4D97-AF65-F5344CB8AC3E}">
         <p14:creationId xmlns:p14="http://schemas.microsoft.com/office/powerpoint/2010/main" val="3786254005"/>
+      </p:ext>
+    </p:extLst>
+  </p:cSld>
+  <p:clrMapOvr>
+    <a:masterClrMapping/>
+  </p:clrMapOvr>
+</p:sld>
+</file>
+
+<file path=ppt/slides/slide7.xml><?xml version="1.0" encoding="utf-8"?>
+<p:sld xmlns:a="http://schemas.openxmlformats.org/drawingml/2006/main" xmlns:r="http://schemas.openxmlformats.org/officeDocument/2006/relationships" xmlns:p="http://schemas.openxmlformats.org/presentationml/2006/main">
+  <p:cSld>
+    <p:spTree>
+      <p:nvGrpSpPr>
+        <p:cNvPr id="1" name=""/>
+        <p:cNvGrpSpPr/>
+        <p:nvPr/>
+      </p:nvGrpSpPr>
+      <p:grpSpPr>
+        <a:xfrm>
+          <a:off x="0" y="0"/>
+          <a:ext cx="0" cy="0"/>
+          <a:chOff x="0" y="0"/>
+          <a:chExt cx="0" cy="0"/>
+        </a:xfrm>
+      </p:grpSpPr>
+      <p:pic>
+        <p:nvPicPr>
+          <p:cNvPr id="2" name="Picture 1"/>
+          <p:cNvPicPr>
+            <a:picLocks noChangeAspect="1"/>
+          </p:cNvPicPr>
+          <p:nvPr/>
+        </p:nvPicPr>
+        <p:blipFill>
+          <a:blip r:embed="rId2">
+            <a:extLst>
+              <a:ext uri="{28A0092B-C50C-407E-A947-70E740481C1C}">
+                <a14:useLocalDpi xmlns:a14="http://schemas.microsoft.com/office/drawing/2010/main" val="0"/>
+              </a:ext>
+            </a:extLst>
+          </a:blip>
+          <a:stretch>
+            <a:fillRect/>
+          </a:stretch>
+        </p:blipFill>
+        <p:spPr>
+          <a:xfrm>
+            <a:off x="1890712" y="747711"/>
+            <a:ext cx="5362575" cy="5362575"/>
+          </a:xfrm>
+          <a:prstGeom prst="rect">
+            <a:avLst/>
+          </a:prstGeom>
+        </p:spPr>
+      </p:pic>
+      <p:sp>
+        <p:nvSpPr>
+          <p:cNvPr id="3" name="Oval 2"/>
+          <p:cNvSpPr/>
+          <p:nvPr/>
+        </p:nvSpPr>
+        <p:spPr>
+          <a:xfrm>
+            <a:off x="5158697" y="1095855"/>
+            <a:ext cx="792088" cy="792088"/>
+          </a:xfrm>
+          <a:prstGeom prst="ellipse">
+            <a:avLst/>
+          </a:prstGeom>
+          <a:noFill/>
+        </p:spPr>
+        <p:style>
+          <a:lnRef idx="2">
+            <a:schemeClr val="dk1"/>
+          </a:lnRef>
+          <a:fillRef idx="1">
+            <a:schemeClr val="lt1"/>
+          </a:fillRef>
+          <a:effectRef idx="0">
+            <a:schemeClr val="dk1"/>
+          </a:effectRef>
+          <a:fontRef idx="minor">
+            <a:schemeClr val="dk1"/>
+          </a:fontRef>
+        </p:style>
+        <p:txBody>
+          <a:bodyPr rtlCol="0" anchor="ctr"/>
+          <a:lstStyle/>
+          <a:p>
+            <a:pPr algn="ctr"/>
+            <a:endParaRPr lang="ko-KR" altLang="en-US"/>
+          </a:p>
+        </p:txBody>
+      </p:sp>
+      <p:cxnSp>
+        <p:nvCxnSpPr>
+          <p:cNvPr id="5" name="Elbow Connector 4"/>
+          <p:cNvCxnSpPr>
+            <a:stCxn id="3" idx="0"/>
+            <a:endCxn id="6" idx="1"/>
+          </p:cNvCxnSpPr>
+          <p:nvPr/>
+        </p:nvCxnSpPr>
+        <p:spPr>
+          <a:xfrm rot="5400000" flipH="1" flipV="1">
+            <a:off x="5257835" y="701571"/>
+            <a:ext cx="691190" cy="97379"/>
+          </a:xfrm>
+          <a:prstGeom prst="bentConnector2">
+            <a:avLst/>
+          </a:prstGeom>
+          <a:ln>
+            <a:tailEnd type="arrow"/>
+          </a:ln>
+        </p:spPr>
+        <p:style>
+          <a:lnRef idx="1">
+            <a:schemeClr val="accent1"/>
+          </a:lnRef>
+          <a:fillRef idx="0">
+            <a:schemeClr val="accent1"/>
+          </a:fillRef>
+          <a:effectRef idx="0">
+            <a:schemeClr val="accent1"/>
+          </a:effectRef>
+          <a:fontRef idx="minor">
+            <a:schemeClr val="tx1"/>
+          </a:fontRef>
+        </p:style>
+      </p:cxnSp>
+      <p:sp>
+        <p:nvSpPr>
+          <p:cNvPr id="6" name="TextBox 5"/>
+          <p:cNvSpPr txBox="1"/>
+          <p:nvPr/>
+        </p:nvSpPr>
+        <p:spPr>
+          <a:xfrm>
+            <a:off x="5652120" y="219999"/>
+            <a:ext cx="1188131" cy="369332"/>
+          </a:xfrm>
+          <a:prstGeom prst="rect">
+            <a:avLst/>
+          </a:prstGeom>
+          <a:noFill/>
+        </p:spPr>
+        <p:txBody>
+          <a:bodyPr wrap="square" rtlCol="0">
+            <a:spAutoFit/>
+          </a:bodyPr>
+          <a:lstStyle/>
+          <a:p>
+            <a:r>
+              <a:rPr lang="ko-KR" altLang="en-US" dirty="0" smtClean="0"/>
+              <a:t>토끼</a:t>
+            </a:r>
+            <a:r>
+              <a:rPr lang="en-US" altLang="ko-KR" dirty="0" smtClean="0"/>
+              <a:t>(</a:t>
+            </a:r>
+            <a:r>
+              <a:rPr lang="ko-KR" altLang="en-US" dirty="0" smtClean="0"/>
+              <a:t>카로</a:t>
+            </a:r>
+            <a:r>
+              <a:rPr lang="en-US" altLang="ko-KR" dirty="0" smtClean="0"/>
+              <a:t>)</a:t>
+            </a:r>
+            <a:endParaRPr lang="ko-KR" altLang="en-US" dirty="0"/>
+          </a:p>
+        </p:txBody>
+      </p:sp>
+      <p:sp>
+        <p:nvSpPr>
+          <p:cNvPr id="9" name="Oval 8"/>
+          <p:cNvSpPr/>
+          <p:nvPr/>
+        </p:nvSpPr>
+        <p:spPr>
+          <a:xfrm>
+            <a:off x="2699792" y="2014028"/>
+            <a:ext cx="792088" cy="792088"/>
+          </a:xfrm>
+          <a:prstGeom prst="ellipse">
+            <a:avLst/>
+          </a:prstGeom>
+          <a:noFill/>
+        </p:spPr>
+        <p:style>
+          <a:lnRef idx="2">
+            <a:schemeClr val="dk1"/>
+          </a:lnRef>
+          <a:fillRef idx="1">
+            <a:schemeClr val="lt1"/>
+          </a:fillRef>
+          <a:effectRef idx="0">
+            <a:schemeClr val="dk1"/>
+          </a:effectRef>
+          <a:fontRef idx="minor">
+            <a:schemeClr val="dk1"/>
+          </a:fontRef>
+        </p:style>
+        <p:txBody>
+          <a:bodyPr rtlCol="0" anchor="ctr"/>
+          <a:lstStyle/>
+          <a:p>
+            <a:pPr algn="ctr"/>
+            <a:endParaRPr lang="ko-KR" altLang="en-US"/>
+          </a:p>
+        </p:txBody>
+      </p:sp>
+      <p:cxnSp>
+        <p:nvCxnSpPr>
+          <p:cNvPr id="11" name="Elbow Connector 10"/>
+          <p:cNvCxnSpPr>
+            <a:stCxn id="9" idx="0"/>
+            <a:endCxn id="12" idx="3"/>
+          </p:cNvCxnSpPr>
+          <p:nvPr/>
+        </p:nvCxnSpPr>
+        <p:spPr>
+          <a:xfrm rot="16200000" flipV="1">
+            <a:off x="2042684" y="960876"/>
+            <a:ext cx="126085" cy="1980220"/>
+          </a:xfrm>
+          <a:prstGeom prst="bentConnector2">
+            <a:avLst/>
+          </a:prstGeom>
+          <a:ln>
+            <a:tailEnd type="arrow"/>
+          </a:ln>
+        </p:spPr>
+        <p:style>
+          <a:lnRef idx="1">
+            <a:schemeClr val="accent1"/>
+          </a:lnRef>
+          <a:fillRef idx="0">
+            <a:schemeClr val="accent1"/>
+          </a:fillRef>
+          <a:effectRef idx="0">
+            <a:schemeClr val="accent1"/>
+          </a:effectRef>
+          <a:fontRef idx="minor">
+            <a:schemeClr val="tx1"/>
+          </a:fontRef>
+        </p:style>
+      </p:cxnSp>
+      <p:sp>
+        <p:nvSpPr>
+          <p:cNvPr id="12" name="TextBox 11"/>
+          <p:cNvSpPr txBox="1"/>
+          <p:nvPr/>
+        </p:nvSpPr>
+        <p:spPr>
+          <a:xfrm>
+            <a:off x="232924" y="1564777"/>
+            <a:ext cx="882692" cy="646331"/>
+          </a:xfrm>
+          <a:prstGeom prst="rect">
+            <a:avLst/>
+          </a:prstGeom>
+          <a:noFill/>
+        </p:spPr>
+        <p:txBody>
+          <a:bodyPr wrap="square" rtlCol="0">
+            <a:spAutoFit/>
+          </a:bodyPr>
+          <a:lstStyle/>
+          <a:p>
+            <a:r>
+              <a:rPr lang="ko-KR" altLang="en-US" smtClean="0"/>
+              <a:t>당근 바구니</a:t>
+            </a:r>
+            <a:endParaRPr lang="ko-KR" altLang="en-US"/>
+          </a:p>
+        </p:txBody>
+      </p:sp>
+      <p:sp>
+        <p:nvSpPr>
+          <p:cNvPr id="14" name="Rectangle 13"/>
+          <p:cNvSpPr/>
+          <p:nvPr/>
+        </p:nvSpPr>
+        <p:spPr>
+          <a:xfrm>
+            <a:off x="6084168" y="1095855"/>
+            <a:ext cx="720080" cy="1115253"/>
+          </a:xfrm>
+          <a:prstGeom prst="rect">
+            <a:avLst/>
+          </a:prstGeom>
+          <a:noFill/>
+        </p:spPr>
+        <p:style>
+          <a:lnRef idx="2">
+            <a:schemeClr val="dk1"/>
+          </a:lnRef>
+          <a:fillRef idx="1001">
+            <a:schemeClr val="lt1"/>
+          </a:fillRef>
+          <a:effectRef idx="0">
+            <a:schemeClr val="dk1"/>
+          </a:effectRef>
+          <a:fontRef idx="minor">
+            <a:schemeClr val="dk1"/>
+          </a:fontRef>
+        </p:style>
+        <p:txBody>
+          <a:bodyPr rtlCol="0" anchor="ctr"/>
+          <a:lstStyle/>
+          <a:p>
+            <a:pPr algn="ctr"/>
+            <a:endParaRPr lang="ko-KR" altLang="en-US"/>
+          </a:p>
+        </p:txBody>
+      </p:sp>
+      <p:cxnSp>
+        <p:nvCxnSpPr>
+          <p:cNvPr id="16" name="Elbow Connector 15"/>
+          <p:cNvCxnSpPr>
+            <a:stCxn id="14" idx="3"/>
+          </p:cNvCxnSpPr>
+          <p:nvPr/>
+        </p:nvCxnSpPr>
+        <p:spPr>
+          <a:xfrm>
+            <a:off x="6804248" y="1653482"/>
+            <a:ext cx="1080120" cy="623390"/>
+          </a:xfrm>
+          <a:prstGeom prst="bentConnector3">
+            <a:avLst/>
+          </a:prstGeom>
+          <a:ln>
+            <a:tailEnd type="arrow"/>
+          </a:ln>
+        </p:spPr>
+        <p:style>
+          <a:lnRef idx="1">
+            <a:schemeClr val="accent1"/>
+          </a:lnRef>
+          <a:fillRef idx="0">
+            <a:schemeClr val="accent1"/>
+          </a:fillRef>
+          <a:effectRef idx="0">
+            <a:schemeClr val="accent1"/>
+          </a:effectRef>
+          <a:fontRef idx="minor">
+            <a:schemeClr val="tx1"/>
+          </a:fontRef>
+        </p:style>
+      </p:cxnSp>
+      <p:sp>
+        <p:nvSpPr>
+          <p:cNvPr id="17" name="TextBox 16"/>
+          <p:cNvSpPr txBox="1"/>
+          <p:nvPr/>
+        </p:nvSpPr>
+        <p:spPr>
+          <a:xfrm>
+            <a:off x="7884368" y="2092206"/>
+            <a:ext cx="1152128" cy="369332"/>
+          </a:xfrm>
+          <a:prstGeom prst="rect">
+            <a:avLst/>
+          </a:prstGeom>
+          <a:noFill/>
+        </p:spPr>
+        <p:txBody>
+          <a:bodyPr wrap="square" rtlCol="0">
+            <a:spAutoFit/>
+          </a:bodyPr>
+          <a:lstStyle/>
+          <a:p>
+            <a:r>
+              <a:rPr lang="ko-KR" altLang="en-US" dirty="0" smtClean="0"/>
+              <a:t>당근상자</a:t>
+            </a:r>
+            <a:endParaRPr lang="en-US" altLang="ko-KR" dirty="0" smtClean="0"/>
+          </a:p>
+        </p:txBody>
+      </p:sp>
+      <p:sp>
+        <p:nvSpPr>
+          <p:cNvPr id="20" name="Left-Right Arrow 19"/>
+          <p:cNvSpPr/>
+          <p:nvPr/>
+        </p:nvSpPr>
+        <p:spPr>
+          <a:xfrm>
+            <a:off x="1890711" y="6175110"/>
+            <a:ext cx="5362575" cy="494249"/>
+          </a:xfrm>
+          <a:prstGeom prst="leftRightArrow">
+            <a:avLst/>
+          </a:prstGeom>
+        </p:spPr>
+        <p:style>
+          <a:lnRef idx="2">
+            <a:schemeClr val="accent1">
+              <a:shade val="50000"/>
+            </a:schemeClr>
+          </a:lnRef>
+          <a:fillRef idx="1">
+            <a:schemeClr val="accent1"/>
+          </a:fillRef>
+          <a:effectRef idx="0">
+            <a:schemeClr val="accent1"/>
+          </a:effectRef>
+          <a:fontRef idx="minor">
+            <a:schemeClr val="lt1"/>
+          </a:fontRef>
+        </p:style>
+        <p:txBody>
+          <a:bodyPr rtlCol="0" anchor="ctr"/>
+          <a:lstStyle/>
+          <a:p>
+            <a:pPr algn="ctr"/>
+            <a:r>
+              <a:rPr lang="en-US" altLang="ko-KR" dirty="0" smtClean="0"/>
+              <a:t>11</a:t>
+            </a:r>
+            <a:endParaRPr lang="ko-KR" altLang="en-US" dirty="0"/>
+          </a:p>
+        </p:txBody>
+      </p:sp>
+      <p:sp>
+        <p:nvSpPr>
+          <p:cNvPr id="21" name="Up-Down Arrow 20"/>
+          <p:cNvSpPr/>
+          <p:nvPr/>
+        </p:nvSpPr>
+        <p:spPr>
+          <a:xfrm>
+            <a:off x="1115616" y="747711"/>
+            <a:ext cx="648072" cy="5362575"/>
+          </a:xfrm>
+          <a:prstGeom prst="upDownArrow">
+            <a:avLst/>
+          </a:prstGeom>
+        </p:spPr>
+        <p:style>
+          <a:lnRef idx="2">
+            <a:schemeClr val="accent1">
+              <a:shade val="50000"/>
+            </a:schemeClr>
+          </a:lnRef>
+          <a:fillRef idx="1">
+            <a:schemeClr val="accent1"/>
+          </a:fillRef>
+          <a:effectRef idx="0">
+            <a:schemeClr val="accent1"/>
+          </a:effectRef>
+          <a:fontRef idx="minor">
+            <a:schemeClr val="lt1"/>
+          </a:fontRef>
+        </p:style>
+        <p:txBody>
+          <a:bodyPr rtlCol="0" anchor="ctr"/>
+          <a:lstStyle/>
+          <a:p>
+            <a:pPr algn="ctr"/>
+            <a:r>
+              <a:rPr lang="en-US" altLang="ko-KR" sz="1600" dirty="0" smtClean="0"/>
+              <a:t>11</a:t>
+            </a:r>
+            <a:endParaRPr lang="ko-KR" altLang="en-US" sz="1600" dirty="0"/>
+          </a:p>
+        </p:txBody>
+      </p:sp>
+    </p:spTree>
+    <p:extLst>
+      <p:ext uri="{BB962C8B-B14F-4D97-AF65-F5344CB8AC3E}">
+        <p14:creationId xmlns:p14="http://schemas.microsoft.com/office/powerpoint/2010/main" val="1406432860"/>
+      </p:ext>
+    </p:extLst>
+  </p:cSld>
+  <p:clrMapOvr>
+    <a:masterClrMapping/>
+  </p:clrMapOvr>
+</p:sld>
+</file>
+
+<file path=ppt/slides/slide8.xml><?xml version="1.0" encoding="utf-8"?>
+<p:sld xmlns:a="http://schemas.openxmlformats.org/drawingml/2006/main" xmlns:r="http://schemas.openxmlformats.org/officeDocument/2006/relationships" xmlns:p="http://schemas.openxmlformats.org/presentationml/2006/main">
+  <p:cSld>
+    <p:spTree>
+      <p:nvGrpSpPr>
+        <p:cNvPr id="1" name=""/>
+        <p:cNvGrpSpPr/>
+        <p:nvPr/>
+      </p:nvGrpSpPr>
+      <p:grpSpPr>
+        <a:xfrm>
+          <a:off x="0" y="0"/>
+          <a:ext cx="0" cy="0"/>
+          <a:chOff x="0" y="0"/>
+          <a:chExt cx="0" cy="0"/>
+        </a:xfrm>
+      </p:grpSpPr>
+      <p:pic>
+        <p:nvPicPr>
+          <p:cNvPr id="2" name="Picture 1"/>
+          <p:cNvPicPr>
+            <a:picLocks noChangeAspect="1"/>
+          </p:cNvPicPr>
+          <p:nvPr/>
+        </p:nvPicPr>
+        <p:blipFill>
+          <a:blip r:embed="rId2">
+            <a:extLst>
+              <a:ext uri="{28A0092B-C50C-407E-A947-70E740481C1C}">
+                <a14:useLocalDpi xmlns:a14="http://schemas.microsoft.com/office/drawing/2010/main" val="0"/>
+              </a:ext>
+            </a:extLst>
+          </a:blip>
+          <a:stretch>
+            <a:fillRect/>
+          </a:stretch>
+        </p:blipFill>
+        <p:spPr>
+          <a:xfrm>
+            <a:off x="1981200" y="847725"/>
+            <a:ext cx="5181600" cy="5162550"/>
+          </a:xfrm>
+          <a:prstGeom prst="rect">
+            <a:avLst/>
+          </a:prstGeom>
+        </p:spPr>
+      </p:pic>
+      <p:sp>
+        <p:nvSpPr>
+          <p:cNvPr id="4" name="Left-Right Arrow 3"/>
+          <p:cNvSpPr/>
+          <p:nvPr/>
+        </p:nvSpPr>
+        <p:spPr>
+          <a:xfrm>
+            <a:off x="1890711" y="6175110"/>
+            <a:ext cx="5362575" cy="494249"/>
+          </a:xfrm>
+          <a:prstGeom prst="leftRightArrow">
+            <a:avLst/>
+          </a:prstGeom>
+        </p:spPr>
+        <p:style>
+          <a:lnRef idx="2">
+            <a:schemeClr val="accent1">
+              <a:shade val="50000"/>
+            </a:schemeClr>
+          </a:lnRef>
+          <a:fillRef idx="1">
+            <a:schemeClr val="accent1"/>
+          </a:fillRef>
+          <a:effectRef idx="0">
+            <a:schemeClr val="accent1"/>
+          </a:effectRef>
+          <a:fontRef idx="minor">
+            <a:schemeClr val="lt1"/>
+          </a:fontRef>
+        </p:style>
+        <p:txBody>
+          <a:bodyPr rtlCol="0" anchor="ctr"/>
+          <a:lstStyle/>
+          <a:p>
+            <a:pPr algn="ctr"/>
+            <a:r>
+              <a:rPr lang="en-US" altLang="ko-KR" dirty="0" smtClean="0"/>
+              <a:t>11</a:t>
+            </a:r>
+            <a:endParaRPr lang="ko-KR" altLang="en-US" dirty="0"/>
+          </a:p>
+        </p:txBody>
+      </p:sp>
+      <p:sp>
+        <p:nvSpPr>
+          <p:cNvPr id="5" name="Up-Down Arrow 4"/>
+          <p:cNvSpPr/>
+          <p:nvPr/>
+        </p:nvSpPr>
+        <p:spPr>
+          <a:xfrm>
+            <a:off x="1259632" y="747711"/>
+            <a:ext cx="504056" cy="5362575"/>
+          </a:xfrm>
+          <a:prstGeom prst="upDownArrow">
+            <a:avLst/>
+          </a:prstGeom>
+        </p:spPr>
+        <p:style>
+          <a:lnRef idx="2">
+            <a:schemeClr val="accent1">
+              <a:shade val="50000"/>
+            </a:schemeClr>
+          </a:lnRef>
+          <a:fillRef idx="1">
+            <a:schemeClr val="accent1"/>
+          </a:fillRef>
+          <a:effectRef idx="0">
+            <a:schemeClr val="accent1"/>
+          </a:effectRef>
+          <a:fontRef idx="minor">
+            <a:schemeClr val="lt1"/>
+          </a:fontRef>
+        </p:style>
+        <p:txBody>
+          <a:bodyPr rtlCol="0" anchor="ctr"/>
+          <a:lstStyle/>
+          <a:p>
+            <a:pPr algn="ctr"/>
+            <a:r>
+              <a:rPr lang="en-US" altLang="ko-KR" sz="1600" dirty="0" smtClean="0"/>
+              <a:t>11</a:t>
+            </a:r>
+            <a:endParaRPr lang="ko-KR" altLang="en-US" sz="1600" dirty="0"/>
+          </a:p>
+        </p:txBody>
+      </p:sp>
+      <p:sp>
+        <p:nvSpPr>
+          <p:cNvPr id="6" name="Oval 5"/>
+          <p:cNvSpPr/>
+          <p:nvPr/>
+        </p:nvSpPr>
+        <p:spPr>
+          <a:xfrm>
+            <a:off x="2267744" y="1685645"/>
+            <a:ext cx="673803" cy="673803"/>
+          </a:xfrm>
+          <a:prstGeom prst="ellipse">
+            <a:avLst/>
+          </a:prstGeom>
+          <a:noFill/>
+        </p:spPr>
+        <p:style>
+          <a:lnRef idx="2">
+            <a:schemeClr val="dk1"/>
+          </a:lnRef>
+          <a:fillRef idx="1">
+            <a:schemeClr val="lt1"/>
+          </a:fillRef>
+          <a:effectRef idx="0">
+            <a:schemeClr val="dk1"/>
+          </a:effectRef>
+          <a:fontRef idx="minor">
+            <a:schemeClr val="dk1"/>
+          </a:fontRef>
+        </p:style>
+        <p:txBody>
+          <a:bodyPr rtlCol="0" anchor="ctr"/>
+          <a:lstStyle/>
+          <a:p>
+            <a:pPr algn="ctr"/>
+            <a:endParaRPr lang="ko-KR" altLang="en-US"/>
+          </a:p>
+        </p:txBody>
+      </p:sp>
+      <p:sp>
+        <p:nvSpPr>
+          <p:cNvPr id="3" name="Rectangle 2"/>
+          <p:cNvSpPr/>
+          <p:nvPr/>
+        </p:nvSpPr>
+        <p:spPr>
+          <a:xfrm>
+            <a:off x="2941547" y="1844824"/>
+            <a:ext cx="478325" cy="1296144"/>
+          </a:xfrm>
+          <a:prstGeom prst="rect">
+            <a:avLst/>
+          </a:prstGeom>
+          <a:noFill/>
+        </p:spPr>
+        <p:style>
+          <a:lnRef idx="2">
+            <a:schemeClr val="dk1"/>
+          </a:lnRef>
+          <a:fillRef idx="1">
+            <a:schemeClr val="lt1"/>
+          </a:fillRef>
+          <a:effectRef idx="0">
+            <a:schemeClr val="dk1"/>
+          </a:effectRef>
+          <a:fontRef idx="minor">
+            <a:schemeClr val="dk1"/>
+          </a:fontRef>
+        </p:style>
+        <p:txBody>
+          <a:bodyPr rtlCol="0" anchor="ctr"/>
+          <a:lstStyle/>
+          <a:p>
+            <a:pPr algn="ctr"/>
+            <a:endParaRPr lang="ko-KR" altLang="en-US"/>
+          </a:p>
+        </p:txBody>
+      </p:sp>
+      <p:sp>
+        <p:nvSpPr>
+          <p:cNvPr id="8" name="Rectangle 7"/>
+          <p:cNvSpPr/>
+          <p:nvPr/>
+        </p:nvSpPr>
+        <p:spPr>
+          <a:xfrm>
+            <a:off x="4332837" y="4221088"/>
+            <a:ext cx="478325" cy="1296144"/>
+          </a:xfrm>
+          <a:prstGeom prst="rect">
+            <a:avLst/>
+          </a:prstGeom>
+          <a:noFill/>
+        </p:spPr>
+        <p:style>
+          <a:lnRef idx="2">
+            <a:schemeClr val="dk1"/>
+          </a:lnRef>
+          <a:fillRef idx="1">
+            <a:schemeClr val="lt1"/>
+          </a:fillRef>
+          <a:effectRef idx="0">
+            <a:schemeClr val="dk1"/>
+          </a:effectRef>
+          <a:fontRef idx="minor">
+            <a:schemeClr val="dk1"/>
+          </a:fontRef>
+        </p:style>
+        <p:txBody>
+          <a:bodyPr rtlCol="0" anchor="ctr"/>
+          <a:lstStyle/>
+          <a:p>
+            <a:pPr algn="ctr"/>
+            <a:endParaRPr lang="ko-KR" altLang="en-US"/>
+          </a:p>
+        </p:txBody>
+      </p:sp>
+      <p:sp>
+        <p:nvSpPr>
+          <p:cNvPr id="9" name="Rectangle 8"/>
+          <p:cNvSpPr/>
+          <p:nvPr/>
+        </p:nvSpPr>
+        <p:spPr>
+          <a:xfrm>
+            <a:off x="5724128" y="1832927"/>
+            <a:ext cx="478325" cy="1296144"/>
+          </a:xfrm>
+          <a:prstGeom prst="rect">
+            <a:avLst/>
+          </a:prstGeom>
+          <a:noFill/>
+        </p:spPr>
+        <p:style>
+          <a:lnRef idx="2">
+            <a:schemeClr val="dk1"/>
+          </a:lnRef>
+          <a:fillRef idx="1">
+            <a:schemeClr val="lt1"/>
+          </a:fillRef>
+          <a:effectRef idx="0">
+            <a:schemeClr val="dk1"/>
+          </a:effectRef>
+          <a:fontRef idx="minor">
+            <a:schemeClr val="dk1"/>
+          </a:fontRef>
+        </p:style>
+        <p:txBody>
+          <a:bodyPr rtlCol="0" anchor="ctr"/>
+          <a:lstStyle/>
+          <a:p>
+            <a:pPr algn="ctr"/>
+            <a:endParaRPr lang="ko-KR" altLang="en-US"/>
+          </a:p>
+        </p:txBody>
+      </p:sp>
+      <p:cxnSp>
+        <p:nvCxnSpPr>
+          <p:cNvPr id="11" name="Elbow Connector 10"/>
+          <p:cNvCxnSpPr>
+            <a:stCxn id="6" idx="0"/>
+            <a:endCxn id="15" idx="1"/>
+          </p:cNvCxnSpPr>
+          <p:nvPr/>
+        </p:nvCxnSpPr>
+        <p:spPr>
+          <a:xfrm rot="5400000" flipH="1" flipV="1">
+            <a:off x="2104062" y="945899"/>
+            <a:ext cx="1240331" cy="239162"/>
+          </a:xfrm>
+          <a:prstGeom prst="bentConnector2">
+            <a:avLst/>
+          </a:prstGeom>
+          <a:ln>
+            <a:tailEnd type="arrow"/>
+          </a:ln>
+        </p:spPr>
+        <p:style>
+          <a:lnRef idx="1">
+            <a:schemeClr val="dk1"/>
+          </a:lnRef>
+          <a:fillRef idx="0">
+            <a:schemeClr val="dk1"/>
+          </a:fillRef>
+          <a:effectRef idx="0">
+            <a:schemeClr val="dk1"/>
+          </a:effectRef>
+          <a:fontRef idx="minor">
+            <a:schemeClr val="tx1"/>
+          </a:fontRef>
+        </p:style>
+      </p:cxnSp>
+      <p:cxnSp>
+        <p:nvCxnSpPr>
+          <p:cNvPr id="13" name="Elbow Connector 12"/>
+          <p:cNvCxnSpPr>
+            <a:stCxn id="9" idx="2"/>
+            <a:endCxn id="18" idx="1"/>
+          </p:cNvCxnSpPr>
+          <p:nvPr/>
+        </p:nvCxnSpPr>
+        <p:spPr>
+          <a:xfrm rot="5400000" flipH="1" flipV="1">
+            <a:off x="6518054" y="1762758"/>
+            <a:ext cx="811549" cy="1921077"/>
+          </a:xfrm>
+          <a:prstGeom prst="bentConnector4">
+            <a:avLst>
+              <a:gd name="adj1" fmla="val -28168"/>
+              <a:gd name="adj2" fmla="val 51332"/>
+            </a:avLst>
+          </a:prstGeom>
+          <a:ln>
+            <a:tailEnd type="arrow"/>
+          </a:ln>
+        </p:spPr>
+        <p:style>
+          <a:lnRef idx="1">
+            <a:schemeClr val="dk1"/>
+          </a:lnRef>
+          <a:fillRef idx="0">
+            <a:schemeClr val="dk1"/>
+          </a:fillRef>
+          <a:effectRef idx="0">
+            <a:schemeClr val="dk1"/>
+          </a:effectRef>
+          <a:fontRef idx="minor">
+            <a:schemeClr val="tx1"/>
+          </a:fontRef>
+        </p:style>
+      </p:cxnSp>
+      <p:sp>
+        <p:nvSpPr>
+          <p:cNvPr id="15" name="TextBox 14"/>
+          <p:cNvSpPr txBox="1"/>
+          <p:nvPr/>
+        </p:nvSpPr>
+        <p:spPr>
+          <a:xfrm>
+            <a:off x="2843808" y="260648"/>
+            <a:ext cx="720080" cy="369332"/>
+          </a:xfrm>
+          <a:prstGeom prst="rect">
+            <a:avLst/>
+          </a:prstGeom>
+          <a:noFill/>
+        </p:spPr>
+        <p:txBody>
+          <a:bodyPr wrap="square" rtlCol="0">
+            <a:spAutoFit/>
+          </a:bodyPr>
+          <a:lstStyle/>
+          <a:p>
+            <a:r>
+              <a:rPr lang="ko-KR" altLang="en-US" dirty="0" smtClean="0"/>
+              <a:t>벌레</a:t>
+            </a:r>
+            <a:endParaRPr lang="ko-KR" altLang="en-US" dirty="0"/>
+          </a:p>
+        </p:txBody>
+      </p:sp>
+      <p:sp>
+        <p:nvSpPr>
+          <p:cNvPr id="18" name="TextBox 17"/>
+          <p:cNvSpPr txBox="1"/>
+          <p:nvPr/>
+        </p:nvSpPr>
+        <p:spPr>
+          <a:xfrm>
+            <a:off x="7884368" y="2132856"/>
+            <a:ext cx="1152128" cy="369332"/>
+          </a:xfrm>
+          <a:prstGeom prst="rect">
+            <a:avLst/>
+          </a:prstGeom>
+          <a:noFill/>
+        </p:spPr>
+        <p:txBody>
+          <a:bodyPr wrap="square" rtlCol="0">
+            <a:spAutoFit/>
+          </a:bodyPr>
+          <a:lstStyle/>
+          <a:p>
+            <a:r>
+              <a:rPr lang="ko-KR" altLang="en-US" smtClean="0"/>
+              <a:t>벌레선반</a:t>
+            </a:r>
+            <a:endParaRPr lang="ko-KR" altLang="en-US"/>
+          </a:p>
+        </p:txBody>
+      </p:sp>
+    </p:spTree>
+    <p:extLst>
+      <p:ext uri="{BB962C8B-B14F-4D97-AF65-F5344CB8AC3E}">
+        <p14:creationId xmlns:p14="http://schemas.microsoft.com/office/powerpoint/2010/main" val="2466501102"/>
       </p:ext>
     </p:extLst>
   </p:cSld>

--- a/기획문서/그림용ppt2.pptx
+++ b/기획문서/그림용ppt2.pptx
@@ -5,7 +5,7 @@
     <p:sldMasterId id="2147483648" r:id="rId1"/>
   </p:sldMasterIdLst>
   <p:notesMasterIdLst>
-    <p:notesMasterId r:id="rId10"/>
+    <p:notesMasterId r:id="rId11"/>
   </p:notesMasterIdLst>
   <p:sldIdLst>
     <p:sldId id="256" r:id="rId2"/>
@@ -16,6 +16,7 @@
     <p:sldId id="261" r:id="rId7"/>
     <p:sldId id="262" r:id="rId8"/>
     <p:sldId id="263" r:id="rId9"/>
+    <p:sldId id="264" r:id="rId10"/>
   </p:sldIdLst>
   <p:sldSz cx="9144000" cy="6858000" type="screen4x3"/>
   <p:notesSz cx="6858000" cy="9144000"/>
@@ -199,7 +200,7 @@
           <a:p>
             <a:fld id="{829D6308-BF7B-495A-9DA7-82E6D8FA2D9D}" type="datetimeFigureOut">
               <a:rPr lang="ko-KR" altLang="en-US" smtClean="0"/>
-              <a:t>2016-03-14</a:t>
+              <a:t>2016-03-15</a:t>
             </a:fld>
             <a:endParaRPr lang="ko-KR" altLang="en-US"/>
           </a:p>
@@ -732,7 +733,7 @@
           <a:p>
             <a:fld id="{887B44D2-9F09-4CF5-9157-8AA3F99D97C1}" type="datetimeFigureOut">
               <a:rPr lang="ko-KR" altLang="en-US" smtClean="0"/>
-              <a:t>2016-03-14</a:t>
+              <a:t>2016-03-15</a:t>
             </a:fld>
             <a:endParaRPr lang="ko-KR" altLang="en-US"/>
           </a:p>
@@ -902,7 +903,7 @@
           <a:p>
             <a:fld id="{887B44D2-9F09-4CF5-9157-8AA3F99D97C1}" type="datetimeFigureOut">
               <a:rPr lang="ko-KR" altLang="en-US" smtClean="0"/>
-              <a:t>2016-03-14</a:t>
+              <a:t>2016-03-15</a:t>
             </a:fld>
             <a:endParaRPr lang="ko-KR" altLang="en-US"/>
           </a:p>
@@ -1082,7 +1083,7 @@
           <a:p>
             <a:fld id="{887B44D2-9F09-4CF5-9157-8AA3F99D97C1}" type="datetimeFigureOut">
               <a:rPr lang="ko-KR" altLang="en-US" smtClean="0"/>
-              <a:t>2016-03-14</a:t>
+              <a:t>2016-03-15</a:t>
             </a:fld>
             <a:endParaRPr lang="ko-KR" altLang="en-US"/>
           </a:p>
@@ -1252,7 +1253,7 @@
           <a:p>
             <a:fld id="{887B44D2-9F09-4CF5-9157-8AA3F99D97C1}" type="datetimeFigureOut">
               <a:rPr lang="ko-KR" altLang="en-US" smtClean="0"/>
-              <a:t>2016-03-14</a:t>
+              <a:t>2016-03-15</a:t>
             </a:fld>
             <a:endParaRPr lang="ko-KR" altLang="en-US"/>
           </a:p>
@@ -1498,7 +1499,7 @@
           <a:p>
             <a:fld id="{887B44D2-9F09-4CF5-9157-8AA3F99D97C1}" type="datetimeFigureOut">
               <a:rPr lang="ko-KR" altLang="en-US" smtClean="0"/>
-              <a:t>2016-03-14</a:t>
+              <a:t>2016-03-15</a:t>
             </a:fld>
             <a:endParaRPr lang="ko-KR" altLang="en-US"/>
           </a:p>
@@ -1786,7 +1787,7 @@
           <a:p>
             <a:fld id="{887B44D2-9F09-4CF5-9157-8AA3F99D97C1}" type="datetimeFigureOut">
               <a:rPr lang="ko-KR" altLang="en-US" smtClean="0"/>
-              <a:t>2016-03-14</a:t>
+              <a:t>2016-03-15</a:t>
             </a:fld>
             <a:endParaRPr lang="ko-KR" altLang="en-US"/>
           </a:p>
@@ -2208,7 +2209,7 @@
           <a:p>
             <a:fld id="{887B44D2-9F09-4CF5-9157-8AA3F99D97C1}" type="datetimeFigureOut">
               <a:rPr lang="ko-KR" altLang="en-US" smtClean="0"/>
-              <a:t>2016-03-14</a:t>
+              <a:t>2016-03-15</a:t>
             </a:fld>
             <a:endParaRPr lang="ko-KR" altLang="en-US"/>
           </a:p>
@@ -2326,7 +2327,7 @@
           <a:p>
             <a:fld id="{887B44D2-9F09-4CF5-9157-8AA3F99D97C1}" type="datetimeFigureOut">
               <a:rPr lang="ko-KR" altLang="en-US" smtClean="0"/>
-              <a:t>2016-03-14</a:t>
+              <a:t>2016-03-15</a:t>
             </a:fld>
             <a:endParaRPr lang="ko-KR" altLang="en-US"/>
           </a:p>
@@ -2421,7 +2422,7 @@
           <a:p>
             <a:fld id="{887B44D2-9F09-4CF5-9157-8AA3F99D97C1}" type="datetimeFigureOut">
               <a:rPr lang="ko-KR" altLang="en-US" smtClean="0"/>
-              <a:t>2016-03-14</a:t>
+              <a:t>2016-03-15</a:t>
             </a:fld>
             <a:endParaRPr lang="ko-KR" altLang="en-US"/>
           </a:p>
@@ -2698,7 +2699,7 @@
           <a:p>
             <a:fld id="{887B44D2-9F09-4CF5-9157-8AA3F99D97C1}" type="datetimeFigureOut">
               <a:rPr lang="ko-KR" altLang="en-US" smtClean="0"/>
-              <a:t>2016-03-14</a:t>
+              <a:t>2016-03-15</a:t>
             </a:fld>
             <a:endParaRPr lang="ko-KR" altLang="en-US"/>
           </a:p>
@@ -2951,7 +2952,7 @@
           <a:p>
             <a:fld id="{887B44D2-9F09-4CF5-9157-8AA3F99D97C1}" type="datetimeFigureOut">
               <a:rPr lang="ko-KR" altLang="en-US" smtClean="0"/>
-              <a:t>2016-03-14</a:t>
+              <a:t>2016-03-15</a:t>
             </a:fld>
             <a:endParaRPr lang="ko-KR" altLang="en-US"/>
           </a:p>
@@ -3164,7 +3165,7 @@
           <a:p>
             <a:fld id="{887B44D2-9F09-4CF5-9157-8AA3F99D97C1}" type="datetimeFigureOut">
               <a:rPr lang="ko-KR" altLang="en-US" smtClean="0"/>
-              <a:t>2016-03-14</a:t>
+              <a:t>2016-03-15</a:t>
             </a:fld>
             <a:endParaRPr lang="ko-KR" altLang="en-US"/>
           </a:p>
@@ -7033,6 +7034,715 @@
     <p:extLst>
       <p:ext uri="{BB962C8B-B14F-4D97-AF65-F5344CB8AC3E}">
         <p14:creationId xmlns:p14="http://schemas.microsoft.com/office/powerpoint/2010/main" val="2466501102"/>
+      </p:ext>
+    </p:extLst>
+  </p:cSld>
+  <p:clrMapOvr>
+    <a:masterClrMapping/>
+  </p:clrMapOvr>
+</p:sld>
+</file>
+
+<file path=ppt/slides/slide9.xml><?xml version="1.0" encoding="utf-8"?>
+<p:sld xmlns:a="http://schemas.openxmlformats.org/drawingml/2006/main" xmlns:r="http://schemas.openxmlformats.org/officeDocument/2006/relationships" xmlns:p="http://schemas.openxmlformats.org/presentationml/2006/main">
+  <p:cSld>
+    <p:spTree>
+      <p:nvGrpSpPr>
+        <p:cNvPr id="1" name=""/>
+        <p:cNvGrpSpPr/>
+        <p:nvPr/>
+      </p:nvGrpSpPr>
+      <p:grpSpPr>
+        <a:xfrm>
+          <a:off x="0" y="0"/>
+          <a:ext cx="0" cy="0"/>
+          <a:chOff x="0" y="0"/>
+          <a:chExt cx="0" cy="0"/>
+        </a:xfrm>
+      </p:grpSpPr>
+      <p:pic>
+        <p:nvPicPr>
+          <p:cNvPr id="2" name="Picture 1"/>
+          <p:cNvPicPr>
+            <a:picLocks noChangeAspect="1"/>
+          </p:cNvPicPr>
+          <p:nvPr/>
+        </p:nvPicPr>
+        <p:blipFill>
+          <a:blip r:embed="rId2">
+            <a:extLst>
+              <a:ext uri="{28A0092B-C50C-407E-A947-70E740481C1C}">
+                <a14:useLocalDpi xmlns:a14="http://schemas.microsoft.com/office/drawing/2010/main" val="0"/>
+              </a:ext>
+            </a:extLst>
+          </a:blip>
+          <a:stretch>
+            <a:fillRect/>
+          </a:stretch>
+        </p:blipFill>
+        <p:spPr>
+          <a:xfrm>
+            <a:off x="338137" y="1143000"/>
+            <a:ext cx="8467725" cy="4572000"/>
+          </a:xfrm>
+          <a:prstGeom prst="rect">
+            <a:avLst/>
+          </a:prstGeom>
+        </p:spPr>
+      </p:pic>
+      <p:sp>
+        <p:nvSpPr>
+          <p:cNvPr id="3" name="Up-Down Arrow 2"/>
+          <p:cNvSpPr/>
+          <p:nvPr/>
+        </p:nvSpPr>
+        <p:spPr>
+          <a:xfrm>
+            <a:off x="79434" y="1169876"/>
+            <a:ext cx="288032" cy="4518248"/>
+          </a:xfrm>
+          <a:prstGeom prst="upDownArrow">
+            <a:avLst/>
+          </a:prstGeom>
+        </p:spPr>
+        <p:style>
+          <a:lnRef idx="2">
+            <a:schemeClr val="accent1">
+              <a:shade val="50000"/>
+            </a:schemeClr>
+          </a:lnRef>
+          <a:fillRef idx="1">
+            <a:schemeClr val="accent1"/>
+          </a:fillRef>
+          <a:effectRef idx="0">
+            <a:schemeClr val="accent1"/>
+          </a:effectRef>
+          <a:fontRef idx="minor">
+            <a:schemeClr val="lt1"/>
+          </a:fontRef>
+        </p:style>
+        <p:txBody>
+          <a:bodyPr rtlCol="0" anchor="ctr"/>
+          <a:lstStyle/>
+          <a:p>
+            <a:pPr algn="ctr"/>
+            <a:r>
+              <a:rPr lang="en-US" altLang="ko-KR" dirty="0" smtClean="0"/>
+              <a:t>7</a:t>
+            </a:r>
+            <a:endParaRPr lang="ko-KR" altLang="en-US" dirty="0"/>
+          </a:p>
+        </p:txBody>
+      </p:sp>
+      <p:sp>
+        <p:nvSpPr>
+          <p:cNvPr id="4" name="Left-Right Arrow 3"/>
+          <p:cNvSpPr/>
+          <p:nvPr/>
+        </p:nvSpPr>
+        <p:spPr>
+          <a:xfrm>
+            <a:off x="445790" y="5715000"/>
+            <a:ext cx="8280920" cy="288032"/>
+          </a:xfrm>
+          <a:prstGeom prst="leftRightArrow">
+            <a:avLst/>
+          </a:prstGeom>
+        </p:spPr>
+        <p:style>
+          <a:lnRef idx="2">
+            <a:schemeClr val="accent1">
+              <a:shade val="50000"/>
+            </a:schemeClr>
+          </a:lnRef>
+          <a:fillRef idx="1">
+            <a:schemeClr val="accent1"/>
+          </a:fillRef>
+          <a:effectRef idx="0">
+            <a:schemeClr val="accent1"/>
+          </a:effectRef>
+          <a:fontRef idx="minor">
+            <a:schemeClr val="lt1"/>
+          </a:fontRef>
+        </p:style>
+        <p:txBody>
+          <a:bodyPr rtlCol="0" anchor="ctr"/>
+          <a:lstStyle/>
+          <a:p>
+            <a:pPr algn="ctr"/>
+            <a:r>
+              <a:rPr lang="en-US" altLang="ko-KR" dirty="0" smtClean="0"/>
+              <a:t>13</a:t>
+            </a:r>
+            <a:endParaRPr lang="ko-KR" altLang="en-US" dirty="0"/>
+          </a:p>
+        </p:txBody>
+      </p:sp>
+      <p:sp>
+        <p:nvSpPr>
+          <p:cNvPr id="5" name="Rectangle 4"/>
+          <p:cNvSpPr/>
+          <p:nvPr/>
+        </p:nvSpPr>
+        <p:spPr>
+          <a:xfrm>
+            <a:off x="4355976" y="1916832"/>
+            <a:ext cx="504056" cy="3672408"/>
+          </a:xfrm>
+          <a:prstGeom prst="rect">
+            <a:avLst/>
+          </a:prstGeom>
+          <a:noFill/>
+          <a:ln/>
+        </p:spPr>
+        <p:style>
+          <a:lnRef idx="2">
+            <a:schemeClr val="dk1"/>
+          </a:lnRef>
+          <a:fillRef idx="1">
+            <a:schemeClr val="lt1"/>
+          </a:fillRef>
+          <a:effectRef idx="0">
+            <a:schemeClr val="dk1"/>
+          </a:effectRef>
+          <a:fontRef idx="minor">
+            <a:schemeClr val="dk1"/>
+          </a:fontRef>
+        </p:style>
+        <p:txBody>
+          <a:bodyPr rtlCol="0" anchor="ctr"/>
+          <a:lstStyle/>
+          <a:p>
+            <a:pPr algn="ctr"/>
+            <a:endParaRPr lang="ko-KR" altLang="en-US"/>
+          </a:p>
+        </p:txBody>
+      </p:sp>
+      <p:sp>
+        <p:nvSpPr>
+          <p:cNvPr id="6" name="Rectangle 5"/>
+          <p:cNvSpPr/>
+          <p:nvPr/>
+        </p:nvSpPr>
+        <p:spPr>
+          <a:xfrm>
+            <a:off x="6156176" y="5013176"/>
+            <a:ext cx="2592288" cy="648072"/>
+          </a:xfrm>
+          <a:prstGeom prst="rect">
+            <a:avLst/>
+          </a:prstGeom>
+          <a:noFill/>
+          <a:ln/>
+        </p:spPr>
+        <p:style>
+          <a:lnRef idx="2">
+            <a:schemeClr val="dk1"/>
+          </a:lnRef>
+          <a:fillRef idx="1">
+            <a:schemeClr val="lt1"/>
+          </a:fillRef>
+          <a:effectRef idx="0">
+            <a:schemeClr val="dk1"/>
+          </a:effectRef>
+          <a:fontRef idx="minor">
+            <a:schemeClr val="dk1"/>
+          </a:fontRef>
+        </p:style>
+        <p:txBody>
+          <a:bodyPr rtlCol="0" anchor="ctr"/>
+          <a:lstStyle/>
+          <a:p>
+            <a:pPr algn="ctr"/>
+            <a:endParaRPr lang="ko-KR" altLang="en-US"/>
+          </a:p>
+        </p:txBody>
+      </p:sp>
+      <p:sp>
+        <p:nvSpPr>
+          <p:cNvPr id="7" name="Rectangle 6"/>
+          <p:cNvSpPr/>
+          <p:nvPr/>
+        </p:nvSpPr>
+        <p:spPr>
+          <a:xfrm>
+            <a:off x="7668344" y="3429000"/>
+            <a:ext cx="936104" cy="648072"/>
+          </a:xfrm>
+          <a:prstGeom prst="rect">
+            <a:avLst/>
+          </a:prstGeom>
+          <a:noFill/>
+          <a:ln/>
+        </p:spPr>
+        <p:style>
+          <a:lnRef idx="2">
+            <a:schemeClr val="dk1"/>
+          </a:lnRef>
+          <a:fillRef idx="1">
+            <a:schemeClr val="lt1"/>
+          </a:fillRef>
+          <a:effectRef idx="0">
+            <a:schemeClr val="dk1"/>
+          </a:effectRef>
+          <a:fontRef idx="minor">
+            <a:schemeClr val="dk1"/>
+          </a:fontRef>
+        </p:style>
+        <p:txBody>
+          <a:bodyPr rtlCol="0" anchor="ctr"/>
+          <a:lstStyle/>
+          <a:p>
+            <a:pPr algn="ctr"/>
+            <a:endParaRPr lang="ko-KR" altLang="en-US"/>
+          </a:p>
+        </p:txBody>
+      </p:sp>
+      <p:sp>
+        <p:nvSpPr>
+          <p:cNvPr id="8" name="Rectangle 7"/>
+          <p:cNvSpPr/>
+          <p:nvPr/>
+        </p:nvSpPr>
+        <p:spPr>
+          <a:xfrm>
+            <a:off x="1547664" y="2492896"/>
+            <a:ext cx="936104" cy="648072"/>
+          </a:xfrm>
+          <a:prstGeom prst="rect">
+            <a:avLst/>
+          </a:prstGeom>
+          <a:noFill/>
+          <a:ln/>
+        </p:spPr>
+        <p:style>
+          <a:lnRef idx="2">
+            <a:schemeClr val="dk1"/>
+          </a:lnRef>
+          <a:fillRef idx="1">
+            <a:schemeClr val="lt1"/>
+          </a:fillRef>
+          <a:effectRef idx="0">
+            <a:schemeClr val="dk1"/>
+          </a:effectRef>
+          <a:fontRef idx="minor">
+            <a:schemeClr val="dk1"/>
+          </a:fontRef>
+        </p:style>
+        <p:txBody>
+          <a:bodyPr rtlCol="0" anchor="ctr"/>
+          <a:lstStyle/>
+          <a:p>
+            <a:pPr algn="ctr"/>
+            <a:endParaRPr lang="ko-KR" altLang="en-US"/>
+          </a:p>
+        </p:txBody>
+      </p:sp>
+      <p:sp>
+        <p:nvSpPr>
+          <p:cNvPr id="9" name="Rectangle 8"/>
+          <p:cNvSpPr/>
+          <p:nvPr/>
+        </p:nvSpPr>
+        <p:spPr>
+          <a:xfrm>
+            <a:off x="2915816" y="3753036"/>
+            <a:ext cx="792088" cy="648072"/>
+          </a:xfrm>
+          <a:prstGeom prst="rect">
+            <a:avLst/>
+          </a:prstGeom>
+          <a:noFill/>
+          <a:ln/>
+        </p:spPr>
+        <p:style>
+          <a:lnRef idx="2">
+            <a:schemeClr val="dk1"/>
+          </a:lnRef>
+          <a:fillRef idx="1">
+            <a:schemeClr val="lt1"/>
+          </a:fillRef>
+          <a:effectRef idx="0">
+            <a:schemeClr val="dk1"/>
+          </a:effectRef>
+          <a:fontRef idx="minor">
+            <a:schemeClr val="dk1"/>
+          </a:fontRef>
+        </p:style>
+        <p:txBody>
+          <a:bodyPr rtlCol="0" anchor="ctr"/>
+          <a:lstStyle/>
+          <a:p>
+            <a:pPr algn="ctr"/>
+            <a:endParaRPr lang="ko-KR" altLang="en-US"/>
+          </a:p>
+        </p:txBody>
+      </p:sp>
+      <p:sp>
+        <p:nvSpPr>
+          <p:cNvPr id="10" name="TextBox 9"/>
+          <p:cNvSpPr txBox="1"/>
+          <p:nvPr/>
+        </p:nvSpPr>
+        <p:spPr>
+          <a:xfrm>
+            <a:off x="1763688" y="836712"/>
+            <a:ext cx="1008112" cy="369332"/>
+          </a:xfrm>
+          <a:prstGeom prst="rect">
+            <a:avLst/>
+          </a:prstGeom>
+          <a:noFill/>
+        </p:spPr>
+        <p:txBody>
+          <a:bodyPr wrap="square" rtlCol="0">
+            <a:spAutoFit/>
+          </a:bodyPr>
+          <a:lstStyle/>
+          <a:p>
+            <a:r>
+              <a:rPr lang="ko-KR" altLang="en-US" smtClean="0"/>
+              <a:t>곡괭이</a:t>
+            </a:r>
+            <a:endParaRPr lang="ko-KR" altLang="en-US"/>
+          </a:p>
+        </p:txBody>
+      </p:sp>
+      <p:sp>
+        <p:nvSpPr>
+          <p:cNvPr id="11" name="TextBox 10"/>
+          <p:cNvSpPr txBox="1"/>
+          <p:nvPr/>
+        </p:nvSpPr>
+        <p:spPr>
+          <a:xfrm>
+            <a:off x="2807804" y="6165304"/>
+            <a:ext cx="1008112" cy="369332"/>
+          </a:xfrm>
+          <a:prstGeom prst="rect">
+            <a:avLst/>
+          </a:prstGeom>
+          <a:noFill/>
+        </p:spPr>
+        <p:txBody>
+          <a:bodyPr wrap="square" rtlCol="0">
+            <a:spAutoFit/>
+          </a:bodyPr>
+          <a:lstStyle/>
+          <a:p>
+            <a:r>
+              <a:rPr lang="ko-KR" altLang="en-US" smtClean="0"/>
+              <a:t>안전모</a:t>
+            </a:r>
+            <a:endParaRPr lang="ko-KR" altLang="en-US" dirty="0"/>
+          </a:p>
+        </p:txBody>
+      </p:sp>
+      <p:sp>
+        <p:nvSpPr>
+          <p:cNvPr id="12" name="TextBox 11"/>
+          <p:cNvSpPr txBox="1"/>
+          <p:nvPr/>
+        </p:nvSpPr>
+        <p:spPr>
+          <a:xfrm>
+            <a:off x="4067943" y="674102"/>
+            <a:ext cx="1008112" cy="369332"/>
+          </a:xfrm>
+          <a:prstGeom prst="rect">
+            <a:avLst/>
+          </a:prstGeom>
+          <a:noFill/>
+        </p:spPr>
+        <p:txBody>
+          <a:bodyPr wrap="square" rtlCol="0">
+            <a:spAutoFit/>
+          </a:bodyPr>
+          <a:lstStyle/>
+          <a:p>
+            <a:r>
+              <a:rPr lang="ko-KR" altLang="en-US" dirty="0" smtClean="0"/>
+              <a:t>돌벽</a:t>
+            </a:r>
+            <a:endParaRPr lang="ko-KR" altLang="en-US" dirty="0"/>
+          </a:p>
+        </p:txBody>
+      </p:sp>
+      <p:sp>
+        <p:nvSpPr>
+          <p:cNvPr id="13" name="TextBox 12"/>
+          <p:cNvSpPr txBox="1"/>
+          <p:nvPr/>
+        </p:nvSpPr>
+        <p:spPr>
+          <a:xfrm>
+            <a:off x="6156176" y="6038880"/>
+            <a:ext cx="1440160" cy="369332"/>
+          </a:xfrm>
+          <a:prstGeom prst="rect">
+            <a:avLst/>
+          </a:prstGeom>
+          <a:noFill/>
+        </p:spPr>
+        <p:txBody>
+          <a:bodyPr wrap="square" rtlCol="0">
+            <a:spAutoFit/>
+          </a:bodyPr>
+          <a:lstStyle/>
+          <a:p>
+            <a:r>
+              <a:rPr lang="ko-KR" altLang="en-US" smtClean="0"/>
+              <a:t>빈 당근상자</a:t>
+            </a:r>
+            <a:endParaRPr lang="ko-KR" altLang="en-US" dirty="0"/>
+          </a:p>
+        </p:txBody>
+      </p:sp>
+      <p:sp>
+        <p:nvSpPr>
+          <p:cNvPr id="14" name="TextBox 13"/>
+          <p:cNvSpPr txBox="1"/>
+          <p:nvPr/>
+        </p:nvSpPr>
+        <p:spPr>
+          <a:xfrm>
+            <a:off x="7103838" y="535602"/>
+            <a:ext cx="1728192" cy="646331"/>
+          </a:xfrm>
+          <a:prstGeom prst="rect">
+            <a:avLst/>
+          </a:prstGeom>
+          <a:noFill/>
+        </p:spPr>
+        <p:txBody>
+          <a:bodyPr wrap="square" rtlCol="0">
+            <a:spAutoFit/>
+          </a:bodyPr>
+          <a:lstStyle/>
+          <a:p>
+            <a:r>
+              <a:rPr lang="ko-KR" altLang="en-US" dirty="0" smtClean="0"/>
+              <a:t>도망가는 쿠니</a:t>
+            </a:r>
+            <a:endParaRPr lang="en-US" altLang="ko-KR" dirty="0" smtClean="0"/>
+          </a:p>
+          <a:p>
+            <a:r>
+              <a:rPr lang="en-US" altLang="ko-KR" dirty="0" smtClean="0"/>
+              <a:t>(</a:t>
+            </a:r>
+            <a:r>
+              <a:rPr lang="ko-KR" altLang="en-US" dirty="0" smtClean="0"/>
+              <a:t>도착지점</a:t>
+            </a:r>
+            <a:r>
+              <a:rPr lang="en-US" altLang="ko-KR" dirty="0" smtClean="0"/>
+              <a:t>)</a:t>
+            </a:r>
+            <a:r>
+              <a:rPr lang="ko-KR" altLang="en-US" dirty="0" smtClean="0"/>
+              <a:t> </a:t>
+            </a:r>
+            <a:endParaRPr lang="ko-KR" altLang="en-US" dirty="0"/>
+          </a:p>
+        </p:txBody>
+      </p:sp>
+      <p:cxnSp>
+        <p:nvCxnSpPr>
+          <p:cNvPr id="16" name="Elbow Connector 15"/>
+          <p:cNvCxnSpPr>
+            <a:stCxn id="8" idx="1"/>
+            <a:endCxn id="10" idx="1"/>
+          </p:cNvCxnSpPr>
+          <p:nvPr/>
+        </p:nvCxnSpPr>
+        <p:spPr>
+          <a:xfrm rot="10800000" flipH="1">
+            <a:off x="1547664" y="1021378"/>
+            <a:ext cx="216024" cy="1795554"/>
+          </a:xfrm>
+          <a:prstGeom prst="bentConnector3">
+            <a:avLst>
+              <a:gd name="adj1" fmla="val -105822"/>
+            </a:avLst>
+          </a:prstGeom>
+          <a:ln>
+            <a:tailEnd type="arrow"/>
+          </a:ln>
+        </p:spPr>
+        <p:style>
+          <a:lnRef idx="1">
+            <a:schemeClr val="dk1"/>
+          </a:lnRef>
+          <a:fillRef idx="0">
+            <a:schemeClr val="dk1"/>
+          </a:fillRef>
+          <a:effectRef idx="0">
+            <a:schemeClr val="dk1"/>
+          </a:effectRef>
+          <a:fontRef idx="minor">
+            <a:schemeClr val="tx1"/>
+          </a:fontRef>
+        </p:style>
+      </p:cxnSp>
+      <p:cxnSp>
+        <p:nvCxnSpPr>
+          <p:cNvPr id="18" name="Elbow Connector 17"/>
+          <p:cNvCxnSpPr>
+            <a:stCxn id="9" idx="3"/>
+            <a:endCxn id="11" idx="3"/>
+          </p:cNvCxnSpPr>
+          <p:nvPr/>
+        </p:nvCxnSpPr>
+        <p:spPr>
+          <a:xfrm>
+            <a:off x="3707904" y="4077072"/>
+            <a:ext cx="108012" cy="2272898"/>
+          </a:xfrm>
+          <a:prstGeom prst="bentConnector3">
+            <a:avLst>
+              <a:gd name="adj1" fmla="val 311643"/>
+            </a:avLst>
+          </a:prstGeom>
+          <a:ln>
+            <a:tailEnd type="arrow"/>
+          </a:ln>
+        </p:spPr>
+        <p:style>
+          <a:lnRef idx="1">
+            <a:schemeClr val="dk1"/>
+          </a:lnRef>
+          <a:fillRef idx="0">
+            <a:schemeClr val="dk1"/>
+          </a:fillRef>
+          <a:effectRef idx="0">
+            <a:schemeClr val="dk1"/>
+          </a:effectRef>
+          <a:fontRef idx="minor">
+            <a:schemeClr val="tx1"/>
+          </a:fontRef>
+        </p:style>
+      </p:cxnSp>
+      <p:cxnSp>
+        <p:nvCxnSpPr>
+          <p:cNvPr id="20" name="Elbow Connector 19"/>
+          <p:cNvCxnSpPr>
+            <a:stCxn id="5" idx="0"/>
+            <a:endCxn id="12" idx="3"/>
+          </p:cNvCxnSpPr>
+          <p:nvPr/>
+        </p:nvCxnSpPr>
+        <p:spPr>
+          <a:xfrm rot="5400000" flipH="1" flipV="1">
+            <a:off x="4312997" y="1153775"/>
+            <a:ext cx="1058064" cy="468051"/>
+          </a:xfrm>
+          <a:prstGeom prst="bentConnector4">
+            <a:avLst>
+              <a:gd name="adj1" fmla="val 41273"/>
+              <a:gd name="adj2" fmla="val 148841"/>
+            </a:avLst>
+          </a:prstGeom>
+          <a:ln>
+            <a:tailEnd type="arrow"/>
+          </a:ln>
+        </p:spPr>
+        <p:style>
+          <a:lnRef idx="1">
+            <a:schemeClr val="dk1"/>
+          </a:lnRef>
+          <a:fillRef idx="0">
+            <a:schemeClr val="dk1"/>
+          </a:fillRef>
+          <a:effectRef idx="0">
+            <a:schemeClr val="dk1"/>
+          </a:effectRef>
+          <a:fontRef idx="minor">
+            <a:schemeClr val="tx1"/>
+          </a:fontRef>
+        </p:style>
+      </p:cxnSp>
+      <p:cxnSp>
+        <p:nvCxnSpPr>
+          <p:cNvPr id="23" name="Elbow Connector 22"/>
+          <p:cNvCxnSpPr>
+            <a:stCxn id="6" idx="3"/>
+            <a:endCxn id="13" idx="3"/>
+          </p:cNvCxnSpPr>
+          <p:nvPr/>
+        </p:nvCxnSpPr>
+        <p:spPr>
+          <a:xfrm flipH="1">
+            <a:off x="7596336" y="5337212"/>
+            <a:ext cx="1152128" cy="886334"/>
+          </a:xfrm>
+          <a:prstGeom prst="bentConnector3">
+            <a:avLst>
+              <a:gd name="adj1" fmla="val -19842"/>
+            </a:avLst>
+          </a:prstGeom>
+          <a:ln>
+            <a:tailEnd type="arrow"/>
+          </a:ln>
+        </p:spPr>
+        <p:style>
+          <a:lnRef idx="1">
+            <a:schemeClr val="dk1"/>
+          </a:lnRef>
+          <a:fillRef idx="0">
+            <a:schemeClr val="dk1"/>
+          </a:fillRef>
+          <a:effectRef idx="0">
+            <a:schemeClr val="dk1"/>
+          </a:effectRef>
+          <a:fontRef idx="minor">
+            <a:schemeClr val="tx1"/>
+          </a:fontRef>
+        </p:style>
+      </p:cxnSp>
+      <p:cxnSp>
+        <p:nvCxnSpPr>
+          <p:cNvPr id="25" name="Elbow Connector 24"/>
+          <p:cNvCxnSpPr>
+            <a:stCxn id="7" idx="0"/>
+            <a:endCxn id="14" idx="3"/>
+          </p:cNvCxnSpPr>
+          <p:nvPr/>
+        </p:nvCxnSpPr>
+        <p:spPr>
+          <a:xfrm rot="5400000" flipH="1" flipV="1">
+            <a:off x="7199097" y="1796067"/>
+            <a:ext cx="2570232" cy="695634"/>
+          </a:xfrm>
+          <a:prstGeom prst="bentConnector4">
+            <a:avLst>
+              <a:gd name="adj1" fmla="val 43713"/>
+              <a:gd name="adj2" fmla="val 132862"/>
+            </a:avLst>
+          </a:prstGeom>
+          <a:ln>
+            <a:tailEnd type="arrow"/>
+          </a:ln>
+        </p:spPr>
+        <p:style>
+          <a:lnRef idx="1">
+            <a:schemeClr val="dk1"/>
+          </a:lnRef>
+          <a:fillRef idx="0">
+            <a:schemeClr val="dk1"/>
+          </a:fillRef>
+          <a:effectRef idx="0">
+            <a:schemeClr val="dk1"/>
+          </a:effectRef>
+          <a:fontRef idx="minor">
+            <a:schemeClr val="tx1"/>
+          </a:fontRef>
+        </p:style>
+      </p:cxnSp>
+    </p:spTree>
+    <p:extLst>
+      <p:ext uri="{BB962C8B-B14F-4D97-AF65-F5344CB8AC3E}">
+        <p14:creationId xmlns:p14="http://schemas.microsoft.com/office/powerpoint/2010/main" val="2567698926"/>
       </p:ext>
     </p:extLst>
   </p:cSld>

--- a/기획문서/그림용ppt2.pptx
+++ b/기획문서/그림용ppt2.pptx
@@ -5,7 +5,7 @@
     <p:sldMasterId id="2147483648" r:id="rId1"/>
   </p:sldMasterIdLst>
   <p:notesMasterIdLst>
-    <p:notesMasterId r:id="rId11"/>
+    <p:notesMasterId r:id="rId12"/>
   </p:notesMasterIdLst>
   <p:sldIdLst>
     <p:sldId id="256" r:id="rId2"/>
@@ -17,6 +17,7 @@
     <p:sldId id="262" r:id="rId8"/>
     <p:sldId id="263" r:id="rId9"/>
     <p:sldId id="264" r:id="rId10"/>
+    <p:sldId id="265" r:id="rId11"/>
   </p:sldIdLst>
   <p:sldSz cx="9144000" cy="6858000" type="screen4x3"/>
   <p:notesSz cx="6858000" cy="9144000"/>
@@ -200,7 +201,7 @@
           <a:p>
             <a:fld id="{829D6308-BF7B-495A-9DA7-82E6D8FA2D9D}" type="datetimeFigureOut">
               <a:rPr lang="ko-KR" altLang="en-US" smtClean="0"/>
-              <a:t>2016-03-15</a:t>
+              <a:t>2016-03-19</a:t>
             </a:fld>
             <a:endParaRPr lang="ko-KR" altLang="en-US"/>
           </a:p>
@@ -733,7 +734,7 @@
           <a:p>
             <a:fld id="{887B44D2-9F09-4CF5-9157-8AA3F99D97C1}" type="datetimeFigureOut">
               <a:rPr lang="ko-KR" altLang="en-US" smtClean="0"/>
-              <a:t>2016-03-15</a:t>
+              <a:t>2016-03-19</a:t>
             </a:fld>
             <a:endParaRPr lang="ko-KR" altLang="en-US"/>
           </a:p>
@@ -903,7 +904,7 @@
           <a:p>
             <a:fld id="{887B44D2-9F09-4CF5-9157-8AA3F99D97C1}" type="datetimeFigureOut">
               <a:rPr lang="ko-KR" altLang="en-US" smtClean="0"/>
-              <a:t>2016-03-15</a:t>
+              <a:t>2016-03-19</a:t>
             </a:fld>
             <a:endParaRPr lang="ko-KR" altLang="en-US"/>
           </a:p>
@@ -1083,7 +1084,7 @@
           <a:p>
             <a:fld id="{887B44D2-9F09-4CF5-9157-8AA3F99D97C1}" type="datetimeFigureOut">
               <a:rPr lang="ko-KR" altLang="en-US" smtClean="0"/>
-              <a:t>2016-03-15</a:t>
+              <a:t>2016-03-19</a:t>
             </a:fld>
             <a:endParaRPr lang="ko-KR" altLang="en-US"/>
           </a:p>
@@ -1253,7 +1254,7 @@
           <a:p>
             <a:fld id="{887B44D2-9F09-4CF5-9157-8AA3F99D97C1}" type="datetimeFigureOut">
               <a:rPr lang="ko-KR" altLang="en-US" smtClean="0"/>
-              <a:t>2016-03-15</a:t>
+              <a:t>2016-03-19</a:t>
             </a:fld>
             <a:endParaRPr lang="ko-KR" altLang="en-US"/>
           </a:p>
@@ -1499,7 +1500,7 @@
           <a:p>
             <a:fld id="{887B44D2-9F09-4CF5-9157-8AA3F99D97C1}" type="datetimeFigureOut">
               <a:rPr lang="ko-KR" altLang="en-US" smtClean="0"/>
-              <a:t>2016-03-15</a:t>
+              <a:t>2016-03-19</a:t>
             </a:fld>
             <a:endParaRPr lang="ko-KR" altLang="en-US"/>
           </a:p>
@@ -1787,7 +1788,7 @@
           <a:p>
             <a:fld id="{887B44D2-9F09-4CF5-9157-8AA3F99D97C1}" type="datetimeFigureOut">
               <a:rPr lang="ko-KR" altLang="en-US" smtClean="0"/>
-              <a:t>2016-03-15</a:t>
+              <a:t>2016-03-19</a:t>
             </a:fld>
             <a:endParaRPr lang="ko-KR" altLang="en-US"/>
           </a:p>
@@ -2209,7 +2210,7 @@
           <a:p>
             <a:fld id="{887B44D2-9F09-4CF5-9157-8AA3F99D97C1}" type="datetimeFigureOut">
               <a:rPr lang="ko-KR" altLang="en-US" smtClean="0"/>
-              <a:t>2016-03-15</a:t>
+              <a:t>2016-03-19</a:t>
             </a:fld>
             <a:endParaRPr lang="ko-KR" altLang="en-US"/>
           </a:p>
@@ -2327,7 +2328,7 @@
           <a:p>
             <a:fld id="{887B44D2-9F09-4CF5-9157-8AA3F99D97C1}" type="datetimeFigureOut">
               <a:rPr lang="ko-KR" altLang="en-US" smtClean="0"/>
-              <a:t>2016-03-15</a:t>
+              <a:t>2016-03-19</a:t>
             </a:fld>
             <a:endParaRPr lang="ko-KR" altLang="en-US"/>
           </a:p>
@@ -2422,7 +2423,7 @@
           <a:p>
             <a:fld id="{887B44D2-9F09-4CF5-9157-8AA3F99D97C1}" type="datetimeFigureOut">
               <a:rPr lang="ko-KR" altLang="en-US" smtClean="0"/>
-              <a:t>2016-03-15</a:t>
+              <a:t>2016-03-19</a:t>
             </a:fld>
             <a:endParaRPr lang="ko-KR" altLang="en-US"/>
           </a:p>
@@ -2699,7 +2700,7 @@
           <a:p>
             <a:fld id="{887B44D2-9F09-4CF5-9157-8AA3F99D97C1}" type="datetimeFigureOut">
               <a:rPr lang="ko-KR" altLang="en-US" smtClean="0"/>
-              <a:t>2016-03-15</a:t>
+              <a:t>2016-03-19</a:t>
             </a:fld>
             <a:endParaRPr lang="ko-KR" altLang="en-US"/>
           </a:p>
@@ -2952,7 +2953,7 @@
           <a:p>
             <a:fld id="{887B44D2-9F09-4CF5-9157-8AA3F99D97C1}" type="datetimeFigureOut">
               <a:rPr lang="ko-KR" altLang="en-US" smtClean="0"/>
-              <a:t>2016-03-15</a:t>
+              <a:t>2016-03-19</a:t>
             </a:fld>
             <a:endParaRPr lang="ko-KR" altLang="en-US"/>
           </a:p>
@@ -3018,7 +3019,7 @@
   <p:cSld>
     <p:bg>
       <p:bgRef idx="1001">
-        <a:schemeClr val="bg1"/>
+        <a:schemeClr val="bg2"/>
       </p:bgRef>
     </p:bg>
     <p:spTree>
@@ -3165,7 +3166,7 @@
           <a:p>
             <a:fld id="{887B44D2-9F09-4CF5-9157-8AA3F99D97C1}" type="datetimeFigureOut">
               <a:rPr lang="ko-KR" altLang="en-US" smtClean="0"/>
-              <a:t>2016-03-15</a:t>
+              <a:t>2016-03-19</a:t>
             </a:fld>
             <a:endParaRPr lang="ko-KR" altLang="en-US"/>
           </a:p>
@@ -3814,6 +3815,1738 @@
     <p:extLst>
       <p:ext uri="{BB962C8B-B14F-4D97-AF65-F5344CB8AC3E}">
         <p14:creationId xmlns:p14="http://schemas.microsoft.com/office/powerpoint/2010/main" val="2042013128"/>
+      </p:ext>
+    </p:extLst>
+  </p:cSld>
+  <p:clrMapOvr>
+    <a:masterClrMapping/>
+  </p:clrMapOvr>
+</p:sld>
+</file>
+
+<file path=ppt/slides/slide10.xml><?xml version="1.0" encoding="utf-8"?>
+<p:sld xmlns:a="http://schemas.openxmlformats.org/drawingml/2006/main" xmlns:r="http://schemas.openxmlformats.org/officeDocument/2006/relationships" xmlns:p="http://schemas.openxmlformats.org/presentationml/2006/main">
+  <p:cSld>
+    <p:spTree>
+      <p:nvGrpSpPr>
+        <p:cNvPr id="1" name=""/>
+        <p:cNvGrpSpPr/>
+        <p:nvPr/>
+      </p:nvGrpSpPr>
+      <p:grpSpPr>
+        <a:xfrm>
+          <a:off x="0" y="0"/>
+          <a:ext cx="0" cy="0"/>
+          <a:chOff x="0" y="0"/>
+          <a:chExt cx="0" cy="0"/>
+        </a:xfrm>
+      </p:grpSpPr>
+      <p:pic>
+        <p:nvPicPr>
+          <p:cNvPr id="9" name="Picture 8"/>
+          <p:cNvPicPr>
+            <a:picLocks noChangeAspect="1"/>
+          </p:cNvPicPr>
+          <p:nvPr/>
+        </p:nvPicPr>
+        <p:blipFill>
+          <a:blip r:embed="rId2">
+            <a:extLst>
+              <a:ext uri="{28A0092B-C50C-407E-A947-70E740481C1C}">
+                <a14:useLocalDpi xmlns:a14="http://schemas.microsoft.com/office/drawing/2010/main" val="0"/>
+              </a:ext>
+            </a:extLst>
+          </a:blip>
+          <a:stretch>
+            <a:fillRect/>
+          </a:stretch>
+        </p:blipFill>
+        <p:spPr>
+          <a:xfrm>
+            <a:off x="0" y="899268"/>
+            <a:ext cx="9144000" cy="4315146"/>
+          </a:xfrm>
+          <a:prstGeom prst="rect">
+            <a:avLst/>
+          </a:prstGeom>
+        </p:spPr>
+      </p:pic>
+      <p:pic>
+        <p:nvPicPr>
+          <p:cNvPr id="3" name="Picture 2"/>
+          <p:cNvPicPr>
+            <a:picLocks noChangeAspect="1"/>
+          </p:cNvPicPr>
+          <p:nvPr/>
+        </p:nvPicPr>
+        <p:blipFill>
+          <a:blip r:embed="rId3" cstate="print">
+            <a:extLst>
+              <a:ext uri="{28A0092B-C50C-407E-A947-70E740481C1C}">
+                <a14:useLocalDpi xmlns:a14="http://schemas.microsoft.com/office/drawing/2010/main" val="0"/>
+              </a:ext>
+            </a:extLst>
+          </a:blip>
+          <a:stretch>
+            <a:fillRect/>
+          </a:stretch>
+        </p:blipFill>
+        <p:spPr>
+          <a:xfrm>
+            <a:off x="377801" y="1709792"/>
+            <a:ext cx="258174" cy="302573"/>
+          </a:xfrm>
+          <a:prstGeom prst="rect">
+            <a:avLst/>
+          </a:prstGeom>
+        </p:spPr>
+      </p:pic>
+      <p:pic>
+        <p:nvPicPr>
+          <p:cNvPr id="4" name="Picture 3"/>
+          <p:cNvPicPr>
+            <a:picLocks noChangeAspect="1"/>
+          </p:cNvPicPr>
+          <p:nvPr/>
+        </p:nvPicPr>
+        <p:blipFill>
+          <a:blip r:embed="rId4" cstate="print">
+            <a:extLst>
+              <a:ext uri="{28A0092B-C50C-407E-A947-70E740481C1C}">
+                <a14:useLocalDpi xmlns:a14="http://schemas.microsoft.com/office/drawing/2010/main" val="0"/>
+              </a:ext>
+            </a:extLst>
+          </a:blip>
+          <a:stretch>
+            <a:fillRect/>
+          </a:stretch>
+        </p:blipFill>
+        <p:spPr>
+          <a:xfrm>
+            <a:off x="356137" y="2767017"/>
+            <a:ext cx="258174" cy="305862"/>
+          </a:xfrm>
+          <a:prstGeom prst="rect">
+            <a:avLst/>
+          </a:prstGeom>
+        </p:spPr>
+      </p:pic>
+      <p:pic>
+        <p:nvPicPr>
+          <p:cNvPr id="5" name="Picture 4"/>
+          <p:cNvPicPr>
+            <a:picLocks noChangeAspect="1"/>
+          </p:cNvPicPr>
+          <p:nvPr/>
+        </p:nvPicPr>
+        <p:blipFill>
+          <a:blip r:embed="rId5" cstate="print">
+            <a:extLst>
+              <a:ext uri="{28A0092B-C50C-407E-A947-70E740481C1C}">
+                <a14:useLocalDpi xmlns:a14="http://schemas.microsoft.com/office/drawing/2010/main" val="0"/>
+              </a:ext>
+            </a:extLst>
+          </a:blip>
+          <a:stretch>
+            <a:fillRect/>
+          </a:stretch>
+        </p:blipFill>
+        <p:spPr>
+          <a:xfrm>
+            <a:off x="377801" y="1160250"/>
+            <a:ext cx="258174" cy="302573"/>
+          </a:xfrm>
+          <a:prstGeom prst="rect">
+            <a:avLst/>
+          </a:prstGeom>
+        </p:spPr>
+      </p:pic>
+      <p:pic>
+        <p:nvPicPr>
+          <p:cNvPr id="6" name="Picture 5"/>
+          <p:cNvPicPr>
+            <a:picLocks noChangeAspect="1"/>
+          </p:cNvPicPr>
+          <p:nvPr/>
+        </p:nvPicPr>
+        <p:blipFill>
+          <a:blip r:embed="rId6" cstate="print">
+            <a:extLst>
+              <a:ext uri="{28A0092B-C50C-407E-A947-70E740481C1C}">
+                <a14:useLocalDpi xmlns:a14="http://schemas.microsoft.com/office/drawing/2010/main" val="0"/>
+              </a:ext>
+            </a:extLst>
+          </a:blip>
+          <a:stretch>
+            <a:fillRect/>
+          </a:stretch>
+        </p:blipFill>
+        <p:spPr>
+          <a:xfrm>
+            <a:off x="195578" y="3860586"/>
+            <a:ext cx="1039341" cy="1231321"/>
+          </a:xfrm>
+          <a:prstGeom prst="rect">
+            <a:avLst/>
+          </a:prstGeom>
+        </p:spPr>
+      </p:pic>
+      <p:pic>
+        <p:nvPicPr>
+          <p:cNvPr id="7" name="Picture 6"/>
+          <p:cNvPicPr>
+            <a:picLocks noChangeAspect="1"/>
+          </p:cNvPicPr>
+          <p:nvPr/>
+        </p:nvPicPr>
+        <p:blipFill>
+          <a:blip r:embed="rId7" cstate="print">
+            <a:extLst>
+              <a:ext uri="{28A0092B-C50C-407E-A947-70E740481C1C}">
+                <a14:useLocalDpi xmlns:a14="http://schemas.microsoft.com/office/drawing/2010/main" val="0"/>
+              </a:ext>
+            </a:extLst>
+          </a:blip>
+          <a:stretch>
+            <a:fillRect/>
+          </a:stretch>
+        </p:blipFill>
+        <p:spPr>
+          <a:xfrm>
+            <a:off x="356137" y="3336331"/>
+            <a:ext cx="258174" cy="305862"/>
+          </a:xfrm>
+          <a:prstGeom prst="rect">
+            <a:avLst/>
+          </a:prstGeom>
+        </p:spPr>
+      </p:pic>
+      <p:pic>
+        <p:nvPicPr>
+          <p:cNvPr id="8" name="Picture 7"/>
+          <p:cNvPicPr>
+            <a:picLocks noChangeAspect="1"/>
+          </p:cNvPicPr>
+          <p:nvPr/>
+        </p:nvPicPr>
+        <p:blipFill>
+          <a:blip r:embed="rId8" cstate="print">
+            <a:extLst>
+              <a:ext uri="{28A0092B-C50C-407E-A947-70E740481C1C}">
+                <a14:useLocalDpi xmlns:a14="http://schemas.microsoft.com/office/drawing/2010/main" val="0"/>
+              </a:ext>
+            </a:extLst>
+          </a:blip>
+          <a:stretch>
+            <a:fillRect/>
+          </a:stretch>
+        </p:blipFill>
+        <p:spPr>
+          <a:xfrm>
+            <a:off x="377801" y="2256211"/>
+            <a:ext cx="258174" cy="302573"/>
+          </a:xfrm>
+          <a:prstGeom prst="rect">
+            <a:avLst/>
+          </a:prstGeom>
+        </p:spPr>
+      </p:pic>
+      <p:sp>
+        <p:nvSpPr>
+          <p:cNvPr id="15" name="Oval 14"/>
+          <p:cNvSpPr/>
+          <p:nvPr/>
+        </p:nvSpPr>
+        <p:spPr>
+          <a:xfrm>
+            <a:off x="50275" y="3860586"/>
+            <a:ext cx="305862" cy="305862"/>
+          </a:xfrm>
+          <a:prstGeom prst="ellipse">
+            <a:avLst/>
+          </a:prstGeom>
+          <a:noFill/>
+          <a:ln>
+            <a:solidFill>
+              <a:schemeClr val="tx1"/>
+            </a:solidFill>
+          </a:ln>
+        </p:spPr>
+        <p:style>
+          <a:lnRef idx="2">
+            <a:schemeClr val="accent1">
+              <a:shade val="50000"/>
+            </a:schemeClr>
+          </a:lnRef>
+          <a:fillRef idx="1">
+            <a:schemeClr val="accent1"/>
+          </a:fillRef>
+          <a:effectRef idx="0">
+            <a:schemeClr val="accent1"/>
+          </a:effectRef>
+          <a:fontRef idx="minor">
+            <a:schemeClr val="lt1"/>
+          </a:fontRef>
+        </p:style>
+        <p:txBody>
+          <a:bodyPr rtlCol="0" anchor="ctr"/>
+          <a:lstStyle/>
+          <a:p>
+            <a:pPr algn="ctr"/>
+            <a:r>
+              <a:rPr lang="ko-KR" altLang="en-US" dirty="0" smtClean="0">
+                <a:solidFill>
+                  <a:schemeClr val="tx1"/>
+                </a:solidFill>
+              </a:rPr>
+              <a:t>공</a:t>
+            </a:r>
+            <a:endParaRPr lang="ko-KR" altLang="en-US" dirty="0">
+              <a:solidFill>
+                <a:schemeClr val="tx1"/>
+              </a:solidFill>
+            </a:endParaRPr>
+          </a:p>
+        </p:txBody>
+      </p:sp>
+      <p:sp>
+        <p:nvSpPr>
+          <p:cNvPr id="20" name="Oval 19"/>
+          <p:cNvSpPr/>
+          <p:nvPr/>
+        </p:nvSpPr>
+        <p:spPr>
+          <a:xfrm>
+            <a:off x="1043608" y="3860586"/>
+            <a:ext cx="305862" cy="305862"/>
+          </a:xfrm>
+          <a:prstGeom prst="ellipse">
+            <a:avLst/>
+          </a:prstGeom>
+          <a:noFill/>
+          <a:ln>
+            <a:solidFill>
+              <a:schemeClr val="tx1"/>
+            </a:solidFill>
+          </a:ln>
+        </p:spPr>
+        <p:style>
+          <a:lnRef idx="2">
+            <a:schemeClr val="accent1">
+              <a:shade val="50000"/>
+            </a:schemeClr>
+          </a:lnRef>
+          <a:fillRef idx="1">
+            <a:schemeClr val="accent1"/>
+          </a:fillRef>
+          <a:effectRef idx="0">
+            <a:schemeClr val="accent1"/>
+          </a:effectRef>
+          <a:fontRef idx="minor">
+            <a:schemeClr val="lt1"/>
+          </a:fontRef>
+        </p:style>
+        <p:txBody>
+          <a:bodyPr rtlCol="0" anchor="ctr"/>
+          <a:lstStyle/>
+          <a:p>
+            <a:pPr algn="ctr"/>
+            <a:r>
+              <a:rPr lang="ko-KR" altLang="en-US" dirty="0">
+                <a:solidFill>
+                  <a:schemeClr val="tx1"/>
+                </a:solidFill>
+              </a:rPr>
+              <a:t>체</a:t>
+            </a:r>
+          </a:p>
+        </p:txBody>
+      </p:sp>
+      <p:sp>
+        <p:nvSpPr>
+          <p:cNvPr id="21" name="Oval 20"/>
+          <p:cNvSpPr/>
+          <p:nvPr/>
+        </p:nvSpPr>
+        <p:spPr>
+          <a:xfrm>
+            <a:off x="42647" y="4806594"/>
+            <a:ext cx="305862" cy="305862"/>
+          </a:xfrm>
+          <a:prstGeom prst="ellipse">
+            <a:avLst/>
+          </a:prstGeom>
+          <a:noFill/>
+          <a:ln>
+            <a:solidFill>
+              <a:schemeClr val="tx1"/>
+            </a:solidFill>
+          </a:ln>
+        </p:spPr>
+        <p:style>
+          <a:lnRef idx="2">
+            <a:schemeClr val="accent1">
+              <a:shade val="50000"/>
+            </a:schemeClr>
+          </a:lnRef>
+          <a:fillRef idx="1">
+            <a:schemeClr val="accent1"/>
+          </a:fillRef>
+          <a:effectRef idx="0">
+            <a:schemeClr val="accent1"/>
+          </a:effectRef>
+          <a:fontRef idx="minor">
+            <a:schemeClr val="lt1"/>
+          </a:fontRef>
+        </p:style>
+        <p:txBody>
+          <a:bodyPr rtlCol="0" anchor="ctr"/>
+          <a:lstStyle/>
+          <a:p>
+            <a:pPr algn="ctr"/>
+            <a:r>
+              <a:rPr lang="ko-KR" altLang="en-US" dirty="0" smtClean="0">
+                <a:solidFill>
+                  <a:schemeClr val="tx1"/>
+                </a:solidFill>
+              </a:rPr>
+              <a:t>이</a:t>
+            </a:r>
+            <a:endParaRPr lang="ko-KR" altLang="en-US" dirty="0">
+              <a:solidFill>
+                <a:schemeClr val="tx1"/>
+              </a:solidFill>
+            </a:endParaRPr>
+          </a:p>
+        </p:txBody>
+      </p:sp>
+      <p:sp>
+        <p:nvSpPr>
+          <p:cNvPr id="22" name="Oval 21"/>
+          <p:cNvSpPr/>
+          <p:nvPr/>
+        </p:nvSpPr>
+        <p:spPr>
+          <a:xfrm>
+            <a:off x="1043608" y="4806594"/>
+            <a:ext cx="305862" cy="305862"/>
+          </a:xfrm>
+          <a:prstGeom prst="ellipse">
+            <a:avLst/>
+          </a:prstGeom>
+          <a:noFill/>
+          <a:ln>
+            <a:solidFill>
+              <a:schemeClr val="tx1"/>
+            </a:solidFill>
+          </a:ln>
+        </p:spPr>
+        <p:style>
+          <a:lnRef idx="2">
+            <a:schemeClr val="accent1">
+              <a:shade val="50000"/>
+            </a:schemeClr>
+          </a:lnRef>
+          <a:fillRef idx="1">
+            <a:schemeClr val="accent1"/>
+          </a:fillRef>
+          <a:effectRef idx="0">
+            <a:schemeClr val="accent1"/>
+          </a:effectRef>
+          <a:fontRef idx="minor">
+            <a:schemeClr val="lt1"/>
+          </a:fontRef>
+        </p:style>
+        <p:txBody>
+          <a:bodyPr rtlCol="0" anchor="ctr"/>
+          <a:lstStyle/>
+          <a:p>
+            <a:pPr algn="ctr"/>
+            <a:r>
+              <a:rPr lang="ko-KR" altLang="en-US" dirty="0" smtClean="0">
+                <a:solidFill>
+                  <a:schemeClr val="tx1"/>
+                </a:solidFill>
+              </a:rPr>
+              <a:t>코</a:t>
+            </a:r>
+            <a:endParaRPr lang="ko-KR" altLang="en-US" dirty="0">
+              <a:solidFill>
+                <a:schemeClr val="tx1"/>
+              </a:solidFill>
+            </a:endParaRPr>
+          </a:p>
+        </p:txBody>
+      </p:sp>
+      <p:sp>
+        <p:nvSpPr>
+          <p:cNvPr id="23" name="Rectangle 22"/>
+          <p:cNvSpPr/>
+          <p:nvPr/>
+        </p:nvSpPr>
+        <p:spPr>
+          <a:xfrm>
+            <a:off x="-43494" y="3860586"/>
+            <a:ext cx="1584176" cy="1363281"/>
+          </a:xfrm>
+          <a:prstGeom prst="rect">
+            <a:avLst/>
+          </a:prstGeom>
+          <a:noFill/>
+          <a:ln w="44450">
+            <a:solidFill>
+              <a:srgbClr val="FF0000"/>
+            </a:solidFill>
+          </a:ln>
+        </p:spPr>
+        <p:style>
+          <a:lnRef idx="2">
+            <a:schemeClr val="accent1">
+              <a:shade val="50000"/>
+            </a:schemeClr>
+          </a:lnRef>
+          <a:fillRef idx="1">
+            <a:schemeClr val="accent1"/>
+          </a:fillRef>
+          <a:effectRef idx="0">
+            <a:schemeClr val="accent1"/>
+          </a:effectRef>
+          <a:fontRef idx="minor">
+            <a:schemeClr val="lt1"/>
+          </a:fontRef>
+        </p:style>
+        <p:txBody>
+          <a:bodyPr rtlCol="0" anchor="ctr"/>
+          <a:lstStyle/>
+          <a:p>
+            <a:pPr algn="ctr"/>
+            <a:endParaRPr lang="ko-KR" altLang="en-US"/>
+          </a:p>
+        </p:txBody>
+      </p:sp>
+      <p:cxnSp>
+        <p:nvCxnSpPr>
+          <p:cNvPr id="25" name="Elbow Connector 24"/>
+          <p:cNvCxnSpPr>
+            <a:stCxn id="23" idx="2"/>
+            <a:endCxn id="26" idx="1"/>
+          </p:cNvCxnSpPr>
+          <p:nvPr/>
+        </p:nvCxnSpPr>
+        <p:spPr>
+          <a:xfrm rot="5400000">
+            <a:off x="343269" y="5236736"/>
+            <a:ext cx="418195" cy="392457"/>
+          </a:xfrm>
+          <a:prstGeom prst="bentConnector4">
+            <a:avLst>
+              <a:gd name="adj1" fmla="val 22401"/>
+              <a:gd name="adj2" fmla="val 158248"/>
+            </a:avLst>
+          </a:prstGeom>
+          <a:ln>
+            <a:tailEnd type="arrow"/>
+          </a:ln>
+        </p:spPr>
+        <p:style>
+          <a:lnRef idx="2">
+            <a:schemeClr val="accent2"/>
+          </a:lnRef>
+          <a:fillRef idx="0">
+            <a:schemeClr val="accent2"/>
+          </a:fillRef>
+          <a:effectRef idx="1">
+            <a:schemeClr val="accent2"/>
+          </a:effectRef>
+          <a:fontRef idx="minor">
+            <a:schemeClr val="tx1"/>
+          </a:fontRef>
+        </p:style>
+      </p:cxnSp>
+      <p:sp>
+        <p:nvSpPr>
+          <p:cNvPr id="26" name="TextBox 25"/>
+          <p:cNvSpPr txBox="1"/>
+          <p:nvPr/>
+        </p:nvSpPr>
+        <p:spPr>
+          <a:xfrm>
+            <a:off x="356137" y="5411229"/>
+            <a:ext cx="3719435" cy="461665"/>
+          </a:xfrm>
+          <a:prstGeom prst="rect">
+            <a:avLst/>
+          </a:prstGeom>
+          <a:noFill/>
+        </p:spPr>
+        <p:txBody>
+          <a:bodyPr wrap="square" rtlCol="0">
+            <a:spAutoFit/>
+          </a:bodyPr>
+          <a:lstStyle/>
+          <a:p>
+            <a:r>
+              <a:rPr lang="ko-KR" altLang="en-US" sz="1200" dirty="0" smtClean="0"/>
+              <a:t>선택된 개체의 초상화를 확대하여 보여준다</a:t>
+            </a:r>
+            <a:r>
+              <a:rPr lang="en-US" altLang="ko-KR" sz="1200" dirty="0" smtClean="0"/>
+              <a:t>. </a:t>
+            </a:r>
+          </a:p>
+          <a:p>
+            <a:r>
+              <a:rPr lang="ko-KR" altLang="en-US" sz="1200" dirty="0" smtClean="0"/>
+              <a:t>공격력 체력 이동력 코스트를 각 모서리에 표시한다</a:t>
+            </a:r>
+            <a:r>
+              <a:rPr lang="en-US" altLang="ko-KR" sz="1200" dirty="0" smtClean="0"/>
+              <a:t>.</a:t>
+            </a:r>
+            <a:endParaRPr lang="ko-KR" altLang="en-US" sz="1200" dirty="0"/>
+          </a:p>
+        </p:txBody>
+      </p:sp>
+      <p:sp>
+        <p:nvSpPr>
+          <p:cNvPr id="33" name="Rectangle 32"/>
+          <p:cNvSpPr/>
+          <p:nvPr/>
+        </p:nvSpPr>
+        <p:spPr>
+          <a:xfrm>
+            <a:off x="251520" y="1066815"/>
+            <a:ext cx="497075" cy="2665083"/>
+          </a:xfrm>
+          <a:prstGeom prst="rect">
+            <a:avLst/>
+          </a:prstGeom>
+          <a:noFill/>
+          <a:ln w="44450">
+            <a:solidFill>
+              <a:srgbClr val="FF0000"/>
+            </a:solidFill>
+          </a:ln>
+        </p:spPr>
+        <p:style>
+          <a:lnRef idx="2">
+            <a:schemeClr val="accent1">
+              <a:shade val="50000"/>
+            </a:schemeClr>
+          </a:lnRef>
+          <a:fillRef idx="1">
+            <a:schemeClr val="accent1"/>
+          </a:fillRef>
+          <a:effectRef idx="0">
+            <a:schemeClr val="accent1"/>
+          </a:effectRef>
+          <a:fontRef idx="minor">
+            <a:schemeClr val="lt1"/>
+          </a:fontRef>
+        </p:style>
+        <p:txBody>
+          <a:bodyPr rtlCol="0" anchor="ctr"/>
+          <a:lstStyle/>
+          <a:p>
+            <a:pPr algn="ctr"/>
+            <a:endParaRPr lang="ko-KR" altLang="en-US"/>
+          </a:p>
+        </p:txBody>
+      </p:sp>
+      <p:sp>
+        <p:nvSpPr>
+          <p:cNvPr id="36" name="TextBox 35"/>
+          <p:cNvSpPr txBox="1"/>
+          <p:nvPr/>
+        </p:nvSpPr>
+        <p:spPr>
+          <a:xfrm>
+            <a:off x="748594" y="404665"/>
+            <a:ext cx="3175334" cy="430887"/>
+          </a:xfrm>
+          <a:prstGeom prst="rect">
+            <a:avLst/>
+          </a:prstGeom>
+          <a:noFill/>
+        </p:spPr>
+        <p:txBody>
+          <a:bodyPr wrap="square" rtlCol="0">
+            <a:spAutoFit/>
+          </a:bodyPr>
+          <a:lstStyle/>
+          <a:p>
+            <a:r>
+              <a:rPr lang="ko-KR" altLang="en-US" sz="1100" dirty="0" smtClean="0"/>
+              <a:t>소환 할 수 있는 개체들의 초상화를 보여준다</a:t>
+            </a:r>
+            <a:r>
+              <a:rPr lang="en-US" altLang="ko-KR" sz="1100" dirty="0" smtClean="0"/>
+              <a:t>. </a:t>
+            </a:r>
+          </a:p>
+          <a:p>
+            <a:r>
+              <a:rPr lang="ko-KR" altLang="en-US" sz="1100" dirty="0" smtClean="0"/>
+              <a:t>활성화 되지 않았다면</a:t>
+            </a:r>
+            <a:r>
+              <a:rPr lang="en-US" altLang="ko-KR" sz="1100" dirty="0" smtClean="0"/>
+              <a:t>, </a:t>
+            </a:r>
+            <a:r>
+              <a:rPr lang="ko-KR" altLang="en-US" sz="1100" dirty="0" smtClean="0"/>
+              <a:t>흑백으로 처리한다</a:t>
+            </a:r>
+            <a:r>
+              <a:rPr lang="en-US" altLang="ko-KR" sz="1100" dirty="0" smtClean="0"/>
+              <a:t>. </a:t>
+            </a:r>
+            <a:endParaRPr lang="ko-KR" altLang="en-US" sz="1100" dirty="0"/>
+          </a:p>
+        </p:txBody>
+      </p:sp>
+      <p:cxnSp>
+        <p:nvCxnSpPr>
+          <p:cNvPr id="38" name="Elbow Connector 37"/>
+          <p:cNvCxnSpPr>
+            <a:stCxn id="33" idx="0"/>
+            <a:endCxn id="36" idx="1"/>
+          </p:cNvCxnSpPr>
+          <p:nvPr/>
+        </p:nvCxnSpPr>
+        <p:spPr>
+          <a:xfrm rot="5400000" flipH="1" flipV="1">
+            <a:off x="400973" y="719194"/>
+            <a:ext cx="446706" cy="248536"/>
+          </a:xfrm>
+          <a:prstGeom prst="bentConnector2">
+            <a:avLst/>
+          </a:prstGeom>
+          <a:ln>
+            <a:tailEnd type="arrow"/>
+          </a:ln>
+        </p:spPr>
+        <p:style>
+          <a:lnRef idx="2">
+            <a:schemeClr val="accent2"/>
+          </a:lnRef>
+          <a:fillRef idx="0">
+            <a:schemeClr val="accent2"/>
+          </a:fillRef>
+          <a:effectRef idx="1">
+            <a:schemeClr val="accent2"/>
+          </a:effectRef>
+          <a:fontRef idx="minor">
+            <a:schemeClr val="tx1"/>
+          </a:fontRef>
+        </p:style>
+      </p:cxnSp>
+      <p:pic>
+        <p:nvPicPr>
+          <p:cNvPr id="43" name="Picture 42"/>
+          <p:cNvPicPr>
+            <a:picLocks noChangeAspect="1"/>
+          </p:cNvPicPr>
+          <p:nvPr/>
+        </p:nvPicPr>
+        <p:blipFill>
+          <a:blip r:embed="rId9" cstate="print">
+            <a:extLst>
+              <a:ext uri="{28A0092B-C50C-407E-A947-70E740481C1C}">
+                <a14:useLocalDpi xmlns:a14="http://schemas.microsoft.com/office/drawing/2010/main" val="0"/>
+              </a:ext>
+            </a:extLst>
+          </a:blip>
+          <a:stretch>
+            <a:fillRect/>
+          </a:stretch>
+        </p:blipFill>
+        <p:spPr>
+          <a:xfrm>
+            <a:off x="7348854" y="3424814"/>
+            <a:ext cx="1687642" cy="1687642"/>
+          </a:xfrm>
+          <a:prstGeom prst="rect">
+            <a:avLst/>
+          </a:prstGeom>
+        </p:spPr>
+      </p:pic>
+      <p:sp>
+        <p:nvSpPr>
+          <p:cNvPr id="45" name="Rectangle 44"/>
+          <p:cNvSpPr/>
+          <p:nvPr/>
+        </p:nvSpPr>
+        <p:spPr>
+          <a:xfrm>
+            <a:off x="7236296" y="3331876"/>
+            <a:ext cx="1800200" cy="1780580"/>
+          </a:xfrm>
+          <a:prstGeom prst="rect">
+            <a:avLst/>
+          </a:prstGeom>
+          <a:noFill/>
+          <a:ln w="44450">
+            <a:solidFill>
+              <a:srgbClr val="FF0000"/>
+            </a:solidFill>
+          </a:ln>
+        </p:spPr>
+        <p:style>
+          <a:lnRef idx="2">
+            <a:schemeClr val="accent1">
+              <a:shade val="50000"/>
+            </a:schemeClr>
+          </a:lnRef>
+          <a:fillRef idx="1">
+            <a:schemeClr val="accent1"/>
+          </a:fillRef>
+          <a:effectRef idx="0">
+            <a:schemeClr val="accent1"/>
+          </a:effectRef>
+          <a:fontRef idx="minor">
+            <a:schemeClr val="lt1"/>
+          </a:fontRef>
+        </p:style>
+        <p:txBody>
+          <a:bodyPr rtlCol="0" anchor="ctr"/>
+          <a:lstStyle/>
+          <a:p>
+            <a:pPr algn="ctr"/>
+            <a:endParaRPr lang="ko-KR" altLang="en-US"/>
+          </a:p>
+        </p:txBody>
+      </p:sp>
+      <p:sp>
+        <p:nvSpPr>
+          <p:cNvPr id="46" name="TextBox 45"/>
+          <p:cNvSpPr txBox="1"/>
+          <p:nvPr/>
+        </p:nvSpPr>
+        <p:spPr>
+          <a:xfrm>
+            <a:off x="5652120" y="5491683"/>
+            <a:ext cx="3240360" cy="461665"/>
+          </a:xfrm>
+          <a:prstGeom prst="rect">
+            <a:avLst/>
+          </a:prstGeom>
+          <a:noFill/>
+        </p:spPr>
+        <p:txBody>
+          <a:bodyPr wrap="square" rtlCol="0">
+            <a:spAutoFit/>
+          </a:bodyPr>
+          <a:lstStyle/>
+          <a:p>
+            <a:r>
+              <a:rPr lang="ko-KR" altLang="en-US" sz="1200" dirty="0" smtClean="0"/>
+              <a:t>현재 전장상황을 한눈에 볼 수 있는 미니맵이다</a:t>
+            </a:r>
+            <a:r>
+              <a:rPr lang="en-US" altLang="ko-KR" sz="1200" dirty="0" smtClean="0"/>
+              <a:t>. </a:t>
+            </a:r>
+            <a:r>
+              <a:rPr lang="ko-KR" altLang="en-US" sz="1200" dirty="0" smtClean="0"/>
+              <a:t>탑뷰에서의 스테이지 전체를 출력한다</a:t>
+            </a:r>
+            <a:r>
+              <a:rPr lang="en-US" altLang="ko-KR" sz="1200" dirty="0" smtClean="0"/>
+              <a:t>.</a:t>
+            </a:r>
+            <a:endParaRPr lang="ko-KR" altLang="en-US" sz="1200" dirty="0"/>
+          </a:p>
+        </p:txBody>
+      </p:sp>
+      <p:cxnSp>
+        <p:nvCxnSpPr>
+          <p:cNvPr id="48" name="Elbow Connector 47"/>
+          <p:cNvCxnSpPr>
+            <a:stCxn id="43" idx="2"/>
+            <a:endCxn id="46" idx="1"/>
+          </p:cNvCxnSpPr>
+          <p:nvPr/>
+        </p:nvCxnSpPr>
+        <p:spPr>
+          <a:xfrm rot="5400000">
+            <a:off x="6617368" y="4147209"/>
+            <a:ext cx="610060" cy="2540555"/>
+          </a:xfrm>
+          <a:prstGeom prst="bentConnector4">
+            <a:avLst>
+              <a:gd name="adj1" fmla="val 31081"/>
+              <a:gd name="adj2" fmla="val 108998"/>
+            </a:avLst>
+          </a:prstGeom>
+          <a:ln>
+            <a:tailEnd type="arrow"/>
+          </a:ln>
+        </p:spPr>
+        <p:style>
+          <a:lnRef idx="2">
+            <a:schemeClr val="accent2"/>
+          </a:lnRef>
+          <a:fillRef idx="0">
+            <a:schemeClr val="accent2"/>
+          </a:fillRef>
+          <a:effectRef idx="1">
+            <a:schemeClr val="accent2"/>
+          </a:effectRef>
+          <a:fontRef idx="minor">
+            <a:schemeClr val="tx1"/>
+          </a:fontRef>
+        </p:style>
+      </p:cxnSp>
+      <p:pic>
+        <p:nvPicPr>
+          <p:cNvPr id="55" name="Picture 54"/>
+          <p:cNvPicPr>
+            <a:picLocks noChangeAspect="1"/>
+          </p:cNvPicPr>
+          <p:nvPr/>
+        </p:nvPicPr>
+        <p:blipFill>
+          <a:blip r:embed="rId10" cstate="print">
+            <a:extLst>
+              <a:ext uri="{28A0092B-C50C-407E-A947-70E740481C1C}">
+                <a14:useLocalDpi xmlns:a14="http://schemas.microsoft.com/office/drawing/2010/main" val="0"/>
+              </a:ext>
+            </a:extLst>
+          </a:blip>
+          <a:stretch>
+            <a:fillRect/>
+          </a:stretch>
+        </p:blipFill>
+        <p:spPr>
+          <a:xfrm>
+            <a:off x="5956747" y="1009871"/>
+            <a:ext cx="288032" cy="387523"/>
+          </a:xfrm>
+          <a:prstGeom prst="rect">
+            <a:avLst/>
+          </a:prstGeom>
+        </p:spPr>
+      </p:pic>
+      <p:pic>
+        <p:nvPicPr>
+          <p:cNvPr id="56" name="Picture 55"/>
+          <p:cNvPicPr>
+            <a:picLocks noChangeAspect="1"/>
+          </p:cNvPicPr>
+          <p:nvPr/>
+        </p:nvPicPr>
+        <p:blipFill>
+          <a:blip r:embed="rId10" cstate="print">
+            <a:extLst>
+              <a:ext uri="{28A0092B-C50C-407E-A947-70E740481C1C}">
+                <a14:useLocalDpi xmlns:a14="http://schemas.microsoft.com/office/drawing/2010/main" val="0"/>
+              </a:ext>
+            </a:extLst>
+          </a:blip>
+          <a:stretch>
+            <a:fillRect/>
+          </a:stretch>
+        </p:blipFill>
+        <p:spPr>
+          <a:xfrm>
+            <a:off x="6251455" y="1009871"/>
+            <a:ext cx="288032" cy="387523"/>
+          </a:xfrm>
+          <a:prstGeom prst="rect">
+            <a:avLst/>
+          </a:prstGeom>
+        </p:spPr>
+      </p:pic>
+      <p:pic>
+        <p:nvPicPr>
+          <p:cNvPr id="59" name="Picture 58"/>
+          <p:cNvPicPr>
+            <a:picLocks noChangeAspect="1"/>
+          </p:cNvPicPr>
+          <p:nvPr/>
+        </p:nvPicPr>
+        <p:blipFill>
+          <a:blip r:embed="rId10" cstate="print">
+            <a:extLst>
+              <a:ext uri="{28A0092B-C50C-407E-A947-70E740481C1C}">
+                <a14:useLocalDpi xmlns:a14="http://schemas.microsoft.com/office/drawing/2010/main" val="0"/>
+              </a:ext>
+            </a:extLst>
+          </a:blip>
+          <a:stretch>
+            <a:fillRect/>
+          </a:stretch>
+        </p:blipFill>
+        <p:spPr>
+          <a:xfrm>
+            <a:off x="6546163" y="1009871"/>
+            <a:ext cx="288032" cy="387523"/>
+          </a:xfrm>
+          <a:prstGeom prst="rect">
+            <a:avLst/>
+          </a:prstGeom>
+        </p:spPr>
+      </p:pic>
+      <p:pic>
+        <p:nvPicPr>
+          <p:cNvPr id="60" name="Picture 59"/>
+          <p:cNvPicPr>
+            <a:picLocks noChangeAspect="1"/>
+          </p:cNvPicPr>
+          <p:nvPr/>
+        </p:nvPicPr>
+        <p:blipFill>
+          <a:blip r:embed="rId10" cstate="print">
+            <a:extLst>
+              <a:ext uri="{28A0092B-C50C-407E-A947-70E740481C1C}">
+                <a14:useLocalDpi xmlns:a14="http://schemas.microsoft.com/office/drawing/2010/main" val="0"/>
+              </a:ext>
+            </a:extLst>
+          </a:blip>
+          <a:stretch>
+            <a:fillRect/>
+          </a:stretch>
+        </p:blipFill>
+        <p:spPr>
+          <a:xfrm>
+            <a:off x="6840871" y="1009871"/>
+            <a:ext cx="288032" cy="387523"/>
+          </a:xfrm>
+          <a:prstGeom prst="rect">
+            <a:avLst/>
+          </a:prstGeom>
+        </p:spPr>
+      </p:pic>
+      <p:pic>
+        <p:nvPicPr>
+          <p:cNvPr id="61" name="Picture 60"/>
+          <p:cNvPicPr>
+            <a:picLocks noChangeAspect="1"/>
+          </p:cNvPicPr>
+          <p:nvPr/>
+        </p:nvPicPr>
+        <p:blipFill>
+          <a:blip r:embed="rId10" cstate="print">
+            <a:extLst>
+              <a:ext uri="{28A0092B-C50C-407E-A947-70E740481C1C}">
+                <a14:useLocalDpi xmlns:a14="http://schemas.microsoft.com/office/drawing/2010/main" val="0"/>
+              </a:ext>
+            </a:extLst>
+          </a:blip>
+          <a:stretch>
+            <a:fillRect/>
+          </a:stretch>
+        </p:blipFill>
+        <p:spPr>
+          <a:xfrm>
+            <a:off x="7135579" y="1009871"/>
+            <a:ext cx="288032" cy="387523"/>
+          </a:xfrm>
+          <a:prstGeom prst="rect">
+            <a:avLst/>
+          </a:prstGeom>
+        </p:spPr>
+      </p:pic>
+      <p:pic>
+        <p:nvPicPr>
+          <p:cNvPr id="67" name="Picture 66"/>
+          <p:cNvPicPr>
+            <a:picLocks noChangeAspect="1"/>
+          </p:cNvPicPr>
+          <p:nvPr/>
+        </p:nvPicPr>
+        <p:blipFill>
+          <a:blip r:embed="rId11" cstate="print">
+            <a:extLst>
+              <a:ext uri="{28A0092B-C50C-407E-A947-70E740481C1C}">
+                <a14:useLocalDpi xmlns:a14="http://schemas.microsoft.com/office/drawing/2010/main" val="0"/>
+              </a:ext>
+            </a:extLst>
+          </a:blip>
+          <a:stretch>
+            <a:fillRect/>
+          </a:stretch>
+        </p:blipFill>
+        <p:spPr>
+          <a:xfrm>
+            <a:off x="7430287" y="1009871"/>
+            <a:ext cx="288981" cy="388800"/>
+          </a:xfrm>
+          <a:prstGeom prst="rect">
+            <a:avLst/>
+          </a:prstGeom>
+        </p:spPr>
+      </p:pic>
+      <p:pic>
+        <p:nvPicPr>
+          <p:cNvPr id="68" name="Picture 67"/>
+          <p:cNvPicPr>
+            <a:picLocks noChangeAspect="1"/>
+          </p:cNvPicPr>
+          <p:nvPr/>
+        </p:nvPicPr>
+        <p:blipFill>
+          <a:blip r:embed="rId11" cstate="print">
+            <a:extLst>
+              <a:ext uri="{28A0092B-C50C-407E-A947-70E740481C1C}">
+                <a14:useLocalDpi xmlns:a14="http://schemas.microsoft.com/office/drawing/2010/main" val="0"/>
+              </a:ext>
+            </a:extLst>
+          </a:blip>
+          <a:stretch>
+            <a:fillRect/>
+          </a:stretch>
+        </p:blipFill>
+        <p:spPr>
+          <a:xfrm>
+            <a:off x="7725944" y="1008594"/>
+            <a:ext cx="288981" cy="388800"/>
+          </a:xfrm>
+          <a:prstGeom prst="rect">
+            <a:avLst/>
+          </a:prstGeom>
+        </p:spPr>
+      </p:pic>
+      <p:pic>
+        <p:nvPicPr>
+          <p:cNvPr id="69" name="Picture 68"/>
+          <p:cNvPicPr>
+            <a:picLocks noChangeAspect="1"/>
+          </p:cNvPicPr>
+          <p:nvPr/>
+        </p:nvPicPr>
+        <p:blipFill>
+          <a:blip r:embed="rId11" cstate="print">
+            <a:extLst>
+              <a:ext uri="{28A0092B-C50C-407E-A947-70E740481C1C}">
+                <a14:useLocalDpi xmlns:a14="http://schemas.microsoft.com/office/drawing/2010/main" val="0"/>
+              </a:ext>
+            </a:extLst>
+          </a:blip>
+          <a:stretch>
+            <a:fillRect/>
+          </a:stretch>
+        </p:blipFill>
+        <p:spPr>
+          <a:xfrm>
+            <a:off x="8021601" y="1008594"/>
+            <a:ext cx="288981" cy="388800"/>
+          </a:xfrm>
+          <a:prstGeom prst="rect">
+            <a:avLst/>
+          </a:prstGeom>
+        </p:spPr>
+      </p:pic>
+      <p:pic>
+        <p:nvPicPr>
+          <p:cNvPr id="70" name="Picture 69"/>
+          <p:cNvPicPr>
+            <a:picLocks noChangeAspect="1"/>
+          </p:cNvPicPr>
+          <p:nvPr/>
+        </p:nvPicPr>
+        <p:blipFill>
+          <a:blip r:embed="rId11" cstate="print">
+            <a:extLst>
+              <a:ext uri="{28A0092B-C50C-407E-A947-70E740481C1C}">
+                <a14:useLocalDpi xmlns:a14="http://schemas.microsoft.com/office/drawing/2010/main" val="0"/>
+              </a:ext>
+            </a:extLst>
+          </a:blip>
+          <a:stretch>
+            <a:fillRect/>
+          </a:stretch>
+        </p:blipFill>
+        <p:spPr>
+          <a:xfrm>
+            <a:off x="8317258" y="1008594"/>
+            <a:ext cx="288981" cy="388800"/>
+          </a:xfrm>
+          <a:prstGeom prst="rect">
+            <a:avLst/>
+          </a:prstGeom>
+        </p:spPr>
+      </p:pic>
+      <p:pic>
+        <p:nvPicPr>
+          <p:cNvPr id="71" name="Picture 70"/>
+          <p:cNvPicPr>
+            <a:picLocks noChangeAspect="1"/>
+          </p:cNvPicPr>
+          <p:nvPr/>
+        </p:nvPicPr>
+        <p:blipFill>
+          <a:blip r:embed="rId11" cstate="print">
+            <a:extLst>
+              <a:ext uri="{28A0092B-C50C-407E-A947-70E740481C1C}">
+                <a14:useLocalDpi xmlns:a14="http://schemas.microsoft.com/office/drawing/2010/main" val="0"/>
+              </a:ext>
+            </a:extLst>
+          </a:blip>
+          <a:stretch>
+            <a:fillRect/>
+          </a:stretch>
+        </p:blipFill>
+        <p:spPr>
+          <a:xfrm>
+            <a:off x="8612912" y="1008594"/>
+            <a:ext cx="288981" cy="388800"/>
+          </a:xfrm>
+          <a:prstGeom prst="rect">
+            <a:avLst/>
+          </a:prstGeom>
+        </p:spPr>
+      </p:pic>
+      <p:sp>
+        <p:nvSpPr>
+          <p:cNvPr id="73" name="Rectangle 72"/>
+          <p:cNvSpPr/>
+          <p:nvPr/>
+        </p:nvSpPr>
+        <p:spPr>
+          <a:xfrm>
+            <a:off x="5724128" y="1008594"/>
+            <a:ext cx="3312368" cy="454229"/>
+          </a:xfrm>
+          <a:prstGeom prst="rect">
+            <a:avLst/>
+          </a:prstGeom>
+          <a:noFill/>
+          <a:ln w="44450">
+            <a:solidFill>
+              <a:srgbClr val="FF0000"/>
+            </a:solidFill>
+          </a:ln>
+        </p:spPr>
+        <p:style>
+          <a:lnRef idx="2">
+            <a:schemeClr val="accent1">
+              <a:shade val="50000"/>
+            </a:schemeClr>
+          </a:lnRef>
+          <a:fillRef idx="1">
+            <a:schemeClr val="accent1"/>
+          </a:fillRef>
+          <a:effectRef idx="0">
+            <a:schemeClr val="accent1"/>
+          </a:effectRef>
+          <a:fontRef idx="minor">
+            <a:schemeClr val="lt1"/>
+          </a:fontRef>
+        </p:style>
+        <p:txBody>
+          <a:bodyPr rtlCol="0" anchor="ctr"/>
+          <a:lstStyle/>
+          <a:p>
+            <a:pPr algn="ctr"/>
+            <a:endParaRPr lang="ko-KR" altLang="en-US"/>
+          </a:p>
+        </p:txBody>
+      </p:sp>
+      <p:cxnSp>
+        <p:nvCxnSpPr>
+          <p:cNvPr id="76" name="Elbow Connector 75"/>
+          <p:cNvCxnSpPr>
+            <a:stCxn id="73" idx="1"/>
+          </p:cNvCxnSpPr>
+          <p:nvPr/>
+        </p:nvCxnSpPr>
+        <p:spPr>
+          <a:xfrm rot="10800000">
+            <a:off x="4459416" y="589331"/>
+            <a:ext cx="1264712" cy="646378"/>
+          </a:xfrm>
+          <a:prstGeom prst="bentConnector3">
+            <a:avLst>
+              <a:gd name="adj1" fmla="val 118075"/>
+            </a:avLst>
+          </a:prstGeom>
+          <a:ln>
+            <a:tailEnd type="arrow"/>
+          </a:ln>
+        </p:spPr>
+        <p:style>
+          <a:lnRef idx="2">
+            <a:schemeClr val="accent2"/>
+          </a:lnRef>
+          <a:fillRef idx="0">
+            <a:schemeClr val="accent2"/>
+          </a:fillRef>
+          <a:effectRef idx="1">
+            <a:schemeClr val="accent2"/>
+          </a:effectRef>
+          <a:fontRef idx="minor">
+            <a:schemeClr val="tx1"/>
+          </a:fontRef>
+        </p:style>
+      </p:cxnSp>
+      <p:sp>
+        <p:nvSpPr>
+          <p:cNvPr id="79" name="TextBox 78"/>
+          <p:cNvSpPr txBox="1"/>
+          <p:nvPr/>
+        </p:nvSpPr>
+        <p:spPr>
+          <a:xfrm>
+            <a:off x="4461924" y="404664"/>
+            <a:ext cx="4684584" cy="461665"/>
+          </a:xfrm>
+          <a:prstGeom prst="rect">
+            <a:avLst/>
+          </a:prstGeom>
+          <a:noFill/>
+        </p:spPr>
+        <p:txBody>
+          <a:bodyPr wrap="square" rtlCol="0">
+            <a:spAutoFit/>
+          </a:bodyPr>
+          <a:lstStyle/>
+          <a:p>
+            <a:r>
+              <a:rPr lang="ko-KR" altLang="en-US" sz="1200" dirty="0" smtClean="0"/>
+              <a:t>코스트 출력창이다 </a:t>
+            </a:r>
+            <a:r>
+              <a:rPr lang="en-US" altLang="ko-KR" sz="1200" dirty="0" smtClean="0"/>
+              <a:t>1</a:t>
+            </a:r>
+            <a:r>
+              <a:rPr lang="ko-KR" altLang="en-US" sz="1200" dirty="0" smtClean="0"/>
+              <a:t>턴당 </a:t>
+            </a:r>
+            <a:r>
+              <a:rPr lang="en-US" altLang="ko-KR" sz="1200" dirty="0" smtClean="0"/>
+              <a:t>1</a:t>
+            </a:r>
+            <a:r>
+              <a:rPr lang="ko-KR" altLang="en-US" sz="1200" dirty="0" smtClean="0"/>
+              <a:t>씩 증가한 코스트가 주어지며</a:t>
+            </a:r>
+            <a:r>
+              <a:rPr lang="en-US" altLang="ko-KR" sz="1200" dirty="0" smtClean="0"/>
+              <a:t>, </a:t>
+            </a:r>
+            <a:r>
+              <a:rPr lang="ko-KR" altLang="en-US" sz="1200" dirty="0" smtClean="0"/>
+              <a:t>선택된 행동의 코스트 만큼 투명해진다</a:t>
+            </a:r>
+            <a:r>
+              <a:rPr lang="en-US" altLang="ko-KR" sz="1200" dirty="0" smtClean="0"/>
+              <a:t>.</a:t>
+            </a:r>
+            <a:r>
+              <a:rPr lang="ko-KR" altLang="en-US" sz="1200" dirty="0" smtClean="0"/>
+              <a:t> 최대용량은 </a:t>
+            </a:r>
+            <a:r>
+              <a:rPr lang="en-US" altLang="ko-KR" sz="1200" dirty="0" smtClean="0"/>
+              <a:t>10</a:t>
+            </a:r>
+            <a:r>
+              <a:rPr lang="ko-KR" altLang="en-US" sz="1200" dirty="0" smtClean="0"/>
+              <a:t>이다</a:t>
+            </a:r>
+            <a:r>
+              <a:rPr lang="en-US" altLang="ko-KR" sz="1200" dirty="0" smtClean="0"/>
+              <a:t>.</a:t>
+            </a:r>
+            <a:endParaRPr lang="ko-KR" altLang="en-US" sz="1200" dirty="0"/>
+          </a:p>
+        </p:txBody>
+      </p:sp>
+      <p:pic>
+        <p:nvPicPr>
+          <p:cNvPr id="80" name="Picture 79"/>
+          <p:cNvPicPr>
+            <a:picLocks noChangeAspect="1"/>
+          </p:cNvPicPr>
+          <p:nvPr/>
+        </p:nvPicPr>
+        <p:blipFill>
+          <a:blip r:embed="rId12" cstate="print">
+            <a:extLst>
+              <a:ext uri="{28A0092B-C50C-407E-A947-70E740481C1C}">
+                <a14:useLocalDpi xmlns:a14="http://schemas.microsoft.com/office/drawing/2010/main" val="0"/>
+              </a:ext>
+            </a:extLst>
+          </a:blip>
+          <a:stretch>
+            <a:fillRect/>
+          </a:stretch>
+        </p:blipFill>
+        <p:spPr>
+          <a:xfrm>
+            <a:off x="1809889" y="4166448"/>
+            <a:ext cx="425447" cy="697422"/>
+          </a:xfrm>
+          <a:prstGeom prst="rect">
+            <a:avLst/>
+          </a:prstGeom>
+          <a:ln>
+            <a:noFill/>
+          </a:ln>
+          <a:effectLst>
+            <a:outerShdw blurRad="190500" algn="tl" rotWithShape="0">
+              <a:srgbClr val="000000">
+                <a:alpha val="70000"/>
+              </a:srgbClr>
+            </a:outerShdw>
+          </a:effectLst>
+        </p:spPr>
+      </p:pic>
+      <p:pic>
+        <p:nvPicPr>
+          <p:cNvPr id="82" name="Picture 81"/>
+          <p:cNvPicPr>
+            <a:picLocks noChangeAspect="1"/>
+          </p:cNvPicPr>
+          <p:nvPr/>
+        </p:nvPicPr>
+        <p:blipFill>
+          <a:blip r:embed="rId13" cstate="print">
+            <a:extLst>
+              <a:ext uri="{28A0092B-C50C-407E-A947-70E740481C1C}">
+                <a14:useLocalDpi xmlns:a14="http://schemas.microsoft.com/office/drawing/2010/main" val="0"/>
+              </a:ext>
+            </a:extLst>
+          </a:blip>
+          <a:stretch>
+            <a:fillRect/>
+          </a:stretch>
+        </p:blipFill>
+        <p:spPr>
+          <a:xfrm>
+            <a:off x="2483768" y="4184049"/>
+            <a:ext cx="619389" cy="742321"/>
+          </a:xfrm>
+          <a:prstGeom prst="rect">
+            <a:avLst/>
+          </a:prstGeom>
+          <a:ln>
+            <a:noFill/>
+          </a:ln>
+          <a:effectLst>
+            <a:outerShdw blurRad="190500" algn="tl" rotWithShape="0">
+              <a:srgbClr val="000000">
+                <a:alpha val="70000"/>
+              </a:srgbClr>
+            </a:outerShdw>
+          </a:effectLst>
+        </p:spPr>
+      </p:pic>
+      <p:sp>
+        <p:nvSpPr>
+          <p:cNvPr id="84" name="Rectangle 83"/>
+          <p:cNvSpPr/>
+          <p:nvPr/>
+        </p:nvSpPr>
+        <p:spPr>
+          <a:xfrm>
+            <a:off x="1691680" y="4013518"/>
+            <a:ext cx="1411477" cy="946008"/>
+          </a:xfrm>
+          <a:prstGeom prst="rect">
+            <a:avLst/>
+          </a:prstGeom>
+          <a:noFill/>
+          <a:ln w="44450">
+            <a:solidFill>
+              <a:srgbClr val="FF0000"/>
+            </a:solidFill>
+          </a:ln>
+        </p:spPr>
+        <p:style>
+          <a:lnRef idx="2">
+            <a:schemeClr val="accent1">
+              <a:shade val="50000"/>
+            </a:schemeClr>
+          </a:lnRef>
+          <a:fillRef idx="1">
+            <a:schemeClr val="accent1"/>
+          </a:fillRef>
+          <a:effectRef idx="0">
+            <a:schemeClr val="accent1"/>
+          </a:effectRef>
+          <a:fontRef idx="minor">
+            <a:schemeClr val="lt1"/>
+          </a:fontRef>
+        </p:style>
+        <p:txBody>
+          <a:bodyPr rtlCol="0" anchor="ctr"/>
+          <a:lstStyle/>
+          <a:p>
+            <a:pPr algn="ctr"/>
+            <a:endParaRPr lang="ko-KR" altLang="en-US"/>
+          </a:p>
+        </p:txBody>
+      </p:sp>
+      <p:sp>
+        <p:nvSpPr>
+          <p:cNvPr id="86" name="TextBox 85"/>
+          <p:cNvSpPr txBox="1"/>
+          <p:nvPr/>
+        </p:nvSpPr>
+        <p:spPr>
+          <a:xfrm>
+            <a:off x="50275" y="6067852"/>
+            <a:ext cx="3762151" cy="461665"/>
+          </a:xfrm>
+          <a:prstGeom prst="rect">
+            <a:avLst/>
+          </a:prstGeom>
+          <a:noFill/>
+        </p:spPr>
+        <p:txBody>
+          <a:bodyPr wrap="square" rtlCol="0">
+            <a:spAutoFit/>
+          </a:bodyPr>
+          <a:lstStyle/>
+          <a:p>
+            <a:r>
+              <a:rPr lang="ko-KR" altLang="en-US" sz="1200" dirty="0" smtClean="0"/>
+              <a:t>공격과 이동버튼</a:t>
+            </a:r>
+            <a:r>
+              <a:rPr lang="en-US" altLang="ko-KR" sz="1200" dirty="0" smtClean="0"/>
+              <a:t>, </a:t>
+            </a:r>
+            <a:r>
+              <a:rPr lang="ko-KR" altLang="en-US" sz="1200" dirty="0" smtClean="0"/>
+              <a:t>클릭시 범위를 타일에 표시하고</a:t>
+            </a:r>
+            <a:r>
+              <a:rPr lang="en-US" altLang="ko-KR" sz="1200" dirty="0" smtClean="0"/>
+              <a:t>, </a:t>
+            </a:r>
+            <a:r>
+              <a:rPr lang="ko-KR" altLang="en-US" sz="1200" dirty="0" smtClean="0"/>
+              <a:t>사용되는 코스트만큼 코스트가 투명화한다</a:t>
+            </a:r>
+            <a:r>
+              <a:rPr lang="en-US" altLang="ko-KR" sz="1200" dirty="0" smtClean="0"/>
+              <a:t>.</a:t>
+            </a:r>
+            <a:endParaRPr lang="ko-KR" altLang="en-US" sz="1200" dirty="0"/>
+          </a:p>
+        </p:txBody>
+      </p:sp>
+      <p:cxnSp>
+        <p:nvCxnSpPr>
+          <p:cNvPr id="88" name="Elbow Connector 87"/>
+          <p:cNvCxnSpPr>
+            <a:stCxn id="84" idx="3"/>
+            <a:endCxn id="86" idx="3"/>
+          </p:cNvCxnSpPr>
+          <p:nvPr/>
+        </p:nvCxnSpPr>
+        <p:spPr>
+          <a:xfrm>
+            <a:off x="3103157" y="4486522"/>
+            <a:ext cx="709269" cy="1812163"/>
+          </a:xfrm>
+          <a:prstGeom prst="bentConnector3">
+            <a:avLst>
+              <a:gd name="adj1" fmla="val 132230"/>
+            </a:avLst>
+          </a:prstGeom>
+          <a:ln>
+            <a:tailEnd type="arrow"/>
+          </a:ln>
+        </p:spPr>
+        <p:style>
+          <a:lnRef idx="2">
+            <a:schemeClr val="accent2"/>
+          </a:lnRef>
+          <a:fillRef idx="0">
+            <a:schemeClr val="accent2"/>
+          </a:fillRef>
+          <a:effectRef idx="1">
+            <a:schemeClr val="accent2"/>
+          </a:effectRef>
+          <a:fontRef idx="minor">
+            <a:schemeClr val="tx1"/>
+          </a:fontRef>
+        </p:style>
+      </p:cxnSp>
+      <p:pic>
+        <p:nvPicPr>
+          <p:cNvPr id="92" name="Picture 91"/>
+          <p:cNvPicPr>
+            <a:picLocks noChangeAspect="1"/>
+          </p:cNvPicPr>
+          <p:nvPr/>
+        </p:nvPicPr>
+        <p:blipFill>
+          <a:blip r:embed="rId14" cstate="print">
+            <a:extLst>
+              <a:ext uri="{28A0092B-C50C-407E-A947-70E740481C1C}">
+                <a14:useLocalDpi xmlns:a14="http://schemas.microsoft.com/office/drawing/2010/main" val="0"/>
+              </a:ext>
+            </a:extLst>
+          </a:blip>
+          <a:stretch>
+            <a:fillRect/>
+          </a:stretch>
+        </p:blipFill>
+        <p:spPr>
+          <a:xfrm>
+            <a:off x="8491709" y="2670865"/>
+            <a:ext cx="393552" cy="578600"/>
+          </a:xfrm>
+          <a:prstGeom prst="rect">
+            <a:avLst/>
+          </a:prstGeom>
+          <a:ln>
+            <a:noFill/>
+          </a:ln>
+          <a:effectLst>
+            <a:outerShdw blurRad="190500" algn="tl" rotWithShape="0">
+              <a:srgbClr val="000000">
+                <a:alpha val="70000"/>
+              </a:srgbClr>
+            </a:outerShdw>
+          </a:effectLst>
+        </p:spPr>
+      </p:pic>
+      <p:sp>
+        <p:nvSpPr>
+          <p:cNvPr id="95" name="Rectangle 94"/>
+          <p:cNvSpPr/>
+          <p:nvPr/>
+        </p:nvSpPr>
+        <p:spPr>
+          <a:xfrm>
+            <a:off x="8348450" y="2623836"/>
+            <a:ext cx="680069" cy="672657"/>
+          </a:xfrm>
+          <a:prstGeom prst="rect">
+            <a:avLst/>
+          </a:prstGeom>
+          <a:noFill/>
+          <a:ln w="44450">
+            <a:solidFill>
+              <a:srgbClr val="FF0000"/>
+            </a:solidFill>
+          </a:ln>
+        </p:spPr>
+        <p:style>
+          <a:lnRef idx="2">
+            <a:schemeClr val="accent1">
+              <a:shade val="50000"/>
+            </a:schemeClr>
+          </a:lnRef>
+          <a:fillRef idx="1">
+            <a:schemeClr val="accent1"/>
+          </a:fillRef>
+          <a:effectRef idx="0">
+            <a:schemeClr val="accent1"/>
+          </a:effectRef>
+          <a:fontRef idx="minor">
+            <a:schemeClr val="lt1"/>
+          </a:fontRef>
+        </p:style>
+        <p:txBody>
+          <a:bodyPr rtlCol="0" anchor="ctr"/>
+          <a:lstStyle/>
+          <a:p>
+            <a:pPr algn="ctr"/>
+            <a:endParaRPr lang="ko-KR" altLang="en-US"/>
+          </a:p>
+        </p:txBody>
+      </p:sp>
+      <p:sp>
+        <p:nvSpPr>
+          <p:cNvPr id="96" name="TextBox 95"/>
+          <p:cNvSpPr txBox="1"/>
+          <p:nvPr/>
+        </p:nvSpPr>
+        <p:spPr>
+          <a:xfrm>
+            <a:off x="5364088" y="2025378"/>
+            <a:ext cx="3521173" cy="461665"/>
+          </a:xfrm>
+          <a:prstGeom prst="rect">
+            <a:avLst/>
+          </a:prstGeom>
+          <a:noFill/>
+        </p:spPr>
+        <p:txBody>
+          <a:bodyPr wrap="square" rtlCol="0">
+            <a:spAutoFit/>
+          </a:bodyPr>
+          <a:lstStyle/>
+          <a:p>
+            <a:r>
+              <a:rPr lang="ko-KR" altLang="en-US" sz="1200" dirty="0" smtClean="0"/>
+              <a:t>일시정지</a:t>
+            </a:r>
+            <a:r>
+              <a:rPr lang="en-US" altLang="ko-KR" sz="1200" dirty="0" smtClean="0"/>
+              <a:t>,</a:t>
+            </a:r>
+            <a:r>
+              <a:rPr lang="ko-KR" altLang="en-US" sz="1200" dirty="0" smtClean="0"/>
+              <a:t>재도전</a:t>
+            </a:r>
+            <a:r>
+              <a:rPr lang="en-US" altLang="ko-KR" sz="1200" dirty="0" smtClean="0"/>
+              <a:t>,</a:t>
+            </a:r>
+            <a:r>
+              <a:rPr lang="ko-KR" altLang="en-US" sz="1200" dirty="0" smtClean="0"/>
+              <a:t>나가기버튼이 있는 팝업창을 띄우는 설정 버튼이다</a:t>
+            </a:r>
+            <a:r>
+              <a:rPr lang="en-US" altLang="ko-KR" sz="1200" dirty="0" smtClean="0"/>
+              <a:t>.</a:t>
+            </a:r>
+            <a:endParaRPr lang="ko-KR" altLang="en-US" sz="1200" dirty="0"/>
+          </a:p>
+        </p:txBody>
+      </p:sp>
+      <p:cxnSp>
+        <p:nvCxnSpPr>
+          <p:cNvPr id="98" name="Elbow Connector 97"/>
+          <p:cNvCxnSpPr>
+            <a:stCxn id="95" idx="1"/>
+            <a:endCxn id="96" idx="1"/>
+          </p:cNvCxnSpPr>
+          <p:nvPr/>
+        </p:nvCxnSpPr>
+        <p:spPr>
+          <a:xfrm rot="10800000">
+            <a:off x="5364088" y="2256211"/>
+            <a:ext cx="2984362" cy="703954"/>
+          </a:xfrm>
+          <a:prstGeom prst="bentConnector3">
+            <a:avLst>
+              <a:gd name="adj1" fmla="val 107660"/>
+            </a:avLst>
+          </a:prstGeom>
+          <a:ln>
+            <a:tailEnd type="arrow"/>
+          </a:ln>
+        </p:spPr>
+        <p:style>
+          <a:lnRef idx="2">
+            <a:schemeClr val="accent2"/>
+          </a:lnRef>
+          <a:fillRef idx="0">
+            <a:schemeClr val="accent2"/>
+          </a:fillRef>
+          <a:effectRef idx="1">
+            <a:schemeClr val="accent2"/>
+          </a:effectRef>
+          <a:fontRef idx="minor">
+            <a:schemeClr val="tx1"/>
+          </a:fontRef>
+        </p:style>
+      </p:cxnSp>
+    </p:spTree>
+    <p:extLst>
+      <p:ext uri="{BB962C8B-B14F-4D97-AF65-F5344CB8AC3E}">
+        <p14:creationId xmlns:p14="http://schemas.microsoft.com/office/powerpoint/2010/main" val="640295758"/>
       </p:ext>
     </p:extLst>
   </p:cSld>

--- a/기획문서/그림용ppt2.pptx
+++ b/기획문서/그림용ppt2.pptx
@@ -5,7 +5,7 @@
     <p:sldMasterId id="2147483648" r:id="rId1"/>
   </p:sldMasterIdLst>
   <p:notesMasterIdLst>
-    <p:notesMasterId r:id="rId12"/>
+    <p:notesMasterId r:id="rId13"/>
   </p:notesMasterIdLst>
   <p:sldIdLst>
     <p:sldId id="256" r:id="rId2"/>
@@ -18,6 +18,7 @@
     <p:sldId id="263" r:id="rId9"/>
     <p:sldId id="264" r:id="rId10"/>
     <p:sldId id="265" r:id="rId11"/>
+    <p:sldId id="266" r:id="rId12"/>
   </p:sldIdLst>
   <p:sldSz cx="9144000" cy="6858000" type="screen4x3"/>
   <p:notesSz cx="6858000" cy="9144000"/>
@@ -201,7 +202,7 @@
           <a:p>
             <a:fld id="{829D6308-BF7B-495A-9DA7-82E6D8FA2D9D}" type="datetimeFigureOut">
               <a:rPr lang="ko-KR" altLang="en-US" smtClean="0"/>
-              <a:t>2016-03-19</a:t>
+              <a:t>2016-03-23</a:t>
             </a:fld>
             <a:endParaRPr lang="ko-KR" altLang="en-US"/>
           </a:p>
@@ -734,7 +735,7 @@
           <a:p>
             <a:fld id="{887B44D2-9F09-4CF5-9157-8AA3F99D97C1}" type="datetimeFigureOut">
               <a:rPr lang="ko-KR" altLang="en-US" smtClean="0"/>
-              <a:t>2016-03-19</a:t>
+              <a:t>2016-03-23</a:t>
             </a:fld>
             <a:endParaRPr lang="ko-KR" altLang="en-US"/>
           </a:p>
@@ -904,7 +905,7 @@
           <a:p>
             <a:fld id="{887B44D2-9F09-4CF5-9157-8AA3F99D97C1}" type="datetimeFigureOut">
               <a:rPr lang="ko-KR" altLang="en-US" smtClean="0"/>
-              <a:t>2016-03-19</a:t>
+              <a:t>2016-03-23</a:t>
             </a:fld>
             <a:endParaRPr lang="ko-KR" altLang="en-US"/>
           </a:p>
@@ -1084,7 +1085,7 @@
           <a:p>
             <a:fld id="{887B44D2-9F09-4CF5-9157-8AA3F99D97C1}" type="datetimeFigureOut">
               <a:rPr lang="ko-KR" altLang="en-US" smtClean="0"/>
-              <a:t>2016-03-19</a:t>
+              <a:t>2016-03-23</a:t>
             </a:fld>
             <a:endParaRPr lang="ko-KR" altLang="en-US"/>
           </a:p>
@@ -1254,7 +1255,7 @@
           <a:p>
             <a:fld id="{887B44D2-9F09-4CF5-9157-8AA3F99D97C1}" type="datetimeFigureOut">
               <a:rPr lang="ko-KR" altLang="en-US" smtClean="0"/>
-              <a:t>2016-03-19</a:t>
+              <a:t>2016-03-23</a:t>
             </a:fld>
             <a:endParaRPr lang="ko-KR" altLang="en-US"/>
           </a:p>
@@ -1500,7 +1501,7 @@
           <a:p>
             <a:fld id="{887B44D2-9F09-4CF5-9157-8AA3F99D97C1}" type="datetimeFigureOut">
               <a:rPr lang="ko-KR" altLang="en-US" smtClean="0"/>
-              <a:t>2016-03-19</a:t>
+              <a:t>2016-03-23</a:t>
             </a:fld>
             <a:endParaRPr lang="ko-KR" altLang="en-US"/>
           </a:p>
@@ -1788,7 +1789,7 @@
           <a:p>
             <a:fld id="{887B44D2-9F09-4CF5-9157-8AA3F99D97C1}" type="datetimeFigureOut">
               <a:rPr lang="ko-KR" altLang="en-US" smtClean="0"/>
-              <a:t>2016-03-19</a:t>
+              <a:t>2016-03-23</a:t>
             </a:fld>
             <a:endParaRPr lang="ko-KR" altLang="en-US"/>
           </a:p>
@@ -2210,7 +2211,7 @@
           <a:p>
             <a:fld id="{887B44D2-9F09-4CF5-9157-8AA3F99D97C1}" type="datetimeFigureOut">
               <a:rPr lang="ko-KR" altLang="en-US" smtClean="0"/>
-              <a:t>2016-03-19</a:t>
+              <a:t>2016-03-23</a:t>
             </a:fld>
             <a:endParaRPr lang="ko-KR" altLang="en-US"/>
           </a:p>
@@ -2328,7 +2329,7 @@
           <a:p>
             <a:fld id="{887B44D2-9F09-4CF5-9157-8AA3F99D97C1}" type="datetimeFigureOut">
               <a:rPr lang="ko-KR" altLang="en-US" smtClean="0"/>
-              <a:t>2016-03-19</a:t>
+              <a:t>2016-03-23</a:t>
             </a:fld>
             <a:endParaRPr lang="ko-KR" altLang="en-US"/>
           </a:p>
@@ -2423,7 +2424,7 @@
           <a:p>
             <a:fld id="{887B44D2-9F09-4CF5-9157-8AA3F99D97C1}" type="datetimeFigureOut">
               <a:rPr lang="ko-KR" altLang="en-US" smtClean="0"/>
-              <a:t>2016-03-19</a:t>
+              <a:t>2016-03-23</a:t>
             </a:fld>
             <a:endParaRPr lang="ko-KR" altLang="en-US"/>
           </a:p>
@@ -2700,7 +2701,7 @@
           <a:p>
             <a:fld id="{887B44D2-9F09-4CF5-9157-8AA3F99D97C1}" type="datetimeFigureOut">
               <a:rPr lang="ko-KR" altLang="en-US" smtClean="0"/>
-              <a:t>2016-03-19</a:t>
+              <a:t>2016-03-23</a:t>
             </a:fld>
             <a:endParaRPr lang="ko-KR" altLang="en-US"/>
           </a:p>
@@ -2953,7 +2954,7 @@
           <a:p>
             <a:fld id="{887B44D2-9F09-4CF5-9157-8AA3F99D97C1}" type="datetimeFigureOut">
               <a:rPr lang="ko-KR" altLang="en-US" smtClean="0"/>
-              <a:t>2016-03-19</a:t>
+              <a:t>2016-03-23</a:t>
             </a:fld>
             <a:endParaRPr lang="ko-KR" altLang="en-US"/>
           </a:p>
@@ -3166,7 +3167,7 @@
           <a:p>
             <a:fld id="{887B44D2-9F09-4CF5-9157-8AA3F99D97C1}" type="datetimeFigureOut">
               <a:rPr lang="ko-KR" altLang="en-US" smtClean="0"/>
-              <a:t>2016-03-19</a:t>
+              <a:t>2016-03-23</a:t>
             </a:fld>
             <a:endParaRPr lang="ko-KR" altLang="en-US"/>
           </a:p>
@@ -5547,6 +5548,36 @@
     <p:extLst>
       <p:ext uri="{BB962C8B-B14F-4D97-AF65-F5344CB8AC3E}">
         <p14:creationId xmlns:p14="http://schemas.microsoft.com/office/powerpoint/2010/main" val="640295758"/>
+      </p:ext>
+    </p:extLst>
+  </p:cSld>
+  <p:clrMapOvr>
+    <a:masterClrMapping/>
+  </p:clrMapOvr>
+</p:sld>
+</file>
+
+<file path=ppt/slides/slide11.xml><?xml version="1.0" encoding="utf-8"?>
+<p:sld xmlns:a="http://schemas.openxmlformats.org/drawingml/2006/main" xmlns:r="http://schemas.openxmlformats.org/officeDocument/2006/relationships" xmlns:p="http://schemas.openxmlformats.org/presentationml/2006/main">
+  <p:cSld>
+    <p:spTree>
+      <p:nvGrpSpPr>
+        <p:cNvPr id="1" name=""/>
+        <p:cNvGrpSpPr/>
+        <p:nvPr/>
+      </p:nvGrpSpPr>
+      <p:grpSpPr>
+        <a:xfrm>
+          <a:off x="0" y="0"/>
+          <a:ext cx="0" cy="0"/>
+          <a:chOff x="0" y="0"/>
+          <a:chExt cx="0" cy="0"/>
+        </a:xfrm>
+      </p:grpSpPr>
+    </p:spTree>
+    <p:extLst>
+      <p:ext uri="{BB962C8B-B14F-4D97-AF65-F5344CB8AC3E}">
+        <p14:creationId xmlns:p14="http://schemas.microsoft.com/office/powerpoint/2010/main" val="2908003961"/>
       </p:ext>
     </p:extLst>
   </p:cSld>
